--- a/présentation_android.pptx
+++ b/présentation_android.pptx
@@ -7,9 +7,13 @@
   <p:sldIdLst>
     <p:sldId id="257" r:id="rId2"/>
     <p:sldId id="256" r:id="rId3"/>
-    <p:sldId id="258" r:id="rId4"/>
-    <p:sldId id="259" r:id="rId5"/>
-    <p:sldId id="260" r:id="rId6"/>
+    <p:sldId id="264" r:id="rId4"/>
+    <p:sldId id="261" r:id="rId5"/>
+    <p:sldId id="262" r:id="rId6"/>
+    <p:sldId id="263" r:id="rId7"/>
+    <p:sldId id="258" r:id="rId8"/>
+    <p:sldId id="259" r:id="rId9"/>
+    <p:sldId id="260" r:id="rId10"/>
   </p:sldIdLst>
   <p:sldSz cx="12192000" cy="6858000"/>
   <p:notesSz cx="6858000" cy="9144000"/>
@@ -108,6 +112,11 @@
       </a:defRPr>
     </a:lvl9pPr>
   </p:defaultTextStyle>
+  <p:extLst>
+    <p:ext uri="{EFAFB233-063F-42B5-8137-9DF3F51BA10A}">
+      <p15:sldGuideLst xmlns:p15="http://schemas.microsoft.com/office/powerpoint/2012/main"/>
+    </p:ext>
+  </p:extLst>
 </p:presentation>
 </file>
 
@@ -258,7 +267,7 @@
           <a:p>
             <a:fld id="{00150223-162A-451F-8AEE-18F954B8D532}" type="datetimeFigureOut">
               <a:rPr lang="fr-FR" smtClean="0"/>
-              <a:t>22/04/2019</a:t>
+              <a:t>23/04/2019</a:t>
             </a:fld>
             <a:endParaRPr lang="fr-FR"/>
           </a:p>
@@ -456,7 +465,7 @@
           <a:p>
             <a:fld id="{00150223-162A-451F-8AEE-18F954B8D532}" type="datetimeFigureOut">
               <a:rPr lang="fr-FR" smtClean="0"/>
-              <a:t>22/04/2019</a:t>
+              <a:t>23/04/2019</a:t>
             </a:fld>
             <a:endParaRPr lang="fr-FR"/>
           </a:p>
@@ -664,7 +673,7 @@
           <a:p>
             <a:fld id="{00150223-162A-451F-8AEE-18F954B8D532}" type="datetimeFigureOut">
               <a:rPr lang="fr-FR" smtClean="0"/>
-              <a:t>22/04/2019</a:t>
+              <a:t>23/04/2019</a:t>
             </a:fld>
             <a:endParaRPr lang="fr-FR"/>
           </a:p>
@@ -862,7 +871,7 @@
           <a:p>
             <a:fld id="{00150223-162A-451F-8AEE-18F954B8D532}" type="datetimeFigureOut">
               <a:rPr lang="fr-FR" smtClean="0"/>
-              <a:t>22/04/2019</a:t>
+              <a:t>23/04/2019</a:t>
             </a:fld>
             <a:endParaRPr lang="fr-FR"/>
           </a:p>
@@ -1137,7 +1146,7 @@
           <a:p>
             <a:fld id="{00150223-162A-451F-8AEE-18F954B8D532}" type="datetimeFigureOut">
               <a:rPr lang="fr-FR" smtClean="0"/>
-              <a:t>22/04/2019</a:t>
+              <a:t>23/04/2019</a:t>
             </a:fld>
             <a:endParaRPr lang="fr-FR"/>
           </a:p>
@@ -1402,7 +1411,7 @@
           <a:p>
             <a:fld id="{00150223-162A-451F-8AEE-18F954B8D532}" type="datetimeFigureOut">
               <a:rPr lang="fr-FR" smtClean="0"/>
-              <a:t>22/04/2019</a:t>
+              <a:t>23/04/2019</a:t>
             </a:fld>
             <a:endParaRPr lang="fr-FR"/>
           </a:p>
@@ -1814,7 +1823,7 @@
           <a:p>
             <a:fld id="{00150223-162A-451F-8AEE-18F954B8D532}" type="datetimeFigureOut">
               <a:rPr lang="fr-FR" smtClean="0"/>
-              <a:t>22/04/2019</a:t>
+              <a:t>23/04/2019</a:t>
             </a:fld>
             <a:endParaRPr lang="fr-FR"/>
           </a:p>
@@ -1955,7 +1964,7 @@
           <a:p>
             <a:fld id="{00150223-162A-451F-8AEE-18F954B8D532}" type="datetimeFigureOut">
               <a:rPr lang="fr-FR" smtClean="0"/>
-              <a:t>22/04/2019</a:t>
+              <a:t>23/04/2019</a:t>
             </a:fld>
             <a:endParaRPr lang="fr-FR"/>
           </a:p>
@@ -2068,7 +2077,7 @@
           <a:p>
             <a:fld id="{00150223-162A-451F-8AEE-18F954B8D532}" type="datetimeFigureOut">
               <a:rPr lang="fr-FR" smtClean="0"/>
-              <a:t>22/04/2019</a:t>
+              <a:t>23/04/2019</a:t>
             </a:fld>
             <a:endParaRPr lang="fr-FR"/>
           </a:p>
@@ -2379,7 +2388,7 @@
           <a:p>
             <a:fld id="{00150223-162A-451F-8AEE-18F954B8D532}" type="datetimeFigureOut">
               <a:rPr lang="fr-FR" smtClean="0"/>
-              <a:t>22/04/2019</a:t>
+              <a:t>23/04/2019</a:t>
             </a:fld>
             <a:endParaRPr lang="fr-FR"/>
           </a:p>
@@ -2667,7 +2676,7 @@
           <a:p>
             <a:fld id="{00150223-162A-451F-8AEE-18F954B8D532}" type="datetimeFigureOut">
               <a:rPr lang="fr-FR" smtClean="0"/>
-              <a:t>22/04/2019</a:t>
+              <a:t>23/04/2019</a:t>
             </a:fld>
             <a:endParaRPr lang="fr-FR"/>
           </a:p>
@@ -2908,7 +2917,7 @@
           <a:p>
             <a:fld id="{00150223-162A-451F-8AEE-18F954B8D532}" type="datetimeFigureOut">
               <a:rPr lang="fr-FR" smtClean="0"/>
-              <a:t>22/04/2019</a:t>
+              <a:t>23/04/2019</a:t>
             </a:fld>
             <a:endParaRPr lang="fr-FR"/>
           </a:p>
@@ -5058,16 +5067,10 @@
           <a:p>
             <a:pPr algn="ctr"/>
             <a:r>
-              <a:rPr lang="fr-FR" sz="2000" b="1" dirty="0" err="1">
-                <a:latin typeface="Century Gothic" panose="020B0502020202020204" pitchFamily="34" charset="0"/>
-              </a:rPr>
-              <a:t>Tiguidou</a:t>
-            </a:r>
-            <a:r>
               <a:rPr lang="fr-FR" sz="2000" b="1" dirty="0">
                 <a:latin typeface="Century Gothic" panose="020B0502020202020204" pitchFamily="34" charset="0"/>
               </a:rPr>
-              <a:t> ?</a:t>
+              <a:t>Description</a:t>
             </a:r>
           </a:p>
         </p:txBody>
@@ -6081,67 +6084,212 @@
             <a:pPr algn="ctr"/>
             <a:r>
               <a:rPr lang="fr-FR" sz="2000" b="1" dirty="0">
+                <a:latin typeface="Century Gothic" panose="020B0502020202020204" pitchFamily="34" charset="0"/>
+              </a:rPr>
+              <a:t>API / Techno</a:t>
+            </a:r>
+          </a:p>
+        </p:txBody>
+      </p:sp>
+      <p:sp>
+        <p:nvSpPr>
+          <p:cNvPr id="15" name="Rectangle : coins arrondis 14">
+            <a:extLst>
+              <a:ext uri="{FF2B5EF4-FFF2-40B4-BE49-F238E27FC236}">
+                <a16:creationId xmlns:a16="http://schemas.microsoft.com/office/drawing/2014/main" id="{EBCB782B-ADC3-47D1-B78D-C4B7A943DD45}"/>
+              </a:ext>
+            </a:extLst>
+          </p:cNvPr>
+          <p:cNvSpPr/>
+          <p:nvPr/>
+        </p:nvSpPr>
+        <p:spPr>
+          <a:xfrm>
+            <a:off x="4178968" y="2538663"/>
+            <a:ext cx="3834063" cy="689811"/>
+          </a:xfrm>
+          <a:prstGeom prst="roundRect">
+            <a:avLst/>
+          </a:prstGeom>
+          <a:solidFill>
+            <a:srgbClr val="C8E7EA"/>
+          </a:solidFill>
+          <a:ln>
+            <a:noFill/>
+          </a:ln>
+        </p:spPr>
+        <p:style>
+          <a:lnRef idx="2">
+            <a:schemeClr val="accent1">
+              <a:shade val="50000"/>
+            </a:schemeClr>
+          </a:lnRef>
+          <a:fillRef idx="1">
+            <a:schemeClr val="accent1"/>
+          </a:fillRef>
+          <a:effectRef idx="0">
+            <a:schemeClr val="accent1"/>
+          </a:effectRef>
+          <a:fontRef idx="minor">
+            <a:schemeClr val="lt1"/>
+          </a:fontRef>
+        </p:style>
+        <p:txBody>
+          <a:bodyPr rtlCol="0" anchor="ctr"/>
+          <a:lstStyle/>
+          <a:p>
+            <a:pPr algn="ctr"/>
+            <a:r>
+              <a:rPr lang="fr-FR" sz="2000" b="1" dirty="0" err="1">
                 <a:solidFill>
                   <a:schemeClr val="tx1"/>
                 </a:solidFill>
                 <a:latin typeface="Century Gothic" panose="020B0502020202020204" pitchFamily="34" charset="0"/>
               </a:rPr>
-              <a:t>Tips and Taxes</a:t>
+              <a:t>OpenWeatherMap</a:t>
             </a:r>
+            <a:endParaRPr lang="fr-FR" sz="2000" b="1" dirty="0">
+              <a:solidFill>
+                <a:schemeClr val="tx1"/>
+              </a:solidFill>
+              <a:latin typeface="Century Gothic" panose="020B0502020202020204" pitchFamily="34" charset="0"/>
+            </a:endParaRPr>
           </a:p>
         </p:txBody>
       </p:sp>
-      <p:pic>
-        <p:nvPicPr>
-          <p:cNvPr id="3" name="Image 2">
+      <p:sp>
+        <p:nvSpPr>
+          <p:cNvPr id="16" name="Rectangle : coins arrondis 15">
             <a:extLst>
               <a:ext uri="{FF2B5EF4-FFF2-40B4-BE49-F238E27FC236}">
-                <a16:creationId xmlns:a16="http://schemas.microsoft.com/office/drawing/2014/main" id="{2C94CED2-4C8A-420D-99B5-04F5005F288F}"/>
+                <a16:creationId xmlns:a16="http://schemas.microsoft.com/office/drawing/2014/main" id="{9D346BC2-A37D-47C7-A6E7-ED2CE74D238A}"/>
               </a:ext>
             </a:extLst>
           </p:cNvPr>
-          <p:cNvPicPr>
-            <a:picLocks noChangeAspect="1"/>
-          </p:cNvPicPr>
+          <p:cNvSpPr/>
           <p:nvPr/>
-        </p:nvPicPr>
-        <p:blipFill>
-          <a:blip r:embed="rId3">
-            <a:extLst>
-              <a:ext uri="{28A0092B-C50C-407E-A947-70E740481C1C}">
-                <a14:useLocalDpi xmlns:a14="http://schemas.microsoft.com/office/drawing/2010/main" val="0"/>
-              </a:ext>
-            </a:extLst>
-          </a:blip>
-          <a:stretch>
-            <a:fillRect/>
-          </a:stretch>
-        </p:blipFill>
+        </p:nvSpPr>
         <p:spPr>
           <a:xfrm>
-            <a:off x="1315454" y="1483063"/>
-            <a:ext cx="2512697" cy="5008066"/>
+            <a:off x="4178967" y="3412958"/>
+            <a:ext cx="3834063" cy="689811"/>
           </a:xfrm>
           <a:prstGeom prst="roundRect">
-            <a:avLst>
-              <a:gd name="adj" fmla="val 23694"/>
-            </a:avLst>
+            <a:avLst/>
           </a:prstGeom>
           <a:solidFill>
-            <a:srgbClr val="FFFFFF">
-              <a:shade val="85000"/>
-            </a:srgbClr>
+            <a:srgbClr val="C8E7EA"/>
           </a:solidFill>
           <a:ln>
             <a:noFill/>
           </a:ln>
-          <a:effectLst/>
         </p:spPr>
-      </p:pic>
+        <p:style>
+          <a:lnRef idx="2">
+            <a:schemeClr val="accent1">
+              <a:shade val="50000"/>
+            </a:schemeClr>
+          </a:lnRef>
+          <a:fillRef idx="1">
+            <a:schemeClr val="accent1"/>
+          </a:fillRef>
+          <a:effectRef idx="0">
+            <a:schemeClr val="accent1"/>
+          </a:effectRef>
+          <a:fontRef idx="minor">
+            <a:schemeClr val="lt1"/>
+          </a:fontRef>
+        </p:style>
+        <p:txBody>
+          <a:bodyPr rtlCol="0" anchor="ctr"/>
+          <a:lstStyle/>
+          <a:p>
+            <a:pPr algn="ctr"/>
+            <a:r>
+              <a:rPr lang="fr-FR" sz="2000" b="1" dirty="0">
+                <a:solidFill>
+                  <a:schemeClr val="tx1"/>
+                </a:solidFill>
+                <a:latin typeface="Century Gothic" panose="020B0502020202020204" pitchFamily="34" charset="0"/>
+              </a:rPr>
+              <a:t>Free Currency Converter API</a:t>
+            </a:r>
+          </a:p>
+        </p:txBody>
+      </p:sp>
+      <p:sp>
+        <p:nvSpPr>
+          <p:cNvPr id="17" name="Rectangle : coins arrondis 16">
+            <a:extLst>
+              <a:ext uri="{FF2B5EF4-FFF2-40B4-BE49-F238E27FC236}">
+                <a16:creationId xmlns:a16="http://schemas.microsoft.com/office/drawing/2014/main" id="{8D668A5A-B375-4673-8893-B21BEC330C15}"/>
+              </a:ext>
+            </a:extLst>
+          </p:cNvPr>
+          <p:cNvSpPr/>
+          <p:nvPr/>
+        </p:nvSpPr>
+        <p:spPr>
+          <a:xfrm>
+            <a:off x="4178966" y="4287253"/>
+            <a:ext cx="3834063" cy="689811"/>
+          </a:xfrm>
+          <a:prstGeom prst="roundRect">
+            <a:avLst/>
+          </a:prstGeom>
+          <a:solidFill>
+            <a:srgbClr val="C8E7EA"/>
+          </a:solidFill>
+          <a:ln>
+            <a:noFill/>
+          </a:ln>
+        </p:spPr>
+        <p:style>
+          <a:lnRef idx="2">
+            <a:schemeClr val="accent1">
+              <a:shade val="50000"/>
+            </a:schemeClr>
+          </a:lnRef>
+          <a:fillRef idx="1">
+            <a:schemeClr val="accent1"/>
+          </a:fillRef>
+          <a:effectRef idx="0">
+            <a:schemeClr val="accent1"/>
+          </a:effectRef>
+          <a:fontRef idx="minor">
+            <a:schemeClr val="lt1"/>
+          </a:fontRef>
+        </p:style>
+        <p:txBody>
+          <a:bodyPr rtlCol="0" anchor="ctr"/>
+          <a:lstStyle/>
+          <a:p>
+            <a:pPr algn="ctr"/>
+            <a:r>
+              <a:rPr lang="fr-FR" sz="2000" b="1" dirty="0" err="1">
+                <a:solidFill>
+                  <a:schemeClr val="tx1"/>
+                </a:solidFill>
+                <a:latin typeface="Century Gothic" panose="020B0502020202020204" pitchFamily="34" charset="0"/>
+              </a:rPr>
+              <a:t>Material</a:t>
+            </a:r>
+            <a:r>
+              <a:rPr lang="fr-FR" sz="2000" b="1" dirty="0">
+                <a:solidFill>
+                  <a:schemeClr val="tx1"/>
+                </a:solidFill>
+                <a:latin typeface="Century Gothic" panose="020B0502020202020204" pitchFamily="34" charset="0"/>
+              </a:rPr>
+              <a:t> Design</a:t>
+            </a:r>
+          </a:p>
+        </p:txBody>
+      </p:sp>
     </p:spTree>
     <p:extLst>
       <p:ext uri="{BB962C8B-B14F-4D97-AF65-F5344CB8AC3E}">
-        <p14:creationId xmlns:p14="http://schemas.microsoft.com/office/powerpoint/2010/main" val="236873646"/>
+        <p14:creationId xmlns:p14="http://schemas.microsoft.com/office/powerpoint/2010/main" val="590246419"/>
       </p:ext>
     </p:extLst>
   </p:cSld>
@@ -6560,6 +6708,225 @@
                                   </p:childTnLst>
                                 </p:cTn>
                               </p:par>
+                              <p:par>
+                                <p:cTn id="28" presetID="2" presetClass="entr" presetSubtype="8" fill="hold" grpId="0" nodeType="withEffect">
+                                  <p:stCondLst>
+                                    <p:cond delay="500"/>
+                                  </p:stCondLst>
+                                  <p:childTnLst>
+                                    <p:set>
+                                      <p:cBhvr>
+                                        <p:cTn id="29" dur="1" fill="hold">
+                                          <p:stCondLst>
+                                            <p:cond delay="0"/>
+                                          </p:stCondLst>
+                                        </p:cTn>
+                                        <p:tgtEl>
+                                          <p:spTgt spid="15"/>
+                                        </p:tgtEl>
+                                        <p:attrNameLst>
+                                          <p:attrName>style.visibility</p:attrName>
+                                        </p:attrNameLst>
+                                      </p:cBhvr>
+                                      <p:to>
+                                        <p:strVal val="visible"/>
+                                      </p:to>
+                                    </p:set>
+                                    <p:anim calcmode="lin" valueType="num">
+                                      <p:cBhvr additive="base">
+                                        <p:cTn id="30" dur="500" fill="hold"/>
+                                        <p:tgtEl>
+                                          <p:spTgt spid="15"/>
+                                        </p:tgtEl>
+                                        <p:attrNameLst>
+                                          <p:attrName>ppt_x</p:attrName>
+                                        </p:attrNameLst>
+                                      </p:cBhvr>
+                                      <p:tavLst>
+                                        <p:tav tm="0">
+                                          <p:val>
+                                            <p:strVal val="0-#ppt_w/2"/>
+                                          </p:val>
+                                        </p:tav>
+                                        <p:tav tm="100000">
+                                          <p:val>
+                                            <p:strVal val="#ppt_x"/>
+                                          </p:val>
+                                        </p:tav>
+                                      </p:tavLst>
+                                    </p:anim>
+                                    <p:anim calcmode="lin" valueType="num">
+                                      <p:cBhvr additive="base">
+                                        <p:cTn id="31" dur="500" fill="hold"/>
+                                        <p:tgtEl>
+                                          <p:spTgt spid="15"/>
+                                        </p:tgtEl>
+                                        <p:attrNameLst>
+                                          <p:attrName>ppt_y</p:attrName>
+                                        </p:attrNameLst>
+                                      </p:cBhvr>
+                                      <p:tavLst>
+                                        <p:tav tm="0">
+                                          <p:val>
+                                            <p:strVal val="#ppt_y"/>
+                                          </p:val>
+                                        </p:tav>
+                                        <p:tav tm="100000">
+                                          <p:val>
+                                            <p:strVal val="#ppt_y"/>
+                                          </p:val>
+                                        </p:tav>
+                                      </p:tavLst>
+                                    </p:anim>
+                                  </p:childTnLst>
+                                </p:cTn>
+                              </p:par>
+                              <p:par>
+                                <p:cTn id="32" presetID="2" presetClass="entr" presetSubtype="2" fill="hold" grpId="0" nodeType="withEffect">
+                                  <p:stCondLst>
+                                    <p:cond delay="750"/>
+                                  </p:stCondLst>
+                                  <p:childTnLst>
+                                    <p:set>
+                                      <p:cBhvr>
+                                        <p:cTn id="33" dur="1" fill="hold">
+                                          <p:stCondLst>
+                                            <p:cond delay="0"/>
+                                          </p:stCondLst>
+                                        </p:cTn>
+                                        <p:tgtEl>
+                                          <p:spTgt spid="16"/>
+                                        </p:tgtEl>
+                                        <p:attrNameLst>
+                                          <p:attrName>style.visibility</p:attrName>
+                                        </p:attrNameLst>
+                                      </p:cBhvr>
+                                      <p:to>
+                                        <p:strVal val="visible"/>
+                                      </p:to>
+                                    </p:set>
+                                    <p:anim calcmode="lin" valueType="num">
+                                      <p:cBhvr additive="base">
+                                        <p:cTn id="34" dur="500" fill="hold"/>
+                                        <p:tgtEl>
+                                          <p:spTgt spid="16"/>
+                                        </p:tgtEl>
+                                        <p:attrNameLst>
+                                          <p:attrName>ppt_x</p:attrName>
+                                        </p:attrNameLst>
+                                      </p:cBhvr>
+                                      <p:tavLst>
+                                        <p:tav tm="0">
+                                          <p:val>
+                                            <p:strVal val="1+#ppt_w/2"/>
+                                          </p:val>
+                                        </p:tav>
+                                        <p:tav tm="100000">
+                                          <p:val>
+                                            <p:strVal val="#ppt_x"/>
+                                          </p:val>
+                                        </p:tav>
+                                      </p:tavLst>
+                                    </p:anim>
+                                    <p:anim calcmode="lin" valueType="num">
+                                      <p:cBhvr additive="base">
+                                        <p:cTn id="35" dur="500" fill="hold"/>
+                                        <p:tgtEl>
+                                          <p:spTgt spid="16"/>
+                                        </p:tgtEl>
+                                        <p:attrNameLst>
+                                          <p:attrName>ppt_y</p:attrName>
+                                        </p:attrNameLst>
+                                      </p:cBhvr>
+                                      <p:tavLst>
+                                        <p:tav tm="0">
+                                          <p:val>
+                                            <p:strVal val="#ppt_y"/>
+                                          </p:val>
+                                        </p:tav>
+                                        <p:tav tm="100000">
+                                          <p:val>
+                                            <p:strVal val="#ppt_y"/>
+                                          </p:val>
+                                        </p:tav>
+                                      </p:tavLst>
+                                    </p:anim>
+                                  </p:childTnLst>
+                                </p:cTn>
+                              </p:par>
+                              <p:par>
+                                <p:cTn id="36" presetID="2" presetClass="entr" presetSubtype="8" fill="hold" grpId="0" nodeType="withEffect">
+                                  <p:stCondLst>
+                                    <p:cond delay="1000"/>
+                                  </p:stCondLst>
+                                  <p:childTnLst>
+                                    <p:set>
+                                      <p:cBhvr>
+                                        <p:cTn id="37" dur="1" fill="hold">
+                                          <p:stCondLst>
+                                            <p:cond delay="0"/>
+                                          </p:stCondLst>
+                                        </p:cTn>
+                                        <p:tgtEl>
+                                          <p:spTgt spid="17"/>
+                                        </p:tgtEl>
+                                        <p:attrNameLst>
+                                          <p:attrName>style.visibility</p:attrName>
+                                        </p:attrNameLst>
+                                      </p:cBhvr>
+                                      <p:to>
+                                        <p:strVal val="visible"/>
+                                      </p:to>
+                                    </p:set>
+                                    <p:anim calcmode="lin" valueType="num">
+                                      <p:cBhvr additive="base">
+                                        <p:cTn id="38" dur="500" fill="hold"/>
+                                        <p:tgtEl>
+                                          <p:spTgt spid="17"/>
+                                        </p:tgtEl>
+                                        <p:attrNameLst>
+                                          <p:attrName>ppt_x</p:attrName>
+                                        </p:attrNameLst>
+                                      </p:cBhvr>
+                                      <p:tavLst>
+                                        <p:tav tm="0">
+                                          <p:val>
+                                            <p:strVal val="0-#ppt_w/2"/>
+                                          </p:val>
+                                        </p:tav>
+                                        <p:tav tm="100000">
+                                          <p:val>
+                                            <p:strVal val="#ppt_x"/>
+                                          </p:val>
+                                        </p:tav>
+                                      </p:tavLst>
+                                    </p:anim>
+                                    <p:anim calcmode="lin" valueType="num">
+                                      <p:cBhvr additive="base">
+                                        <p:cTn id="39" dur="500" fill="hold"/>
+                                        <p:tgtEl>
+                                          <p:spTgt spid="17"/>
+                                        </p:tgtEl>
+                                        <p:attrNameLst>
+                                          <p:attrName>ppt_y</p:attrName>
+                                        </p:attrNameLst>
+                                      </p:cBhvr>
+                                      <p:tavLst>
+                                        <p:tav tm="0">
+                                          <p:val>
+                                            <p:strVal val="#ppt_y"/>
+                                          </p:val>
+                                        </p:tav>
+                                        <p:tav tm="100000">
+                                          <p:val>
+                                            <p:strVal val="#ppt_y"/>
+                                          </p:val>
+                                        </p:tav>
+                                      </p:tavLst>
+                                    </p:anim>
+                                  </p:childTnLst>
+                                </p:cTn>
+                              </p:par>
                             </p:childTnLst>
                           </p:cTn>
                         </p:par>
@@ -6590,12 +6957,5237 @@
     <p:bldLst>
       <p:bldP spid="4" grpId="0" animBg="1"/>
       <p:bldP spid="8" grpId="0"/>
+      <p:bldP spid="15" grpId="0" animBg="1"/>
+      <p:bldP spid="16" grpId="0" animBg="1"/>
+      <p:bldP spid="17" grpId="0" animBg="1"/>
     </p:bldLst>
   </p:timing>
 </p:sld>
 </file>
 
 <file path=ppt/slides/slide4.xml><?xml version="1.0" encoding="utf-8"?>
+<p:sld xmlns:a="http://schemas.openxmlformats.org/drawingml/2006/main" xmlns:r="http://schemas.openxmlformats.org/officeDocument/2006/relationships" xmlns:p="http://schemas.openxmlformats.org/presentationml/2006/main">
+  <p:cSld>
+    <p:bg>
+      <p:bgPr>
+        <a:solidFill>
+          <a:srgbClr val="EAD4C8"/>
+        </a:solidFill>
+        <a:effectLst/>
+      </p:bgPr>
+    </p:bg>
+    <p:spTree>
+      <p:nvGrpSpPr>
+        <p:cNvPr id="1" name=""/>
+        <p:cNvGrpSpPr/>
+        <p:nvPr/>
+      </p:nvGrpSpPr>
+      <p:grpSpPr>
+        <a:xfrm>
+          <a:off x="0" y="0"/>
+          <a:ext cx="0" cy="0"/>
+          <a:chOff x="0" y="0"/>
+          <a:chExt cx="0" cy="0"/>
+        </a:xfrm>
+      </p:grpSpPr>
+      <p:sp>
+        <p:nvSpPr>
+          <p:cNvPr id="4" name="Rectangle : coins arrondis 3">
+            <a:extLst>
+              <a:ext uri="{FF2B5EF4-FFF2-40B4-BE49-F238E27FC236}">
+                <a16:creationId xmlns:a16="http://schemas.microsoft.com/office/drawing/2014/main" id="{E99BD5E1-449C-4F26-A707-0C47A6DC2B4C}"/>
+              </a:ext>
+            </a:extLst>
+          </p:cNvPr>
+          <p:cNvSpPr/>
+          <p:nvPr/>
+        </p:nvSpPr>
+        <p:spPr>
+          <a:xfrm>
+            <a:off x="-98856" y="469556"/>
+            <a:ext cx="3749905" cy="605481"/>
+          </a:xfrm>
+          <a:prstGeom prst="roundRect">
+            <a:avLst/>
+          </a:prstGeom>
+          <a:solidFill>
+            <a:schemeClr val="bg1"/>
+          </a:solidFill>
+          <a:ln>
+            <a:solidFill>
+              <a:schemeClr val="bg1"/>
+            </a:solidFill>
+          </a:ln>
+        </p:spPr>
+        <p:style>
+          <a:lnRef idx="2">
+            <a:schemeClr val="accent1">
+              <a:shade val="50000"/>
+            </a:schemeClr>
+          </a:lnRef>
+          <a:fillRef idx="1">
+            <a:schemeClr val="accent1"/>
+          </a:fillRef>
+          <a:effectRef idx="0">
+            <a:schemeClr val="accent1"/>
+          </a:effectRef>
+          <a:fontRef idx="minor">
+            <a:schemeClr val="lt1"/>
+          </a:fontRef>
+        </p:style>
+        <p:txBody>
+          <a:bodyPr rtlCol="0" anchor="ctr"/>
+          <a:lstStyle/>
+          <a:p>
+            <a:pPr algn="ctr"/>
+            <a:r>
+              <a:rPr lang="fr-FR" sz="2000" b="1" dirty="0">
+                <a:solidFill>
+                  <a:schemeClr val="tx1"/>
+                </a:solidFill>
+                <a:latin typeface="Century Gothic" panose="020B0502020202020204" pitchFamily="34" charset="0"/>
+              </a:rPr>
+              <a:t>Réalisations</a:t>
+            </a:r>
+          </a:p>
+        </p:txBody>
+      </p:sp>
+      <p:pic>
+        <p:nvPicPr>
+          <p:cNvPr id="7" name="Image 6" descr="Une image contenant graphiques vectoriels&#10;&#10;Description générée automatiquement">
+            <a:extLst>
+              <a:ext uri="{FF2B5EF4-FFF2-40B4-BE49-F238E27FC236}">
+                <a16:creationId xmlns:a16="http://schemas.microsoft.com/office/drawing/2014/main" id="{2C099A9B-807E-47F5-9873-37CE877AAAF2}"/>
+              </a:ext>
+            </a:extLst>
+          </p:cNvPr>
+          <p:cNvPicPr>
+            <a:picLocks noChangeAspect="1"/>
+          </p:cNvPicPr>
+          <p:nvPr/>
+        </p:nvPicPr>
+        <p:blipFill>
+          <a:blip r:embed="rId2">
+            <a:extLst>
+              <a:ext uri="{28A0092B-C50C-407E-A947-70E740481C1C}">
+                <a14:useLocalDpi xmlns:a14="http://schemas.microsoft.com/office/drawing/2010/main" val="0"/>
+              </a:ext>
+            </a:extLst>
+          </a:blip>
+          <a:stretch>
+            <a:fillRect/>
+          </a:stretch>
+        </p:blipFill>
+        <p:spPr>
+          <a:xfrm>
+            <a:off x="3394920" y="164214"/>
+            <a:ext cx="1197026" cy="1216164"/>
+          </a:xfrm>
+          <a:prstGeom prst="rect">
+            <a:avLst/>
+          </a:prstGeom>
+        </p:spPr>
+      </p:pic>
+      <p:sp>
+        <p:nvSpPr>
+          <p:cNvPr id="15" name="Rectangle : coins arrondis 14">
+            <a:extLst>
+              <a:ext uri="{FF2B5EF4-FFF2-40B4-BE49-F238E27FC236}">
+                <a16:creationId xmlns:a16="http://schemas.microsoft.com/office/drawing/2014/main" id="{EBCB782B-ADC3-47D1-B78D-C4B7A943DD45}"/>
+              </a:ext>
+            </a:extLst>
+          </p:cNvPr>
+          <p:cNvSpPr/>
+          <p:nvPr/>
+        </p:nvSpPr>
+        <p:spPr>
+          <a:xfrm>
+            <a:off x="808754" y="1679766"/>
+            <a:ext cx="3162899" cy="689811"/>
+          </a:xfrm>
+          <a:prstGeom prst="roundRect">
+            <a:avLst/>
+          </a:prstGeom>
+          <a:solidFill>
+            <a:srgbClr val="C8E7EA"/>
+          </a:solidFill>
+          <a:ln>
+            <a:noFill/>
+          </a:ln>
+        </p:spPr>
+        <p:style>
+          <a:lnRef idx="2">
+            <a:schemeClr val="accent1">
+              <a:shade val="50000"/>
+            </a:schemeClr>
+          </a:lnRef>
+          <a:fillRef idx="1">
+            <a:schemeClr val="accent1"/>
+          </a:fillRef>
+          <a:effectRef idx="0">
+            <a:schemeClr val="accent1"/>
+          </a:effectRef>
+          <a:fontRef idx="minor">
+            <a:schemeClr val="lt1"/>
+          </a:fontRef>
+        </p:style>
+        <p:txBody>
+          <a:bodyPr rtlCol="0" anchor="ctr"/>
+          <a:lstStyle/>
+          <a:p>
+            <a:pPr algn="ctr"/>
+            <a:r>
+              <a:rPr lang="fr-FR" sz="2000" b="1" dirty="0">
+                <a:solidFill>
+                  <a:schemeClr val="tx1"/>
+                </a:solidFill>
+                <a:latin typeface="Century Gothic" panose="020B0502020202020204" pitchFamily="34" charset="0"/>
+              </a:rPr>
+              <a:t>Tips and Taxes</a:t>
+            </a:r>
+          </a:p>
+        </p:txBody>
+      </p:sp>
+      <p:sp>
+        <p:nvSpPr>
+          <p:cNvPr id="9" name="Rectangle : coins arrondis 8">
+            <a:extLst>
+              <a:ext uri="{FF2B5EF4-FFF2-40B4-BE49-F238E27FC236}">
+                <a16:creationId xmlns:a16="http://schemas.microsoft.com/office/drawing/2014/main" id="{FE3E3B98-1A2E-4DD5-9163-F3B0C3520551}"/>
+              </a:ext>
+            </a:extLst>
+          </p:cNvPr>
+          <p:cNvSpPr/>
+          <p:nvPr/>
+        </p:nvSpPr>
+        <p:spPr>
+          <a:xfrm>
+            <a:off x="4514550" y="1679766"/>
+            <a:ext cx="3162899" cy="689811"/>
+          </a:xfrm>
+          <a:prstGeom prst="roundRect">
+            <a:avLst/>
+          </a:prstGeom>
+          <a:solidFill>
+            <a:srgbClr val="C8E7EA"/>
+          </a:solidFill>
+          <a:ln>
+            <a:noFill/>
+          </a:ln>
+        </p:spPr>
+        <p:style>
+          <a:lnRef idx="2">
+            <a:schemeClr val="accent1">
+              <a:shade val="50000"/>
+            </a:schemeClr>
+          </a:lnRef>
+          <a:fillRef idx="1">
+            <a:schemeClr val="accent1"/>
+          </a:fillRef>
+          <a:effectRef idx="0">
+            <a:schemeClr val="accent1"/>
+          </a:effectRef>
+          <a:fontRef idx="minor">
+            <a:schemeClr val="lt1"/>
+          </a:fontRef>
+        </p:style>
+        <p:txBody>
+          <a:bodyPr rtlCol="0" anchor="ctr"/>
+          <a:lstStyle/>
+          <a:p>
+            <a:pPr algn="ctr"/>
+            <a:r>
+              <a:rPr lang="fr-FR" sz="2000" b="1" dirty="0">
+                <a:solidFill>
+                  <a:schemeClr val="tx1"/>
+                </a:solidFill>
+                <a:latin typeface="Century Gothic" panose="020B0502020202020204" pitchFamily="34" charset="0"/>
+              </a:rPr>
+              <a:t>Météo</a:t>
+            </a:r>
+          </a:p>
+        </p:txBody>
+      </p:sp>
+      <p:sp>
+        <p:nvSpPr>
+          <p:cNvPr id="10" name="Rectangle : coins arrondis 9">
+            <a:extLst>
+              <a:ext uri="{FF2B5EF4-FFF2-40B4-BE49-F238E27FC236}">
+                <a16:creationId xmlns:a16="http://schemas.microsoft.com/office/drawing/2014/main" id="{1B12470A-553B-4B43-9CFE-347B30F3489A}"/>
+              </a:ext>
+            </a:extLst>
+          </p:cNvPr>
+          <p:cNvSpPr/>
+          <p:nvPr/>
+        </p:nvSpPr>
+        <p:spPr>
+          <a:xfrm>
+            <a:off x="8220347" y="1679765"/>
+            <a:ext cx="3162899" cy="689811"/>
+          </a:xfrm>
+          <a:prstGeom prst="roundRect">
+            <a:avLst/>
+          </a:prstGeom>
+          <a:solidFill>
+            <a:srgbClr val="C8E7EA"/>
+          </a:solidFill>
+          <a:ln>
+            <a:noFill/>
+          </a:ln>
+        </p:spPr>
+        <p:style>
+          <a:lnRef idx="2">
+            <a:schemeClr val="accent1">
+              <a:shade val="50000"/>
+            </a:schemeClr>
+          </a:lnRef>
+          <a:fillRef idx="1">
+            <a:schemeClr val="accent1"/>
+          </a:fillRef>
+          <a:effectRef idx="0">
+            <a:schemeClr val="accent1"/>
+          </a:effectRef>
+          <a:fontRef idx="minor">
+            <a:schemeClr val="lt1"/>
+          </a:fontRef>
+        </p:style>
+        <p:txBody>
+          <a:bodyPr rtlCol="0" anchor="ctr"/>
+          <a:lstStyle/>
+          <a:p>
+            <a:pPr algn="ctr"/>
+            <a:r>
+              <a:rPr lang="fr-FR" sz="2000" b="1" dirty="0">
+                <a:solidFill>
+                  <a:schemeClr val="tx1"/>
+                </a:solidFill>
+                <a:latin typeface="Century Gothic" panose="020B0502020202020204" pitchFamily="34" charset="0"/>
+              </a:rPr>
+              <a:t>Currency Converter</a:t>
+            </a:r>
+          </a:p>
+        </p:txBody>
+      </p:sp>
+      <p:sp>
+        <p:nvSpPr>
+          <p:cNvPr id="11" name="Rectangle : coins arrondis 10">
+            <a:extLst>
+              <a:ext uri="{FF2B5EF4-FFF2-40B4-BE49-F238E27FC236}">
+                <a16:creationId xmlns:a16="http://schemas.microsoft.com/office/drawing/2014/main" id="{B125DF35-19F8-4AB4-A82D-007CBF49790C}"/>
+              </a:ext>
+            </a:extLst>
+          </p:cNvPr>
+          <p:cNvSpPr/>
+          <p:nvPr/>
+        </p:nvSpPr>
+        <p:spPr>
+          <a:xfrm>
+            <a:off x="4514548" y="3334529"/>
+            <a:ext cx="3162899" cy="689811"/>
+          </a:xfrm>
+          <a:prstGeom prst="roundRect">
+            <a:avLst/>
+          </a:prstGeom>
+          <a:solidFill>
+            <a:srgbClr val="DAEAC8"/>
+          </a:solidFill>
+          <a:ln>
+            <a:noFill/>
+          </a:ln>
+        </p:spPr>
+        <p:style>
+          <a:lnRef idx="2">
+            <a:schemeClr val="accent1">
+              <a:shade val="50000"/>
+            </a:schemeClr>
+          </a:lnRef>
+          <a:fillRef idx="1">
+            <a:schemeClr val="accent1"/>
+          </a:fillRef>
+          <a:effectRef idx="0">
+            <a:schemeClr val="accent1"/>
+          </a:effectRef>
+          <a:fontRef idx="minor">
+            <a:schemeClr val="lt1"/>
+          </a:fontRef>
+        </p:style>
+        <p:txBody>
+          <a:bodyPr rtlCol="0" anchor="ctr"/>
+          <a:lstStyle/>
+          <a:p>
+            <a:pPr algn="ctr"/>
+            <a:r>
+              <a:rPr lang="fr-FR" sz="2000" b="1" dirty="0" err="1">
+                <a:solidFill>
+                  <a:schemeClr val="tx1"/>
+                </a:solidFill>
+                <a:latin typeface="Century Gothic" panose="020B0502020202020204" pitchFamily="34" charset="0"/>
+              </a:rPr>
+              <a:t>Parser</a:t>
+            </a:r>
+            <a:endParaRPr lang="fr-FR" sz="2000" b="1" dirty="0">
+              <a:solidFill>
+                <a:schemeClr val="tx1"/>
+              </a:solidFill>
+              <a:latin typeface="Century Gothic" panose="020B0502020202020204" pitchFamily="34" charset="0"/>
+            </a:endParaRPr>
+          </a:p>
+        </p:txBody>
+      </p:sp>
+      <p:sp>
+        <p:nvSpPr>
+          <p:cNvPr id="13" name="Rectangle : coins arrondis 12">
+            <a:extLst>
+              <a:ext uri="{FF2B5EF4-FFF2-40B4-BE49-F238E27FC236}">
+                <a16:creationId xmlns:a16="http://schemas.microsoft.com/office/drawing/2014/main" id="{E7D8D00A-F285-4EB8-B196-723E8864297D}"/>
+              </a:ext>
+            </a:extLst>
+          </p:cNvPr>
+          <p:cNvSpPr/>
+          <p:nvPr/>
+        </p:nvSpPr>
+        <p:spPr>
+          <a:xfrm>
+            <a:off x="4514547" y="4090675"/>
+            <a:ext cx="3162899" cy="689811"/>
+          </a:xfrm>
+          <a:prstGeom prst="roundRect">
+            <a:avLst/>
+          </a:prstGeom>
+          <a:solidFill>
+            <a:srgbClr val="DAEAC8"/>
+          </a:solidFill>
+          <a:ln>
+            <a:noFill/>
+          </a:ln>
+        </p:spPr>
+        <p:style>
+          <a:lnRef idx="2">
+            <a:schemeClr val="accent1">
+              <a:shade val="50000"/>
+            </a:schemeClr>
+          </a:lnRef>
+          <a:fillRef idx="1">
+            <a:schemeClr val="accent1"/>
+          </a:fillRef>
+          <a:effectRef idx="0">
+            <a:schemeClr val="accent1"/>
+          </a:effectRef>
+          <a:fontRef idx="minor">
+            <a:schemeClr val="lt1"/>
+          </a:fontRef>
+        </p:style>
+        <p:txBody>
+          <a:bodyPr rtlCol="0" anchor="ctr"/>
+          <a:lstStyle/>
+          <a:p>
+            <a:pPr algn="ctr"/>
+            <a:r>
+              <a:rPr lang="fr-FR" sz="2000" b="1" dirty="0" err="1">
+                <a:solidFill>
+                  <a:schemeClr val="tx1"/>
+                </a:solidFill>
+                <a:latin typeface="Century Gothic" panose="020B0502020202020204" pitchFamily="34" charset="0"/>
+              </a:rPr>
+              <a:t>AsyncTask</a:t>
+            </a:r>
+            <a:endParaRPr lang="fr-FR" sz="2000" b="1" dirty="0">
+              <a:solidFill>
+                <a:schemeClr val="tx1"/>
+              </a:solidFill>
+              <a:latin typeface="Century Gothic" panose="020B0502020202020204" pitchFamily="34" charset="0"/>
+            </a:endParaRPr>
+          </a:p>
+        </p:txBody>
+      </p:sp>
+      <p:sp>
+        <p:nvSpPr>
+          <p:cNvPr id="19" name="Rectangle : coins arrondis 18">
+            <a:extLst>
+              <a:ext uri="{FF2B5EF4-FFF2-40B4-BE49-F238E27FC236}">
+                <a16:creationId xmlns:a16="http://schemas.microsoft.com/office/drawing/2014/main" id="{15DDA82D-DBEC-4A2D-BED7-FC004588E543}"/>
+              </a:ext>
+            </a:extLst>
+          </p:cNvPr>
+          <p:cNvSpPr/>
+          <p:nvPr/>
+        </p:nvSpPr>
+        <p:spPr>
+          <a:xfrm>
+            <a:off x="808750" y="3334528"/>
+            <a:ext cx="3162899" cy="689811"/>
+          </a:xfrm>
+          <a:prstGeom prst="roundRect">
+            <a:avLst/>
+          </a:prstGeom>
+          <a:solidFill>
+            <a:srgbClr val="DAEAC8"/>
+          </a:solidFill>
+          <a:ln>
+            <a:noFill/>
+          </a:ln>
+        </p:spPr>
+        <p:style>
+          <a:lnRef idx="2">
+            <a:schemeClr val="accent1">
+              <a:shade val="50000"/>
+            </a:schemeClr>
+          </a:lnRef>
+          <a:fillRef idx="1">
+            <a:schemeClr val="accent1"/>
+          </a:fillRef>
+          <a:effectRef idx="0">
+            <a:schemeClr val="accent1"/>
+          </a:effectRef>
+          <a:fontRef idx="minor">
+            <a:schemeClr val="lt1"/>
+          </a:fontRef>
+        </p:style>
+        <p:txBody>
+          <a:bodyPr rtlCol="0" anchor="ctr"/>
+          <a:lstStyle/>
+          <a:p>
+            <a:pPr algn="ctr"/>
+            <a:r>
+              <a:rPr lang="fr-FR" sz="2000" b="1" dirty="0">
+                <a:solidFill>
+                  <a:schemeClr val="tx1"/>
+                </a:solidFill>
+                <a:latin typeface="Century Gothic" panose="020B0502020202020204" pitchFamily="34" charset="0"/>
+              </a:rPr>
+              <a:t>Traitements</a:t>
+            </a:r>
+          </a:p>
+        </p:txBody>
+      </p:sp>
+      <p:sp>
+        <p:nvSpPr>
+          <p:cNvPr id="20" name="Rectangle : coins arrondis 19">
+            <a:extLst>
+              <a:ext uri="{FF2B5EF4-FFF2-40B4-BE49-F238E27FC236}">
+                <a16:creationId xmlns:a16="http://schemas.microsoft.com/office/drawing/2014/main" id="{0FB0002A-11BF-4E81-95C3-57DDA89D2D30}"/>
+              </a:ext>
+            </a:extLst>
+          </p:cNvPr>
+          <p:cNvSpPr/>
+          <p:nvPr/>
+        </p:nvSpPr>
+        <p:spPr>
+          <a:xfrm>
+            <a:off x="808753" y="2525227"/>
+            <a:ext cx="3162899" cy="689811"/>
+          </a:xfrm>
+          <a:prstGeom prst="roundRect">
+            <a:avLst/>
+          </a:prstGeom>
+          <a:solidFill>
+            <a:srgbClr val="DAEAC8"/>
+          </a:solidFill>
+          <a:ln>
+            <a:noFill/>
+          </a:ln>
+        </p:spPr>
+        <p:style>
+          <a:lnRef idx="2">
+            <a:schemeClr val="accent1">
+              <a:shade val="50000"/>
+            </a:schemeClr>
+          </a:lnRef>
+          <a:fillRef idx="1">
+            <a:schemeClr val="accent1"/>
+          </a:fillRef>
+          <a:effectRef idx="0">
+            <a:schemeClr val="accent1"/>
+          </a:effectRef>
+          <a:fontRef idx="minor">
+            <a:schemeClr val="lt1"/>
+          </a:fontRef>
+        </p:style>
+        <p:txBody>
+          <a:bodyPr rtlCol="0" anchor="ctr"/>
+          <a:lstStyle/>
+          <a:p>
+            <a:pPr algn="ctr"/>
+            <a:r>
+              <a:rPr lang="fr-FR" sz="2000" b="1" dirty="0" err="1">
+                <a:solidFill>
+                  <a:schemeClr val="tx1"/>
+                </a:solidFill>
+                <a:latin typeface="Century Gothic" panose="020B0502020202020204" pitchFamily="34" charset="0"/>
+              </a:rPr>
+              <a:t>Layout</a:t>
+            </a:r>
+            <a:r>
+              <a:rPr lang="fr-FR" sz="2000" b="1" dirty="0">
+                <a:solidFill>
+                  <a:schemeClr val="tx1"/>
+                </a:solidFill>
+                <a:latin typeface="Century Gothic" panose="020B0502020202020204" pitchFamily="34" charset="0"/>
+              </a:rPr>
+              <a:t> (Binding)</a:t>
+            </a:r>
+          </a:p>
+        </p:txBody>
+      </p:sp>
+      <p:sp>
+        <p:nvSpPr>
+          <p:cNvPr id="21" name="Rectangle : coins arrondis 20">
+            <a:extLst>
+              <a:ext uri="{FF2B5EF4-FFF2-40B4-BE49-F238E27FC236}">
+                <a16:creationId xmlns:a16="http://schemas.microsoft.com/office/drawing/2014/main" id="{1A84A9F3-A090-4AB6-92EA-E6AB3BE15207}"/>
+              </a:ext>
+            </a:extLst>
+          </p:cNvPr>
+          <p:cNvSpPr/>
+          <p:nvPr/>
+        </p:nvSpPr>
+        <p:spPr>
+          <a:xfrm>
+            <a:off x="4514549" y="2538021"/>
+            <a:ext cx="3162899" cy="689811"/>
+          </a:xfrm>
+          <a:prstGeom prst="roundRect">
+            <a:avLst/>
+          </a:prstGeom>
+          <a:solidFill>
+            <a:srgbClr val="DAEAC8"/>
+          </a:solidFill>
+          <a:ln>
+            <a:noFill/>
+          </a:ln>
+        </p:spPr>
+        <p:style>
+          <a:lnRef idx="2">
+            <a:schemeClr val="accent1">
+              <a:shade val="50000"/>
+            </a:schemeClr>
+          </a:lnRef>
+          <a:fillRef idx="1">
+            <a:schemeClr val="accent1"/>
+          </a:fillRef>
+          <a:effectRef idx="0">
+            <a:schemeClr val="accent1"/>
+          </a:effectRef>
+          <a:fontRef idx="minor">
+            <a:schemeClr val="lt1"/>
+          </a:fontRef>
+        </p:style>
+        <p:txBody>
+          <a:bodyPr rtlCol="0" anchor="ctr"/>
+          <a:lstStyle/>
+          <a:p>
+            <a:pPr algn="ctr"/>
+            <a:r>
+              <a:rPr lang="fr-FR" sz="2000" b="1" dirty="0" err="1">
+                <a:solidFill>
+                  <a:schemeClr val="tx1"/>
+                </a:solidFill>
+                <a:latin typeface="Century Gothic" panose="020B0502020202020204" pitchFamily="34" charset="0"/>
+              </a:rPr>
+              <a:t>Layout</a:t>
+            </a:r>
+            <a:endParaRPr lang="fr-FR" sz="2000" b="1" dirty="0">
+              <a:solidFill>
+                <a:schemeClr val="tx1"/>
+              </a:solidFill>
+              <a:latin typeface="Century Gothic" panose="020B0502020202020204" pitchFamily="34" charset="0"/>
+            </a:endParaRPr>
+          </a:p>
+        </p:txBody>
+      </p:sp>
+      <p:sp>
+        <p:nvSpPr>
+          <p:cNvPr id="22" name="Rectangle : coins arrondis 21">
+            <a:extLst>
+              <a:ext uri="{FF2B5EF4-FFF2-40B4-BE49-F238E27FC236}">
+                <a16:creationId xmlns:a16="http://schemas.microsoft.com/office/drawing/2014/main" id="{B1842BB3-EA97-4A7C-AD96-C829B025C831}"/>
+              </a:ext>
+            </a:extLst>
+          </p:cNvPr>
+          <p:cNvSpPr/>
+          <p:nvPr/>
+        </p:nvSpPr>
+        <p:spPr>
+          <a:xfrm>
+            <a:off x="8220345" y="2542554"/>
+            <a:ext cx="3162899" cy="689811"/>
+          </a:xfrm>
+          <a:prstGeom prst="roundRect">
+            <a:avLst/>
+          </a:prstGeom>
+          <a:solidFill>
+            <a:srgbClr val="DAEAC8"/>
+          </a:solidFill>
+          <a:ln>
+            <a:noFill/>
+          </a:ln>
+        </p:spPr>
+        <p:style>
+          <a:lnRef idx="2">
+            <a:schemeClr val="accent1">
+              <a:shade val="50000"/>
+            </a:schemeClr>
+          </a:lnRef>
+          <a:fillRef idx="1">
+            <a:schemeClr val="accent1"/>
+          </a:fillRef>
+          <a:effectRef idx="0">
+            <a:schemeClr val="accent1"/>
+          </a:effectRef>
+          <a:fontRef idx="minor">
+            <a:schemeClr val="lt1"/>
+          </a:fontRef>
+        </p:style>
+        <p:txBody>
+          <a:bodyPr rtlCol="0" anchor="ctr"/>
+          <a:lstStyle/>
+          <a:p>
+            <a:pPr algn="ctr"/>
+            <a:r>
+              <a:rPr lang="fr-FR" sz="2000" b="1" dirty="0" err="1">
+                <a:solidFill>
+                  <a:schemeClr val="tx1"/>
+                </a:solidFill>
+                <a:latin typeface="Century Gothic" panose="020B0502020202020204" pitchFamily="34" charset="0"/>
+              </a:rPr>
+              <a:t>Layout</a:t>
+            </a:r>
+            <a:r>
+              <a:rPr lang="fr-FR" sz="2000" b="1" dirty="0">
+                <a:solidFill>
+                  <a:schemeClr val="tx1"/>
+                </a:solidFill>
+                <a:latin typeface="Century Gothic" panose="020B0502020202020204" pitchFamily="34" charset="0"/>
+              </a:rPr>
+              <a:t> (Binding)</a:t>
+            </a:r>
+          </a:p>
+        </p:txBody>
+      </p:sp>
+      <p:sp>
+        <p:nvSpPr>
+          <p:cNvPr id="24" name="Rectangle : coins arrondis 23">
+            <a:extLst>
+              <a:ext uri="{FF2B5EF4-FFF2-40B4-BE49-F238E27FC236}">
+                <a16:creationId xmlns:a16="http://schemas.microsoft.com/office/drawing/2014/main" id="{D2299EF3-04E7-4CE4-9C4F-0BCDA085E710}"/>
+              </a:ext>
+            </a:extLst>
+          </p:cNvPr>
+          <p:cNvSpPr/>
+          <p:nvPr/>
+        </p:nvSpPr>
+        <p:spPr>
+          <a:xfrm>
+            <a:off x="8220346" y="3334529"/>
+            <a:ext cx="3162899" cy="689811"/>
+          </a:xfrm>
+          <a:prstGeom prst="roundRect">
+            <a:avLst/>
+          </a:prstGeom>
+          <a:solidFill>
+            <a:srgbClr val="DAEAC8"/>
+          </a:solidFill>
+          <a:ln>
+            <a:noFill/>
+          </a:ln>
+        </p:spPr>
+        <p:style>
+          <a:lnRef idx="2">
+            <a:schemeClr val="accent1">
+              <a:shade val="50000"/>
+            </a:schemeClr>
+          </a:lnRef>
+          <a:fillRef idx="1">
+            <a:schemeClr val="accent1"/>
+          </a:fillRef>
+          <a:effectRef idx="0">
+            <a:schemeClr val="accent1"/>
+          </a:effectRef>
+          <a:fontRef idx="minor">
+            <a:schemeClr val="lt1"/>
+          </a:fontRef>
+        </p:style>
+        <p:txBody>
+          <a:bodyPr rtlCol="0" anchor="ctr"/>
+          <a:lstStyle/>
+          <a:p>
+            <a:pPr algn="ctr"/>
+            <a:r>
+              <a:rPr lang="fr-FR" sz="2000" b="1" dirty="0" err="1">
+                <a:solidFill>
+                  <a:schemeClr val="tx1"/>
+                </a:solidFill>
+                <a:latin typeface="Century Gothic" panose="020B0502020202020204" pitchFamily="34" charset="0"/>
+              </a:rPr>
+              <a:t>Parser</a:t>
+            </a:r>
+            <a:endParaRPr lang="fr-FR" sz="2000" b="1" dirty="0">
+              <a:solidFill>
+                <a:schemeClr val="tx1"/>
+              </a:solidFill>
+              <a:latin typeface="Century Gothic" panose="020B0502020202020204" pitchFamily="34" charset="0"/>
+            </a:endParaRPr>
+          </a:p>
+        </p:txBody>
+      </p:sp>
+      <p:sp>
+        <p:nvSpPr>
+          <p:cNvPr id="25" name="Rectangle : coins arrondis 24">
+            <a:extLst>
+              <a:ext uri="{FF2B5EF4-FFF2-40B4-BE49-F238E27FC236}">
+                <a16:creationId xmlns:a16="http://schemas.microsoft.com/office/drawing/2014/main" id="{11008DF3-8B7A-48CC-B48E-014E9C16453B}"/>
+              </a:ext>
+            </a:extLst>
+          </p:cNvPr>
+          <p:cNvSpPr/>
+          <p:nvPr/>
+        </p:nvSpPr>
+        <p:spPr>
+          <a:xfrm>
+            <a:off x="8220345" y="4090675"/>
+            <a:ext cx="3162899" cy="689811"/>
+          </a:xfrm>
+          <a:prstGeom prst="roundRect">
+            <a:avLst/>
+          </a:prstGeom>
+          <a:solidFill>
+            <a:srgbClr val="DAEAC8"/>
+          </a:solidFill>
+          <a:ln>
+            <a:noFill/>
+          </a:ln>
+        </p:spPr>
+        <p:style>
+          <a:lnRef idx="2">
+            <a:schemeClr val="accent1">
+              <a:shade val="50000"/>
+            </a:schemeClr>
+          </a:lnRef>
+          <a:fillRef idx="1">
+            <a:schemeClr val="accent1"/>
+          </a:fillRef>
+          <a:effectRef idx="0">
+            <a:schemeClr val="accent1"/>
+          </a:effectRef>
+          <a:fontRef idx="minor">
+            <a:schemeClr val="lt1"/>
+          </a:fontRef>
+        </p:style>
+        <p:txBody>
+          <a:bodyPr rtlCol="0" anchor="ctr"/>
+          <a:lstStyle/>
+          <a:p>
+            <a:pPr algn="ctr"/>
+            <a:r>
+              <a:rPr lang="fr-FR" sz="2000" b="1" dirty="0" err="1">
+                <a:solidFill>
+                  <a:schemeClr val="tx1"/>
+                </a:solidFill>
+                <a:latin typeface="Century Gothic" panose="020B0502020202020204" pitchFamily="34" charset="0"/>
+              </a:rPr>
+              <a:t>AsyncTask</a:t>
+            </a:r>
+            <a:endParaRPr lang="fr-FR" sz="2000" b="1" dirty="0">
+              <a:solidFill>
+                <a:schemeClr val="tx1"/>
+              </a:solidFill>
+              <a:latin typeface="Century Gothic" panose="020B0502020202020204" pitchFamily="34" charset="0"/>
+            </a:endParaRPr>
+          </a:p>
+        </p:txBody>
+      </p:sp>
+      <p:sp>
+        <p:nvSpPr>
+          <p:cNvPr id="26" name="Rectangle : coins arrondis 25">
+            <a:extLst>
+              <a:ext uri="{FF2B5EF4-FFF2-40B4-BE49-F238E27FC236}">
+                <a16:creationId xmlns:a16="http://schemas.microsoft.com/office/drawing/2014/main" id="{B72E69D5-468B-4DE7-86F7-028DFDB50EF2}"/>
+              </a:ext>
+            </a:extLst>
+          </p:cNvPr>
+          <p:cNvSpPr/>
+          <p:nvPr/>
+        </p:nvSpPr>
+        <p:spPr>
+          <a:xfrm>
+            <a:off x="400227" y="5443280"/>
+            <a:ext cx="3162899" cy="689811"/>
+          </a:xfrm>
+          <a:prstGeom prst="roundRect">
+            <a:avLst/>
+          </a:prstGeom>
+          <a:solidFill>
+            <a:srgbClr val="C8E7EA"/>
+          </a:solidFill>
+          <a:ln>
+            <a:noFill/>
+          </a:ln>
+        </p:spPr>
+        <p:style>
+          <a:lnRef idx="2">
+            <a:schemeClr val="accent1">
+              <a:shade val="50000"/>
+            </a:schemeClr>
+          </a:lnRef>
+          <a:fillRef idx="1">
+            <a:schemeClr val="accent1"/>
+          </a:fillRef>
+          <a:effectRef idx="0">
+            <a:schemeClr val="accent1"/>
+          </a:effectRef>
+          <a:fontRef idx="minor">
+            <a:schemeClr val="lt1"/>
+          </a:fontRef>
+        </p:style>
+        <p:txBody>
+          <a:bodyPr rtlCol="0" anchor="ctr"/>
+          <a:lstStyle/>
+          <a:p>
+            <a:pPr algn="ctr"/>
+            <a:r>
+              <a:rPr lang="fr-FR" sz="2000" b="1" dirty="0">
+                <a:solidFill>
+                  <a:schemeClr val="tx1"/>
+                </a:solidFill>
+                <a:latin typeface="Century Gothic" panose="020B0502020202020204" pitchFamily="34" charset="0"/>
+              </a:rPr>
+              <a:t>Menu</a:t>
+            </a:r>
+          </a:p>
+        </p:txBody>
+      </p:sp>
+      <p:sp>
+        <p:nvSpPr>
+          <p:cNvPr id="27" name="Rectangle : coins arrondis 26">
+            <a:extLst>
+              <a:ext uri="{FF2B5EF4-FFF2-40B4-BE49-F238E27FC236}">
+                <a16:creationId xmlns:a16="http://schemas.microsoft.com/office/drawing/2014/main" id="{C0F6D6D5-3C5B-4AE1-BCC6-92469B545988}"/>
+              </a:ext>
+            </a:extLst>
+          </p:cNvPr>
+          <p:cNvSpPr/>
+          <p:nvPr/>
+        </p:nvSpPr>
+        <p:spPr>
+          <a:xfrm>
+            <a:off x="6324599" y="5469231"/>
+            <a:ext cx="2593010" cy="689811"/>
+          </a:xfrm>
+          <a:prstGeom prst="roundRect">
+            <a:avLst/>
+          </a:prstGeom>
+          <a:solidFill>
+            <a:srgbClr val="DAEAC8"/>
+          </a:solidFill>
+          <a:ln>
+            <a:noFill/>
+          </a:ln>
+        </p:spPr>
+        <p:style>
+          <a:lnRef idx="2">
+            <a:schemeClr val="accent1">
+              <a:shade val="50000"/>
+            </a:schemeClr>
+          </a:lnRef>
+          <a:fillRef idx="1">
+            <a:schemeClr val="accent1"/>
+          </a:fillRef>
+          <a:effectRef idx="0">
+            <a:schemeClr val="accent1"/>
+          </a:effectRef>
+          <a:fontRef idx="minor">
+            <a:schemeClr val="lt1"/>
+          </a:fontRef>
+        </p:style>
+        <p:txBody>
+          <a:bodyPr rtlCol="0" anchor="ctr"/>
+          <a:lstStyle/>
+          <a:p>
+            <a:pPr algn="ctr"/>
+            <a:r>
+              <a:rPr lang="fr-FR" sz="2000" b="1" dirty="0" err="1">
+                <a:solidFill>
+                  <a:schemeClr val="tx1"/>
+                </a:solidFill>
+                <a:latin typeface="Century Gothic" panose="020B0502020202020204" pitchFamily="34" charset="0"/>
+              </a:rPr>
+              <a:t>Carousel</a:t>
+            </a:r>
+            <a:r>
+              <a:rPr lang="fr-FR" sz="2000" b="1" dirty="0">
+                <a:solidFill>
+                  <a:schemeClr val="tx1"/>
+                </a:solidFill>
+                <a:latin typeface="Century Gothic" panose="020B0502020202020204" pitchFamily="34" charset="0"/>
+              </a:rPr>
+              <a:t> Page</a:t>
+            </a:r>
+          </a:p>
+        </p:txBody>
+      </p:sp>
+      <p:sp>
+        <p:nvSpPr>
+          <p:cNvPr id="29" name="Rectangle : coins arrondis 28">
+            <a:extLst>
+              <a:ext uri="{FF2B5EF4-FFF2-40B4-BE49-F238E27FC236}">
+                <a16:creationId xmlns:a16="http://schemas.microsoft.com/office/drawing/2014/main" id="{443B0C0A-A89C-4FA3-9E88-220EB914517C}"/>
+              </a:ext>
+            </a:extLst>
+          </p:cNvPr>
+          <p:cNvSpPr/>
+          <p:nvPr/>
+        </p:nvSpPr>
+        <p:spPr>
+          <a:xfrm>
+            <a:off x="3658446" y="5469231"/>
+            <a:ext cx="2593010" cy="689811"/>
+          </a:xfrm>
+          <a:prstGeom prst="roundRect">
+            <a:avLst/>
+          </a:prstGeom>
+          <a:solidFill>
+            <a:srgbClr val="DAEAC8"/>
+          </a:solidFill>
+          <a:ln>
+            <a:noFill/>
+          </a:ln>
+        </p:spPr>
+        <p:style>
+          <a:lnRef idx="2">
+            <a:schemeClr val="accent1">
+              <a:shade val="50000"/>
+            </a:schemeClr>
+          </a:lnRef>
+          <a:fillRef idx="1">
+            <a:schemeClr val="accent1"/>
+          </a:fillRef>
+          <a:effectRef idx="0">
+            <a:schemeClr val="accent1"/>
+          </a:effectRef>
+          <a:fontRef idx="minor">
+            <a:schemeClr val="lt1"/>
+          </a:fontRef>
+        </p:style>
+        <p:txBody>
+          <a:bodyPr rtlCol="0" anchor="ctr"/>
+          <a:lstStyle/>
+          <a:p>
+            <a:pPr algn="ctr"/>
+            <a:r>
+              <a:rPr lang="fr-FR" sz="2000" b="1" dirty="0" err="1">
+                <a:solidFill>
+                  <a:schemeClr val="tx1"/>
+                </a:solidFill>
+                <a:latin typeface="Century Gothic" panose="020B0502020202020204" pitchFamily="34" charset="0"/>
+              </a:rPr>
+              <a:t>Material</a:t>
+            </a:r>
+            <a:r>
+              <a:rPr lang="fr-FR" sz="2000" b="1" dirty="0">
+                <a:solidFill>
+                  <a:schemeClr val="tx1"/>
+                </a:solidFill>
+                <a:latin typeface="Century Gothic" panose="020B0502020202020204" pitchFamily="34" charset="0"/>
+              </a:rPr>
+              <a:t> Design</a:t>
+            </a:r>
+          </a:p>
+        </p:txBody>
+      </p:sp>
+      <p:sp>
+        <p:nvSpPr>
+          <p:cNvPr id="30" name="Rectangle : coins arrondis 29">
+            <a:extLst>
+              <a:ext uri="{FF2B5EF4-FFF2-40B4-BE49-F238E27FC236}">
+                <a16:creationId xmlns:a16="http://schemas.microsoft.com/office/drawing/2014/main" id="{47E5E260-A2A5-4D96-825C-221612E51652}"/>
+              </a:ext>
+            </a:extLst>
+          </p:cNvPr>
+          <p:cNvSpPr/>
+          <p:nvPr/>
+        </p:nvSpPr>
+        <p:spPr>
+          <a:xfrm>
+            <a:off x="9018082" y="5460120"/>
+            <a:ext cx="2593010" cy="689811"/>
+          </a:xfrm>
+          <a:prstGeom prst="roundRect">
+            <a:avLst/>
+          </a:prstGeom>
+          <a:solidFill>
+            <a:srgbClr val="DAEAC8"/>
+          </a:solidFill>
+          <a:ln>
+            <a:noFill/>
+          </a:ln>
+        </p:spPr>
+        <p:style>
+          <a:lnRef idx="2">
+            <a:schemeClr val="accent1">
+              <a:shade val="50000"/>
+            </a:schemeClr>
+          </a:lnRef>
+          <a:fillRef idx="1">
+            <a:schemeClr val="accent1"/>
+          </a:fillRef>
+          <a:effectRef idx="0">
+            <a:schemeClr val="accent1"/>
+          </a:effectRef>
+          <a:fontRef idx="minor">
+            <a:schemeClr val="lt1"/>
+          </a:fontRef>
+        </p:style>
+        <p:txBody>
+          <a:bodyPr rtlCol="0" anchor="ctr"/>
+          <a:lstStyle/>
+          <a:p>
+            <a:pPr algn="ctr"/>
+            <a:r>
+              <a:rPr lang="fr-FR" sz="2000" b="1" dirty="0">
+                <a:solidFill>
+                  <a:schemeClr val="tx1"/>
+                </a:solidFill>
+                <a:latin typeface="Century Gothic" panose="020B0502020202020204" pitchFamily="34" charset="0"/>
+              </a:rPr>
+              <a:t>Fragments</a:t>
+            </a:r>
+          </a:p>
+        </p:txBody>
+      </p:sp>
+    </p:spTree>
+    <p:extLst>
+      <p:ext uri="{BB962C8B-B14F-4D97-AF65-F5344CB8AC3E}">
+        <p14:creationId xmlns:p14="http://schemas.microsoft.com/office/powerpoint/2010/main" val="621252002"/>
+      </p:ext>
+    </p:extLst>
+  </p:cSld>
+  <p:clrMapOvr>
+    <a:masterClrMapping/>
+  </p:clrMapOvr>
+  <p:transition spd="slow">
+    <p:push dir="u"/>
+  </p:transition>
+  <p:timing>
+    <p:tnLst>
+      <p:par>
+        <p:cTn id="1" dur="indefinite" restart="never" nodeType="tmRoot">
+          <p:childTnLst>
+            <p:seq concurrent="1" nextAc="seek">
+              <p:cTn id="2" dur="indefinite" nodeType="mainSeq">
+                <p:childTnLst>
+                  <p:par>
+                    <p:cTn id="3" fill="hold">
+                      <p:stCondLst>
+                        <p:cond delay="indefinite"/>
+                        <p:cond evt="onBegin" delay="0">
+                          <p:tn val="2"/>
+                        </p:cond>
+                      </p:stCondLst>
+                      <p:childTnLst>
+                        <p:par>
+                          <p:cTn id="4" fill="hold">
+                            <p:stCondLst>
+                              <p:cond delay="0"/>
+                            </p:stCondLst>
+                            <p:childTnLst>
+                              <p:par>
+                                <p:cTn id="5" presetID="2" presetClass="entr" presetSubtype="8" fill="hold" nodeType="withEffect">
+                                  <p:stCondLst>
+                                    <p:cond delay="0"/>
+                                  </p:stCondLst>
+                                  <p:childTnLst>
+                                    <p:set>
+                                      <p:cBhvr>
+                                        <p:cTn id="6" dur="1" fill="hold">
+                                          <p:stCondLst>
+                                            <p:cond delay="0"/>
+                                          </p:stCondLst>
+                                        </p:cTn>
+                                        <p:tgtEl>
+                                          <p:spTgt spid="7"/>
+                                        </p:tgtEl>
+                                        <p:attrNameLst>
+                                          <p:attrName>style.visibility</p:attrName>
+                                        </p:attrNameLst>
+                                      </p:cBhvr>
+                                      <p:to>
+                                        <p:strVal val="visible"/>
+                                      </p:to>
+                                    </p:set>
+                                    <p:anim calcmode="lin" valueType="num">
+                                      <p:cBhvr additive="base">
+                                        <p:cTn id="7" dur="500" fill="hold"/>
+                                        <p:tgtEl>
+                                          <p:spTgt spid="7"/>
+                                        </p:tgtEl>
+                                        <p:attrNameLst>
+                                          <p:attrName>ppt_x</p:attrName>
+                                        </p:attrNameLst>
+                                      </p:cBhvr>
+                                      <p:tavLst>
+                                        <p:tav tm="0">
+                                          <p:val>
+                                            <p:strVal val="0-#ppt_w/2"/>
+                                          </p:val>
+                                        </p:tav>
+                                        <p:tav tm="100000">
+                                          <p:val>
+                                            <p:strVal val="#ppt_x"/>
+                                          </p:val>
+                                        </p:tav>
+                                      </p:tavLst>
+                                    </p:anim>
+                                    <p:anim calcmode="lin" valueType="num">
+                                      <p:cBhvr additive="base">
+                                        <p:cTn id="8" dur="500" fill="hold"/>
+                                        <p:tgtEl>
+                                          <p:spTgt spid="7"/>
+                                        </p:tgtEl>
+                                        <p:attrNameLst>
+                                          <p:attrName>ppt_y</p:attrName>
+                                        </p:attrNameLst>
+                                      </p:cBhvr>
+                                      <p:tavLst>
+                                        <p:tav tm="0">
+                                          <p:val>
+                                            <p:strVal val="#ppt_y"/>
+                                          </p:val>
+                                        </p:tav>
+                                        <p:tav tm="100000">
+                                          <p:val>
+                                            <p:strVal val="#ppt_y"/>
+                                          </p:val>
+                                        </p:tav>
+                                      </p:tavLst>
+                                    </p:anim>
+                                  </p:childTnLst>
+                                </p:cTn>
+                              </p:par>
+                              <p:par>
+                                <p:cTn id="9" presetID="22" presetClass="entr" presetSubtype="8" fill="hold" grpId="0" nodeType="withEffect">
+                                  <p:stCondLst>
+                                    <p:cond delay="0"/>
+                                  </p:stCondLst>
+                                  <p:childTnLst>
+                                    <p:set>
+                                      <p:cBhvr>
+                                        <p:cTn id="10" dur="1" fill="hold">
+                                          <p:stCondLst>
+                                            <p:cond delay="0"/>
+                                          </p:stCondLst>
+                                        </p:cTn>
+                                        <p:tgtEl>
+                                          <p:spTgt spid="4"/>
+                                        </p:tgtEl>
+                                        <p:attrNameLst>
+                                          <p:attrName>style.visibility</p:attrName>
+                                        </p:attrNameLst>
+                                      </p:cBhvr>
+                                      <p:to>
+                                        <p:strVal val="visible"/>
+                                      </p:to>
+                                    </p:set>
+                                    <p:animEffect transition="in" filter="wipe(left)">
+                                      <p:cBhvr>
+                                        <p:cTn id="11" dur="500"/>
+                                        <p:tgtEl>
+                                          <p:spTgt spid="4"/>
+                                        </p:tgtEl>
+                                      </p:cBhvr>
+                                    </p:animEffect>
+                                  </p:childTnLst>
+                                </p:cTn>
+                              </p:par>
+                              <p:par>
+                                <p:cTn id="12" presetID="2" presetClass="entr" presetSubtype="8" fill="hold" grpId="0" nodeType="withEffect">
+                                  <p:stCondLst>
+                                    <p:cond delay="500"/>
+                                  </p:stCondLst>
+                                  <p:childTnLst>
+                                    <p:set>
+                                      <p:cBhvr>
+                                        <p:cTn id="13" dur="1" fill="hold">
+                                          <p:stCondLst>
+                                            <p:cond delay="0"/>
+                                          </p:stCondLst>
+                                        </p:cTn>
+                                        <p:tgtEl>
+                                          <p:spTgt spid="15"/>
+                                        </p:tgtEl>
+                                        <p:attrNameLst>
+                                          <p:attrName>style.visibility</p:attrName>
+                                        </p:attrNameLst>
+                                      </p:cBhvr>
+                                      <p:to>
+                                        <p:strVal val="visible"/>
+                                      </p:to>
+                                    </p:set>
+                                    <p:anim calcmode="lin" valueType="num">
+                                      <p:cBhvr additive="base">
+                                        <p:cTn id="14" dur="500" fill="hold"/>
+                                        <p:tgtEl>
+                                          <p:spTgt spid="15"/>
+                                        </p:tgtEl>
+                                        <p:attrNameLst>
+                                          <p:attrName>ppt_x</p:attrName>
+                                        </p:attrNameLst>
+                                      </p:cBhvr>
+                                      <p:tavLst>
+                                        <p:tav tm="0">
+                                          <p:val>
+                                            <p:strVal val="0-#ppt_w/2"/>
+                                          </p:val>
+                                        </p:tav>
+                                        <p:tav tm="100000">
+                                          <p:val>
+                                            <p:strVal val="#ppt_x"/>
+                                          </p:val>
+                                        </p:tav>
+                                      </p:tavLst>
+                                    </p:anim>
+                                    <p:anim calcmode="lin" valueType="num">
+                                      <p:cBhvr additive="base">
+                                        <p:cTn id="15" dur="500" fill="hold"/>
+                                        <p:tgtEl>
+                                          <p:spTgt spid="15"/>
+                                        </p:tgtEl>
+                                        <p:attrNameLst>
+                                          <p:attrName>ppt_y</p:attrName>
+                                        </p:attrNameLst>
+                                      </p:cBhvr>
+                                      <p:tavLst>
+                                        <p:tav tm="0">
+                                          <p:val>
+                                            <p:strVal val="#ppt_y"/>
+                                          </p:val>
+                                        </p:tav>
+                                        <p:tav tm="100000">
+                                          <p:val>
+                                            <p:strVal val="#ppt_y"/>
+                                          </p:val>
+                                        </p:tav>
+                                      </p:tavLst>
+                                    </p:anim>
+                                  </p:childTnLst>
+                                </p:cTn>
+                              </p:par>
+                              <p:par>
+                                <p:cTn id="16" presetID="2" presetClass="entr" presetSubtype="1" fill="hold" grpId="0" nodeType="withEffect">
+                                  <p:stCondLst>
+                                    <p:cond delay="500"/>
+                                  </p:stCondLst>
+                                  <p:childTnLst>
+                                    <p:set>
+                                      <p:cBhvr>
+                                        <p:cTn id="17" dur="1" fill="hold">
+                                          <p:stCondLst>
+                                            <p:cond delay="0"/>
+                                          </p:stCondLst>
+                                        </p:cTn>
+                                        <p:tgtEl>
+                                          <p:spTgt spid="9"/>
+                                        </p:tgtEl>
+                                        <p:attrNameLst>
+                                          <p:attrName>style.visibility</p:attrName>
+                                        </p:attrNameLst>
+                                      </p:cBhvr>
+                                      <p:to>
+                                        <p:strVal val="visible"/>
+                                      </p:to>
+                                    </p:set>
+                                    <p:anim calcmode="lin" valueType="num">
+                                      <p:cBhvr additive="base">
+                                        <p:cTn id="18" dur="500" fill="hold"/>
+                                        <p:tgtEl>
+                                          <p:spTgt spid="9"/>
+                                        </p:tgtEl>
+                                        <p:attrNameLst>
+                                          <p:attrName>ppt_x</p:attrName>
+                                        </p:attrNameLst>
+                                      </p:cBhvr>
+                                      <p:tavLst>
+                                        <p:tav tm="0">
+                                          <p:val>
+                                            <p:strVal val="#ppt_x"/>
+                                          </p:val>
+                                        </p:tav>
+                                        <p:tav tm="100000">
+                                          <p:val>
+                                            <p:strVal val="#ppt_x"/>
+                                          </p:val>
+                                        </p:tav>
+                                      </p:tavLst>
+                                    </p:anim>
+                                    <p:anim calcmode="lin" valueType="num">
+                                      <p:cBhvr additive="base">
+                                        <p:cTn id="19" dur="500" fill="hold"/>
+                                        <p:tgtEl>
+                                          <p:spTgt spid="9"/>
+                                        </p:tgtEl>
+                                        <p:attrNameLst>
+                                          <p:attrName>ppt_y</p:attrName>
+                                        </p:attrNameLst>
+                                      </p:cBhvr>
+                                      <p:tavLst>
+                                        <p:tav tm="0">
+                                          <p:val>
+                                            <p:strVal val="0-#ppt_h/2"/>
+                                          </p:val>
+                                        </p:tav>
+                                        <p:tav tm="100000">
+                                          <p:val>
+                                            <p:strVal val="#ppt_y"/>
+                                          </p:val>
+                                        </p:tav>
+                                      </p:tavLst>
+                                    </p:anim>
+                                  </p:childTnLst>
+                                </p:cTn>
+                              </p:par>
+                              <p:par>
+                                <p:cTn id="20" presetID="2" presetClass="entr" presetSubtype="2" fill="hold" grpId="0" nodeType="withEffect">
+                                  <p:stCondLst>
+                                    <p:cond delay="500"/>
+                                  </p:stCondLst>
+                                  <p:childTnLst>
+                                    <p:set>
+                                      <p:cBhvr>
+                                        <p:cTn id="21" dur="1" fill="hold">
+                                          <p:stCondLst>
+                                            <p:cond delay="0"/>
+                                          </p:stCondLst>
+                                        </p:cTn>
+                                        <p:tgtEl>
+                                          <p:spTgt spid="10"/>
+                                        </p:tgtEl>
+                                        <p:attrNameLst>
+                                          <p:attrName>style.visibility</p:attrName>
+                                        </p:attrNameLst>
+                                      </p:cBhvr>
+                                      <p:to>
+                                        <p:strVal val="visible"/>
+                                      </p:to>
+                                    </p:set>
+                                    <p:anim calcmode="lin" valueType="num">
+                                      <p:cBhvr additive="base">
+                                        <p:cTn id="22" dur="500" fill="hold"/>
+                                        <p:tgtEl>
+                                          <p:spTgt spid="10"/>
+                                        </p:tgtEl>
+                                        <p:attrNameLst>
+                                          <p:attrName>ppt_x</p:attrName>
+                                        </p:attrNameLst>
+                                      </p:cBhvr>
+                                      <p:tavLst>
+                                        <p:tav tm="0">
+                                          <p:val>
+                                            <p:strVal val="1+#ppt_w/2"/>
+                                          </p:val>
+                                        </p:tav>
+                                        <p:tav tm="100000">
+                                          <p:val>
+                                            <p:strVal val="#ppt_x"/>
+                                          </p:val>
+                                        </p:tav>
+                                      </p:tavLst>
+                                    </p:anim>
+                                    <p:anim calcmode="lin" valueType="num">
+                                      <p:cBhvr additive="base">
+                                        <p:cTn id="23" dur="500" fill="hold"/>
+                                        <p:tgtEl>
+                                          <p:spTgt spid="10"/>
+                                        </p:tgtEl>
+                                        <p:attrNameLst>
+                                          <p:attrName>ppt_y</p:attrName>
+                                        </p:attrNameLst>
+                                      </p:cBhvr>
+                                      <p:tavLst>
+                                        <p:tav tm="0">
+                                          <p:val>
+                                            <p:strVal val="#ppt_y"/>
+                                          </p:val>
+                                        </p:tav>
+                                        <p:tav tm="100000">
+                                          <p:val>
+                                            <p:strVal val="#ppt_y"/>
+                                          </p:val>
+                                        </p:tav>
+                                      </p:tavLst>
+                                    </p:anim>
+                                  </p:childTnLst>
+                                </p:cTn>
+                              </p:par>
+                            </p:childTnLst>
+                          </p:cTn>
+                        </p:par>
+                        <p:par>
+                          <p:cTn id="24" fill="hold">
+                            <p:stCondLst>
+                              <p:cond delay="1000"/>
+                            </p:stCondLst>
+                            <p:childTnLst>
+                              <p:par>
+                                <p:cTn id="25" presetID="2" presetClass="entr" presetSubtype="4" fill="hold" grpId="0" nodeType="afterEffect">
+                                  <p:stCondLst>
+                                    <p:cond delay="0"/>
+                                  </p:stCondLst>
+                                  <p:childTnLst>
+                                    <p:set>
+                                      <p:cBhvr>
+                                        <p:cTn id="26" dur="1" fill="hold">
+                                          <p:stCondLst>
+                                            <p:cond delay="0"/>
+                                          </p:stCondLst>
+                                        </p:cTn>
+                                        <p:tgtEl>
+                                          <p:spTgt spid="20"/>
+                                        </p:tgtEl>
+                                        <p:attrNameLst>
+                                          <p:attrName>style.visibility</p:attrName>
+                                        </p:attrNameLst>
+                                      </p:cBhvr>
+                                      <p:to>
+                                        <p:strVal val="visible"/>
+                                      </p:to>
+                                    </p:set>
+                                    <p:anim calcmode="lin" valueType="num">
+                                      <p:cBhvr additive="base">
+                                        <p:cTn id="27" dur="250" fill="hold"/>
+                                        <p:tgtEl>
+                                          <p:spTgt spid="20"/>
+                                        </p:tgtEl>
+                                        <p:attrNameLst>
+                                          <p:attrName>ppt_x</p:attrName>
+                                        </p:attrNameLst>
+                                      </p:cBhvr>
+                                      <p:tavLst>
+                                        <p:tav tm="0">
+                                          <p:val>
+                                            <p:strVal val="#ppt_x"/>
+                                          </p:val>
+                                        </p:tav>
+                                        <p:tav tm="100000">
+                                          <p:val>
+                                            <p:strVal val="#ppt_x"/>
+                                          </p:val>
+                                        </p:tav>
+                                      </p:tavLst>
+                                    </p:anim>
+                                    <p:anim calcmode="lin" valueType="num">
+                                      <p:cBhvr additive="base">
+                                        <p:cTn id="28" dur="250" fill="hold"/>
+                                        <p:tgtEl>
+                                          <p:spTgt spid="20"/>
+                                        </p:tgtEl>
+                                        <p:attrNameLst>
+                                          <p:attrName>ppt_y</p:attrName>
+                                        </p:attrNameLst>
+                                      </p:cBhvr>
+                                      <p:tavLst>
+                                        <p:tav tm="0">
+                                          <p:val>
+                                            <p:strVal val="1+#ppt_h/2"/>
+                                          </p:val>
+                                        </p:tav>
+                                        <p:tav tm="100000">
+                                          <p:val>
+                                            <p:strVal val="#ppt_y"/>
+                                          </p:val>
+                                        </p:tav>
+                                      </p:tavLst>
+                                    </p:anim>
+                                  </p:childTnLst>
+                                </p:cTn>
+                              </p:par>
+                            </p:childTnLst>
+                          </p:cTn>
+                        </p:par>
+                        <p:par>
+                          <p:cTn id="29" fill="hold">
+                            <p:stCondLst>
+                              <p:cond delay="1250"/>
+                            </p:stCondLst>
+                            <p:childTnLst>
+                              <p:par>
+                                <p:cTn id="30" presetID="2" presetClass="entr" presetSubtype="4" fill="hold" grpId="0" nodeType="afterEffect">
+                                  <p:stCondLst>
+                                    <p:cond delay="0"/>
+                                  </p:stCondLst>
+                                  <p:childTnLst>
+                                    <p:set>
+                                      <p:cBhvr>
+                                        <p:cTn id="31" dur="1" fill="hold">
+                                          <p:stCondLst>
+                                            <p:cond delay="0"/>
+                                          </p:stCondLst>
+                                        </p:cTn>
+                                        <p:tgtEl>
+                                          <p:spTgt spid="19"/>
+                                        </p:tgtEl>
+                                        <p:attrNameLst>
+                                          <p:attrName>style.visibility</p:attrName>
+                                        </p:attrNameLst>
+                                      </p:cBhvr>
+                                      <p:to>
+                                        <p:strVal val="visible"/>
+                                      </p:to>
+                                    </p:set>
+                                    <p:anim calcmode="lin" valueType="num">
+                                      <p:cBhvr additive="base">
+                                        <p:cTn id="32" dur="250" fill="hold"/>
+                                        <p:tgtEl>
+                                          <p:spTgt spid="19"/>
+                                        </p:tgtEl>
+                                        <p:attrNameLst>
+                                          <p:attrName>ppt_x</p:attrName>
+                                        </p:attrNameLst>
+                                      </p:cBhvr>
+                                      <p:tavLst>
+                                        <p:tav tm="0">
+                                          <p:val>
+                                            <p:strVal val="#ppt_x"/>
+                                          </p:val>
+                                        </p:tav>
+                                        <p:tav tm="100000">
+                                          <p:val>
+                                            <p:strVal val="#ppt_x"/>
+                                          </p:val>
+                                        </p:tav>
+                                      </p:tavLst>
+                                    </p:anim>
+                                    <p:anim calcmode="lin" valueType="num">
+                                      <p:cBhvr additive="base">
+                                        <p:cTn id="33" dur="250" fill="hold"/>
+                                        <p:tgtEl>
+                                          <p:spTgt spid="19"/>
+                                        </p:tgtEl>
+                                        <p:attrNameLst>
+                                          <p:attrName>ppt_y</p:attrName>
+                                        </p:attrNameLst>
+                                      </p:cBhvr>
+                                      <p:tavLst>
+                                        <p:tav tm="0">
+                                          <p:val>
+                                            <p:strVal val="1+#ppt_h/2"/>
+                                          </p:val>
+                                        </p:tav>
+                                        <p:tav tm="100000">
+                                          <p:val>
+                                            <p:strVal val="#ppt_y"/>
+                                          </p:val>
+                                        </p:tav>
+                                      </p:tavLst>
+                                    </p:anim>
+                                  </p:childTnLst>
+                                </p:cTn>
+                              </p:par>
+                            </p:childTnLst>
+                          </p:cTn>
+                        </p:par>
+                        <p:par>
+                          <p:cTn id="34" fill="hold">
+                            <p:stCondLst>
+                              <p:cond delay="1500"/>
+                            </p:stCondLst>
+                            <p:childTnLst>
+                              <p:par>
+                                <p:cTn id="35" presetID="2" presetClass="entr" presetSubtype="4" fill="hold" grpId="0" nodeType="afterEffect">
+                                  <p:stCondLst>
+                                    <p:cond delay="0"/>
+                                  </p:stCondLst>
+                                  <p:childTnLst>
+                                    <p:set>
+                                      <p:cBhvr>
+                                        <p:cTn id="36" dur="1" fill="hold">
+                                          <p:stCondLst>
+                                            <p:cond delay="0"/>
+                                          </p:stCondLst>
+                                        </p:cTn>
+                                        <p:tgtEl>
+                                          <p:spTgt spid="21"/>
+                                        </p:tgtEl>
+                                        <p:attrNameLst>
+                                          <p:attrName>style.visibility</p:attrName>
+                                        </p:attrNameLst>
+                                      </p:cBhvr>
+                                      <p:to>
+                                        <p:strVal val="visible"/>
+                                      </p:to>
+                                    </p:set>
+                                    <p:anim calcmode="lin" valueType="num">
+                                      <p:cBhvr additive="base">
+                                        <p:cTn id="37" dur="250" fill="hold"/>
+                                        <p:tgtEl>
+                                          <p:spTgt spid="21"/>
+                                        </p:tgtEl>
+                                        <p:attrNameLst>
+                                          <p:attrName>ppt_x</p:attrName>
+                                        </p:attrNameLst>
+                                      </p:cBhvr>
+                                      <p:tavLst>
+                                        <p:tav tm="0">
+                                          <p:val>
+                                            <p:strVal val="#ppt_x"/>
+                                          </p:val>
+                                        </p:tav>
+                                        <p:tav tm="100000">
+                                          <p:val>
+                                            <p:strVal val="#ppt_x"/>
+                                          </p:val>
+                                        </p:tav>
+                                      </p:tavLst>
+                                    </p:anim>
+                                    <p:anim calcmode="lin" valueType="num">
+                                      <p:cBhvr additive="base">
+                                        <p:cTn id="38" dur="250" fill="hold"/>
+                                        <p:tgtEl>
+                                          <p:spTgt spid="21"/>
+                                        </p:tgtEl>
+                                        <p:attrNameLst>
+                                          <p:attrName>ppt_y</p:attrName>
+                                        </p:attrNameLst>
+                                      </p:cBhvr>
+                                      <p:tavLst>
+                                        <p:tav tm="0">
+                                          <p:val>
+                                            <p:strVal val="1+#ppt_h/2"/>
+                                          </p:val>
+                                        </p:tav>
+                                        <p:tav tm="100000">
+                                          <p:val>
+                                            <p:strVal val="#ppt_y"/>
+                                          </p:val>
+                                        </p:tav>
+                                      </p:tavLst>
+                                    </p:anim>
+                                  </p:childTnLst>
+                                </p:cTn>
+                              </p:par>
+                            </p:childTnLst>
+                          </p:cTn>
+                        </p:par>
+                        <p:par>
+                          <p:cTn id="39" fill="hold">
+                            <p:stCondLst>
+                              <p:cond delay="1750"/>
+                            </p:stCondLst>
+                            <p:childTnLst>
+                              <p:par>
+                                <p:cTn id="40" presetID="2" presetClass="entr" presetSubtype="4" fill="hold" grpId="0" nodeType="afterEffect">
+                                  <p:stCondLst>
+                                    <p:cond delay="0"/>
+                                  </p:stCondLst>
+                                  <p:childTnLst>
+                                    <p:set>
+                                      <p:cBhvr>
+                                        <p:cTn id="41" dur="1" fill="hold">
+                                          <p:stCondLst>
+                                            <p:cond delay="0"/>
+                                          </p:stCondLst>
+                                        </p:cTn>
+                                        <p:tgtEl>
+                                          <p:spTgt spid="11"/>
+                                        </p:tgtEl>
+                                        <p:attrNameLst>
+                                          <p:attrName>style.visibility</p:attrName>
+                                        </p:attrNameLst>
+                                      </p:cBhvr>
+                                      <p:to>
+                                        <p:strVal val="visible"/>
+                                      </p:to>
+                                    </p:set>
+                                    <p:anim calcmode="lin" valueType="num">
+                                      <p:cBhvr additive="base">
+                                        <p:cTn id="42" dur="250" fill="hold"/>
+                                        <p:tgtEl>
+                                          <p:spTgt spid="11"/>
+                                        </p:tgtEl>
+                                        <p:attrNameLst>
+                                          <p:attrName>ppt_x</p:attrName>
+                                        </p:attrNameLst>
+                                      </p:cBhvr>
+                                      <p:tavLst>
+                                        <p:tav tm="0">
+                                          <p:val>
+                                            <p:strVal val="#ppt_x"/>
+                                          </p:val>
+                                        </p:tav>
+                                        <p:tav tm="100000">
+                                          <p:val>
+                                            <p:strVal val="#ppt_x"/>
+                                          </p:val>
+                                        </p:tav>
+                                      </p:tavLst>
+                                    </p:anim>
+                                    <p:anim calcmode="lin" valueType="num">
+                                      <p:cBhvr additive="base">
+                                        <p:cTn id="43" dur="250" fill="hold"/>
+                                        <p:tgtEl>
+                                          <p:spTgt spid="11"/>
+                                        </p:tgtEl>
+                                        <p:attrNameLst>
+                                          <p:attrName>ppt_y</p:attrName>
+                                        </p:attrNameLst>
+                                      </p:cBhvr>
+                                      <p:tavLst>
+                                        <p:tav tm="0">
+                                          <p:val>
+                                            <p:strVal val="1+#ppt_h/2"/>
+                                          </p:val>
+                                        </p:tav>
+                                        <p:tav tm="100000">
+                                          <p:val>
+                                            <p:strVal val="#ppt_y"/>
+                                          </p:val>
+                                        </p:tav>
+                                      </p:tavLst>
+                                    </p:anim>
+                                  </p:childTnLst>
+                                </p:cTn>
+                              </p:par>
+                            </p:childTnLst>
+                          </p:cTn>
+                        </p:par>
+                        <p:par>
+                          <p:cTn id="44" fill="hold">
+                            <p:stCondLst>
+                              <p:cond delay="2000"/>
+                            </p:stCondLst>
+                            <p:childTnLst>
+                              <p:par>
+                                <p:cTn id="45" presetID="2" presetClass="entr" presetSubtype="4" fill="hold" grpId="0" nodeType="afterEffect">
+                                  <p:stCondLst>
+                                    <p:cond delay="0"/>
+                                  </p:stCondLst>
+                                  <p:childTnLst>
+                                    <p:set>
+                                      <p:cBhvr>
+                                        <p:cTn id="46" dur="1" fill="hold">
+                                          <p:stCondLst>
+                                            <p:cond delay="0"/>
+                                          </p:stCondLst>
+                                        </p:cTn>
+                                        <p:tgtEl>
+                                          <p:spTgt spid="13"/>
+                                        </p:tgtEl>
+                                        <p:attrNameLst>
+                                          <p:attrName>style.visibility</p:attrName>
+                                        </p:attrNameLst>
+                                      </p:cBhvr>
+                                      <p:to>
+                                        <p:strVal val="visible"/>
+                                      </p:to>
+                                    </p:set>
+                                    <p:anim calcmode="lin" valueType="num">
+                                      <p:cBhvr additive="base">
+                                        <p:cTn id="47" dur="250" fill="hold"/>
+                                        <p:tgtEl>
+                                          <p:spTgt spid="13"/>
+                                        </p:tgtEl>
+                                        <p:attrNameLst>
+                                          <p:attrName>ppt_x</p:attrName>
+                                        </p:attrNameLst>
+                                      </p:cBhvr>
+                                      <p:tavLst>
+                                        <p:tav tm="0">
+                                          <p:val>
+                                            <p:strVal val="#ppt_x"/>
+                                          </p:val>
+                                        </p:tav>
+                                        <p:tav tm="100000">
+                                          <p:val>
+                                            <p:strVal val="#ppt_x"/>
+                                          </p:val>
+                                        </p:tav>
+                                      </p:tavLst>
+                                    </p:anim>
+                                    <p:anim calcmode="lin" valueType="num">
+                                      <p:cBhvr additive="base">
+                                        <p:cTn id="48" dur="250" fill="hold"/>
+                                        <p:tgtEl>
+                                          <p:spTgt spid="13"/>
+                                        </p:tgtEl>
+                                        <p:attrNameLst>
+                                          <p:attrName>ppt_y</p:attrName>
+                                        </p:attrNameLst>
+                                      </p:cBhvr>
+                                      <p:tavLst>
+                                        <p:tav tm="0">
+                                          <p:val>
+                                            <p:strVal val="1+#ppt_h/2"/>
+                                          </p:val>
+                                        </p:tav>
+                                        <p:tav tm="100000">
+                                          <p:val>
+                                            <p:strVal val="#ppt_y"/>
+                                          </p:val>
+                                        </p:tav>
+                                      </p:tavLst>
+                                    </p:anim>
+                                  </p:childTnLst>
+                                </p:cTn>
+                              </p:par>
+                            </p:childTnLst>
+                          </p:cTn>
+                        </p:par>
+                        <p:par>
+                          <p:cTn id="49" fill="hold">
+                            <p:stCondLst>
+                              <p:cond delay="2250"/>
+                            </p:stCondLst>
+                            <p:childTnLst>
+                              <p:par>
+                                <p:cTn id="50" presetID="2" presetClass="entr" presetSubtype="4" fill="hold" grpId="0" nodeType="afterEffect">
+                                  <p:stCondLst>
+                                    <p:cond delay="0"/>
+                                  </p:stCondLst>
+                                  <p:childTnLst>
+                                    <p:set>
+                                      <p:cBhvr>
+                                        <p:cTn id="51" dur="1" fill="hold">
+                                          <p:stCondLst>
+                                            <p:cond delay="0"/>
+                                          </p:stCondLst>
+                                        </p:cTn>
+                                        <p:tgtEl>
+                                          <p:spTgt spid="22"/>
+                                        </p:tgtEl>
+                                        <p:attrNameLst>
+                                          <p:attrName>style.visibility</p:attrName>
+                                        </p:attrNameLst>
+                                      </p:cBhvr>
+                                      <p:to>
+                                        <p:strVal val="visible"/>
+                                      </p:to>
+                                    </p:set>
+                                    <p:anim calcmode="lin" valueType="num">
+                                      <p:cBhvr additive="base">
+                                        <p:cTn id="52" dur="250" fill="hold"/>
+                                        <p:tgtEl>
+                                          <p:spTgt spid="22"/>
+                                        </p:tgtEl>
+                                        <p:attrNameLst>
+                                          <p:attrName>ppt_x</p:attrName>
+                                        </p:attrNameLst>
+                                      </p:cBhvr>
+                                      <p:tavLst>
+                                        <p:tav tm="0">
+                                          <p:val>
+                                            <p:strVal val="#ppt_x"/>
+                                          </p:val>
+                                        </p:tav>
+                                        <p:tav tm="100000">
+                                          <p:val>
+                                            <p:strVal val="#ppt_x"/>
+                                          </p:val>
+                                        </p:tav>
+                                      </p:tavLst>
+                                    </p:anim>
+                                    <p:anim calcmode="lin" valueType="num">
+                                      <p:cBhvr additive="base">
+                                        <p:cTn id="53" dur="250" fill="hold"/>
+                                        <p:tgtEl>
+                                          <p:spTgt spid="22"/>
+                                        </p:tgtEl>
+                                        <p:attrNameLst>
+                                          <p:attrName>ppt_y</p:attrName>
+                                        </p:attrNameLst>
+                                      </p:cBhvr>
+                                      <p:tavLst>
+                                        <p:tav tm="0">
+                                          <p:val>
+                                            <p:strVal val="1+#ppt_h/2"/>
+                                          </p:val>
+                                        </p:tav>
+                                        <p:tav tm="100000">
+                                          <p:val>
+                                            <p:strVal val="#ppt_y"/>
+                                          </p:val>
+                                        </p:tav>
+                                      </p:tavLst>
+                                    </p:anim>
+                                  </p:childTnLst>
+                                </p:cTn>
+                              </p:par>
+                            </p:childTnLst>
+                          </p:cTn>
+                        </p:par>
+                        <p:par>
+                          <p:cTn id="54" fill="hold">
+                            <p:stCondLst>
+                              <p:cond delay="2500"/>
+                            </p:stCondLst>
+                            <p:childTnLst>
+                              <p:par>
+                                <p:cTn id="55" presetID="2" presetClass="entr" presetSubtype="4" fill="hold" grpId="0" nodeType="afterEffect">
+                                  <p:stCondLst>
+                                    <p:cond delay="0"/>
+                                  </p:stCondLst>
+                                  <p:childTnLst>
+                                    <p:set>
+                                      <p:cBhvr>
+                                        <p:cTn id="56" dur="1" fill="hold">
+                                          <p:stCondLst>
+                                            <p:cond delay="0"/>
+                                          </p:stCondLst>
+                                        </p:cTn>
+                                        <p:tgtEl>
+                                          <p:spTgt spid="24"/>
+                                        </p:tgtEl>
+                                        <p:attrNameLst>
+                                          <p:attrName>style.visibility</p:attrName>
+                                        </p:attrNameLst>
+                                      </p:cBhvr>
+                                      <p:to>
+                                        <p:strVal val="visible"/>
+                                      </p:to>
+                                    </p:set>
+                                    <p:anim calcmode="lin" valueType="num">
+                                      <p:cBhvr additive="base">
+                                        <p:cTn id="57" dur="250" fill="hold"/>
+                                        <p:tgtEl>
+                                          <p:spTgt spid="24"/>
+                                        </p:tgtEl>
+                                        <p:attrNameLst>
+                                          <p:attrName>ppt_x</p:attrName>
+                                        </p:attrNameLst>
+                                      </p:cBhvr>
+                                      <p:tavLst>
+                                        <p:tav tm="0">
+                                          <p:val>
+                                            <p:strVal val="#ppt_x"/>
+                                          </p:val>
+                                        </p:tav>
+                                        <p:tav tm="100000">
+                                          <p:val>
+                                            <p:strVal val="#ppt_x"/>
+                                          </p:val>
+                                        </p:tav>
+                                      </p:tavLst>
+                                    </p:anim>
+                                    <p:anim calcmode="lin" valueType="num">
+                                      <p:cBhvr additive="base">
+                                        <p:cTn id="58" dur="250" fill="hold"/>
+                                        <p:tgtEl>
+                                          <p:spTgt spid="24"/>
+                                        </p:tgtEl>
+                                        <p:attrNameLst>
+                                          <p:attrName>ppt_y</p:attrName>
+                                        </p:attrNameLst>
+                                      </p:cBhvr>
+                                      <p:tavLst>
+                                        <p:tav tm="0">
+                                          <p:val>
+                                            <p:strVal val="1+#ppt_h/2"/>
+                                          </p:val>
+                                        </p:tav>
+                                        <p:tav tm="100000">
+                                          <p:val>
+                                            <p:strVal val="#ppt_y"/>
+                                          </p:val>
+                                        </p:tav>
+                                      </p:tavLst>
+                                    </p:anim>
+                                  </p:childTnLst>
+                                </p:cTn>
+                              </p:par>
+                            </p:childTnLst>
+                          </p:cTn>
+                        </p:par>
+                        <p:par>
+                          <p:cTn id="59" fill="hold">
+                            <p:stCondLst>
+                              <p:cond delay="2750"/>
+                            </p:stCondLst>
+                            <p:childTnLst>
+                              <p:par>
+                                <p:cTn id="60" presetID="2" presetClass="entr" presetSubtype="4" fill="hold" grpId="0" nodeType="afterEffect">
+                                  <p:stCondLst>
+                                    <p:cond delay="0"/>
+                                  </p:stCondLst>
+                                  <p:childTnLst>
+                                    <p:set>
+                                      <p:cBhvr>
+                                        <p:cTn id="61" dur="1" fill="hold">
+                                          <p:stCondLst>
+                                            <p:cond delay="0"/>
+                                          </p:stCondLst>
+                                        </p:cTn>
+                                        <p:tgtEl>
+                                          <p:spTgt spid="25"/>
+                                        </p:tgtEl>
+                                        <p:attrNameLst>
+                                          <p:attrName>style.visibility</p:attrName>
+                                        </p:attrNameLst>
+                                      </p:cBhvr>
+                                      <p:to>
+                                        <p:strVal val="visible"/>
+                                      </p:to>
+                                    </p:set>
+                                    <p:anim calcmode="lin" valueType="num">
+                                      <p:cBhvr additive="base">
+                                        <p:cTn id="62" dur="250" fill="hold"/>
+                                        <p:tgtEl>
+                                          <p:spTgt spid="25"/>
+                                        </p:tgtEl>
+                                        <p:attrNameLst>
+                                          <p:attrName>ppt_x</p:attrName>
+                                        </p:attrNameLst>
+                                      </p:cBhvr>
+                                      <p:tavLst>
+                                        <p:tav tm="0">
+                                          <p:val>
+                                            <p:strVal val="#ppt_x"/>
+                                          </p:val>
+                                        </p:tav>
+                                        <p:tav tm="100000">
+                                          <p:val>
+                                            <p:strVal val="#ppt_x"/>
+                                          </p:val>
+                                        </p:tav>
+                                      </p:tavLst>
+                                    </p:anim>
+                                    <p:anim calcmode="lin" valueType="num">
+                                      <p:cBhvr additive="base">
+                                        <p:cTn id="63" dur="250" fill="hold"/>
+                                        <p:tgtEl>
+                                          <p:spTgt spid="25"/>
+                                        </p:tgtEl>
+                                        <p:attrNameLst>
+                                          <p:attrName>ppt_y</p:attrName>
+                                        </p:attrNameLst>
+                                      </p:cBhvr>
+                                      <p:tavLst>
+                                        <p:tav tm="0">
+                                          <p:val>
+                                            <p:strVal val="1+#ppt_h/2"/>
+                                          </p:val>
+                                        </p:tav>
+                                        <p:tav tm="100000">
+                                          <p:val>
+                                            <p:strVal val="#ppt_y"/>
+                                          </p:val>
+                                        </p:tav>
+                                      </p:tavLst>
+                                    </p:anim>
+                                  </p:childTnLst>
+                                </p:cTn>
+                              </p:par>
+                              <p:par>
+                                <p:cTn id="64" presetID="2" presetClass="entr" presetSubtype="8" fill="hold" grpId="0" nodeType="withEffect">
+                                  <p:stCondLst>
+                                    <p:cond delay="500"/>
+                                  </p:stCondLst>
+                                  <p:childTnLst>
+                                    <p:set>
+                                      <p:cBhvr>
+                                        <p:cTn id="65" dur="1" fill="hold">
+                                          <p:stCondLst>
+                                            <p:cond delay="0"/>
+                                          </p:stCondLst>
+                                        </p:cTn>
+                                        <p:tgtEl>
+                                          <p:spTgt spid="26"/>
+                                        </p:tgtEl>
+                                        <p:attrNameLst>
+                                          <p:attrName>style.visibility</p:attrName>
+                                        </p:attrNameLst>
+                                      </p:cBhvr>
+                                      <p:to>
+                                        <p:strVal val="visible"/>
+                                      </p:to>
+                                    </p:set>
+                                    <p:anim calcmode="lin" valueType="num">
+                                      <p:cBhvr additive="base">
+                                        <p:cTn id="66" dur="500" fill="hold"/>
+                                        <p:tgtEl>
+                                          <p:spTgt spid="26"/>
+                                        </p:tgtEl>
+                                        <p:attrNameLst>
+                                          <p:attrName>ppt_x</p:attrName>
+                                        </p:attrNameLst>
+                                      </p:cBhvr>
+                                      <p:tavLst>
+                                        <p:tav tm="0">
+                                          <p:val>
+                                            <p:strVal val="0-#ppt_w/2"/>
+                                          </p:val>
+                                        </p:tav>
+                                        <p:tav tm="100000">
+                                          <p:val>
+                                            <p:strVal val="#ppt_x"/>
+                                          </p:val>
+                                        </p:tav>
+                                      </p:tavLst>
+                                    </p:anim>
+                                    <p:anim calcmode="lin" valueType="num">
+                                      <p:cBhvr additive="base">
+                                        <p:cTn id="67" dur="500" fill="hold"/>
+                                        <p:tgtEl>
+                                          <p:spTgt spid="26"/>
+                                        </p:tgtEl>
+                                        <p:attrNameLst>
+                                          <p:attrName>ppt_y</p:attrName>
+                                        </p:attrNameLst>
+                                      </p:cBhvr>
+                                      <p:tavLst>
+                                        <p:tav tm="0">
+                                          <p:val>
+                                            <p:strVal val="#ppt_y"/>
+                                          </p:val>
+                                        </p:tav>
+                                        <p:tav tm="100000">
+                                          <p:val>
+                                            <p:strVal val="#ppt_y"/>
+                                          </p:val>
+                                        </p:tav>
+                                      </p:tavLst>
+                                    </p:anim>
+                                  </p:childTnLst>
+                                </p:cTn>
+                              </p:par>
+                            </p:childTnLst>
+                          </p:cTn>
+                        </p:par>
+                        <p:par>
+                          <p:cTn id="68" fill="hold">
+                            <p:stCondLst>
+                              <p:cond delay="3750"/>
+                            </p:stCondLst>
+                            <p:childTnLst>
+                              <p:par>
+                                <p:cTn id="69" presetID="2" presetClass="entr" presetSubtype="2" fill="hold" grpId="0" nodeType="afterEffect">
+                                  <p:stCondLst>
+                                    <p:cond delay="0"/>
+                                  </p:stCondLst>
+                                  <p:childTnLst>
+                                    <p:set>
+                                      <p:cBhvr>
+                                        <p:cTn id="70" dur="1" fill="hold">
+                                          <p:stCondLst>
+                                            <p:cond delay="0"/>
+                                          </p:stCondLst>
+                                        </p:cTn>
+                                        <p:tgtEl>
+                                          <p:spTgt spid="27"/>
+                                        </p:tgtEl>
+                                        <p:attrNameLst>
+                                          <p:attrName>style.visibility</p:attrName>
+                                        </p:attrNameLst>
+                                      </p:cBhvr>
+                                      <p:to>
+                                        <p:strVal val="visible"/>
+                                      </p:to>
+                                    </p:set>
+                                    <p:anim calcmode="lin" valueType="num">
+                                      <p:cBhvr additive="base">
+                                        <p:cTn id="71" dur="250" fill="hold"/>
+                                        <p:tgtEl>
+                                          <p:spTgt spid="27"/>
+                                        </p:tgtEl>
+                                        <p:attrNameLst>
+                                          <p:attrName>ppt_x</p:attrName>
+                                        </p:attrNameLst>
+                                      </p:cBhvr>
+                                      <p:tavLst>
+                                        <p:tav tm="0">
+                                          <p:val>
+                                            <p:strVal val="1+#ppt_w/2"/>
+                                          </p:val>
+                                        </p:tav>
+                                        <p:tav tm="100000">
+                                          <p:val>
+                                            <p:strVal val="#ppt_x"/>
+                                          </p:val>
+                                        </p:tav>
+                                      </p:tavLst>
+                                    </p:anim>
+                                    <p:anim calcmode="lin" valueType="num">
+                                      <p:cBhvr additive="base">
+                                        <p:cTn id="72" dur="250" fill="hold"/>
+                                        <p:tgtEl>
+                                          <p:spTgt spid="27"/>
+                                        </p:tgtEl>
+                                        <p:attrNameLst>
+                                          <p:attrName>ppt_y</p:attrName>
+                                        </p:attrNameLst>
+                                      </p:cBhvr>
+                                      <p:tavLst>
+                                        <p:tav tm="0">
+                                          <p:val>
+                                            <p:strVal val="#ppt_y"/>
+                                          </p:val>
+                                        </p:tav>
+                                        <p:tav tm="100000">
+                                          <p:val>
+                                            <p:strVal val="#ppt_y"/>
+                                          </p:val>
+                                        </p:tav>
+                                      </p:tavLst>
+                                    </p:anim>
+                                  </p:childTnLst>
+                                </p:cTn>
+                              </p:par>
+                            </p:childTnLst>
+                          </p:cTn>
+                        </p:par>
+                        <p:par>
+                          <p:cTn id="73" fill="hold">
+                            <p:stCondLst>
+                              <p:cond delay="4000"/>
+                            </p:stCondLst>
+                            <p:childTnLst>
+                              <p:par>
+                                <p:cTn id="74" presetID="2" presetClass="entr" presetSubtype="2" fill="hold" grpId="0" nodeType="afterEffect">
+                                  <p:stCondLst>
+                                    <p:cond delay="0"/>
+                                  </p:stCondLst>
+                                  <p:childTnLst>
+                                    <p:set>
+                                      <p:cBhvr>
+                                        <p:cTn id="75" dur="1" fill="hold">
+                                          <p:stCondLst>
+                                            <p:cond delay="0"/>
+                                          </p:stCondLst>
+                                        </p:cTn>
+                                        <p:tgtEl>
+                                          <p:spTgt spid="29"/>
+                                        </p:tgtEl>
+                                        <p:attrNameLst>
+                                          <p:attrName>style.visibility</p:attrName>
+                                        </p:attrNameLst>
+                                      </p:cBhvr>
+                                      <p:to>
+                                        <p:strVal val="visible"/>
+                                      </p:to>
+                                    </p:set>
+                                    <p:anim calcmode="lin" valueType="num">
+                                      <p:cBhvr additive="base">
+                                        <p:cTn id="76" dur="250" fill="hold"/>
+                                        <p:tgtEl>
+                                          <p:spTgt spid="29"/>
+                                        </p:tgtEl>
+                                        <p:attrNameLst>
+                                          <p:attrName>ppt_x</p:attrName>
+                                        </p:attrNameLst>
+                                      </p:cBhvr>
+                                      <p:tavLst>
+                                        <p:tav tm="0">
+                                          <p:val>
+                                            <p:strVal val="1+#ppt_w/2"/>
+                                          </p:val>
+                                        </p:tav>
+                                        <p:tav tm="100000">
+                                          <p:val>
+                                            <p:strVal val="#ppt_x"/>
+                                          </p:val>
+                                        </p:tav>
+                                      </p:tavLst>
+                                    </p:anim>
+                                    <p:anim calcmode="lin" valueType="num">
+                                      <p:cBhvr additive="base">
+                                        <p:cTn id="77" dur="250" fill="hold"/>
+                                        <p:tgtEl>
+                                          <p:spTgt spid="29"/>
+                                        </p:tgtEl>
+                                        <p:attrNameLst>
+                                          <p:attrName>ppt_y</p:attrName>
+                                        </p:attrNameLst>
+                                      </p:cBhvr>
+                                      <p:tavLst>
+                                        <p:tav tm="0">
+                                          <p:val>
+                                            <p:strVal val="#ppt_y"/>
+                                          </p:val>
+                                        </p:tav>
+                                        <p:tav tm="100000">
+                                          <p:val>
+                                            <p:strVal val="#ppt_y"/>
+                                          </p:val>
+                                        </p:tav>
+                                      </p:tavLst>
+                                    </p:anim>
+                                  </p:childTnLst>
+                                </p:cTn>
+                              </p:par>
+                            </p:childTnLst>
+                          </p:cTn>
+                        </p:par>
+                        <p:par>
+                          <p:cTn id="78" fill="hold">
+                            <p:stCondLst>
+                              <p:cond delay="4250"/>
+                            </p:stCondLst>
+                            <p:childTnLst>
+                              <p:par>
+                                <p:cTn id="79" presetID="2" presetClass="entr" presetSubtype="2" fill="hold" grpId="0" nodeType="afterEffect">
+                                  <p:stCondLst>
+                                    <p:cond delay="0"/>
+                                  </p:stCondLst>
+                                  <p:childTnLst>
+                                    <p:set>
+                                      <p:cBhvr>
+                                        <p:cTn id="80" dur="1" fill="hold">
+                                          <p:stCondLst>
+                                            <p:cond delay="0"/>
+                                          </p:stCondLst>
+                                        </p:cTn>
+                                        <p:tgtEl>
+                                          <p:spTgt spid="30"/>
+                                        </p:tgtEl>
+                                        <p:attrNameLst>
+                                          <p:attrName>style.visibility</p:attrName>
+                                        </p:attrNameLst>
+                                      </p:cBhvr>
+                                      <p:to>
+                                        <p:strVal val="visible"/>
+                                      </p:to>
+                                    </p:set>
+                                    <p:anim calcmode="lin" valueType="num">
+                                      <p:cBhvr additive="base">
+                                        <p:cTn id="81" dur="250" fill="hold"/>
+                                        <p:tgtEl>
+                                          <p:spTgt spid="30"/>
+                                        </p:tgtEl>
+                                        <p:attrNameLst>
+                                          <p:attrName>ppt_x</p:attrName>
+                                        </p:attrNameLst>
+                                      </p:cBhvr>
+                                      <p:tavLst>
+                                        <p:tav tm="0">
+                                          <p:val>
+                                            <p:strVal val="1+#ppt_w/2"/>
+                                          </p:val>
+                                        </p:tav>
+                                        <p:tav tm="100000">
+                                          <p:val>
+                                            <p:strVal val="#ppt_x"/>
+                                          </p:val>
+                                        </p:tav>
+                                      </p:tavLst>
+                                    </p:anim>
+                                    <p:anim calcmode="lin" valueType="num">
+                                      <p:cBhvr additive="base">
+                                        <p:cTn id="82" dur="250" fill="hold"/>
+                                        <p:tgtEl>
+                                          <p:spTgt spid="30"/>
+                                        </p:tgtEl>
+                                        <p:attrNameLst>
+                                          <p:attrName>ppt_y</p:attrName>
+                                        </p:attrNameLst>
+                                      </p:cBhvr>
+                                      <p:tavLst>
+                                        <p:tav tm="0">
+                                          <p:val>
+                                            <p:strVal val="#ppt_y"/>
+                                          </p:val>
+                                        </p:tav>
+                                        <p:tav tm="100000">
+                                          <p:val>
+                                            <p:strVal val="#ppt_y"/>
+                                          </p:val>
+                                        </p:tav>
+                                      </p:tavLst>
+                                    </p:anim>
+                                  </p:childTnLst>
+                                </p:cTn>
+                              </p:par>
+                            </p:childTnLst>
+                          </p:cTn>
+                        </p:par>
+                      </p:childTnLst>
+                    </p:cTn>
+                  </p:par>
+                </p:childTnLst>
+              </p:cTn>
+              <p:prevCondLst>
+                <p:cond evt="onPrev" delay="0">
+                  <p:tgtEl>
+                    <p:sldTgt/>
+                  </p:tgtEl>
+                </p:cond>
+              </p:prevCondLst>
+              <p:nextCondLst>
+                <p:cond evt="onNext" delay="0">
+                  <p:tgtEl>
+                    <p:sldTgt/>
+                  </p:tgtEl>
+                </p:cond>
+              </p:nextCondLst>
+            </p:seq>
+          </p:childTnLst>
+        </p:cTn>
+      </p:par>
+    </p:tnLst>
+    <p:bldLst>
+      <p:bldP spid="4" grpId="0" animBg="1"/>
+      <p:bldP spid="15" grpId="0" animBg="1"/>
+      <p:bldP spid="9" grpId="0" animBg="1"/>
+      <p:bldP spid="10" grpId="0" animBg="1"/>
+      <p:bldP spid="11" grpId="0" animBg="1"/>
+      <p:bldP spid="13" grpId="0" animBg="1"/>
+      <p:bldP spid="19" grpId="0" animBg="1"/>
+      <p:bldP spid="20" grpId="0" animBg="1"/>
+      <p:bldP spid="21" grpId="0" animBg="1"/>
+      <p:bldP spid="22" grpId="0" animBg="1"/>
+      <p:bldP spid="24" grpId="0" animBg="1"/>
+      <p:bldP spid="25" grpId="0" animBg="1"/>
+      <p:bldP spid="26" grpId="0" animBg="1"/>
+      <p:bldP spid="27" grpId="0" animBg="1"/>
+      <p:bldP spid="29" grpId="0" animBg="1"/>
+      <p:bldP spid="30" grpId="0" animBg="1"/>
+    </p:bldLst>
+  </p:timing>
+</p:sld>
+</file>
+
+<file path=ppt/slides/slide5.xml><?xml version="1.0" encoding="utf-8"?>
+<p:sld xmlns:a="http://schemas.openxmlformats.org/drawingml/2006/main" xmlns:r="http://schemas.openxmlformats.org/officeDocument/2006/relationships" xmlns:p="http://schemas.openxmlformats.org/presentationml/2006/main">
+  <p:cSld>
+    <p:bg>
+      <p:bgPr>
+        <a:solidFill>
+          <a:srgbClr val="DAEAC8"/>
+        </a:solidFill>
+        <a:effectLst/>
+      </p:bgPr>
+    </p:bg>
+    <p:spTree>
+      <p:nvGrpSpPr>
+        <p:cNvPr id="1" name=""/>
+        <p:cNvGrpSpPr/>
+        <p:nvPr/>
+      </p:nvGrpSpPr>
+      <p:grpSpPr>
+        <a:xfrm>
+          <a:off x="0" y="0"/>
+          <a:ext cx="0" cy="0"/>
+          <a:chOff x="0" y="0"/>
+          <a:chExt cx="0" cy="0"/>
+        </a:xfrm>
+      </p:grpSpPr>
+      <p:sp>
+        <p:nvSpPr>
+          <p:cNvPr id="4" name="Rectangle : coins arrondis 3">
+            <a:extLst>
+              <a:ext uri="{FF2B5EF4-FFF2-40B4-BE49-F238E27FC236}">
+                <a16:creationId xmlns:a16="http://schemas.microsoft.com/office/drawing/2014/main" id="{E99BD5E1-449C-4F26-A707-0C47A6DC2B4C}"/>
+              </a:ext>
+            </a:extLst>
+          </p:cNvPr>
+          <p:cNvSpPr/>
+          <p:nvPr/>
+        </p:nvSpPr>
+        <p:spPr>
+          <a:xfrm>
+            <a:off x="-98856" y="469556"/>
+            <a:ext cx="3749905" cy="605481"/>
+          </a:xfrm>
+          <a:prstGeom prst="roundRect">
+            <a:avLst/>
+          </a:prstGeom>
+          <a:solidFill>
+            <a:schemeClr val="bg1"/>
+          </a:solidFill>
+          <a:ln>
+            <a:solidFill>
+              <a:schemeClr val="bg1"/>
+            </a:solidFill>
+          </a:ln>
+        </p:spPr>
+        <p:style>
+          <a:lnRef idx="2">
+            <a:schemeClr val="accent1">
+              <a:shade val="50000"/>
+            </a:schemeClr>
+          </a:lnRef>
+          <a:fillRef idx="1">
+            <a:schemeClr val="accent1"/>
+          </a:fillRef>
+          <a:effectRef idx="0">
+            <a:schemeClr val="accent1"/>
+          </a:effectRef>
+          <a:fontRef idx="minor">
+            <a:schemeClr val="lt1"/>
+          </a:fontRef>
+        </p:style>
+        <p:txBody>
+          <a:bodyPr rtlCol="0" anchor="ctr"/>
+          <a:lstStyle/>
+          <a:p>
+            <a:pPr algn="ctr"/>
+            <a:r>
+              <a:rPr lang="fr-FR" sz="2000" b="1" dirty="0">
+                <a:solidFill>
+                  <a:schemeClr val="tx1"/>
+                </a:solidFill>
+                <a:latin typeface="Century Gothic" panose="020B0502020202020204" pitchFamily="34" charset="0"/>
+              </a:rPr>
+              <a:t>Échecs</a:t>
+            </a:r>
+          </a:p>
+        </p:txBody>
+      </p:sp>
+      <p:pic>
+        <p:nvPicPr>
+          <p:cNvPr id="7" name="Image 6" descr="Une image contenant graphiques vectoriels&#10;&#10;Description générée automatiquement">
+            <a:extLst>
+              <a:ext uri="{FF2B5EF4-FFF2-40B4-BE49-F238E27FC236}">
+                <a16:creationId xmlns:a16="http://schemas.microsoft.com/office/drawing/2014/main" id="{2C099A9B-807E-47F5-9873-37CE877AAAF2}"/>
+              </a:ext>
+            </a:extLst>
+          </p:cNvPr>
+          <p:cNvPicPr>
+            <a:picLocks noChangeAspect="1"/>
+          </p:cNvPicPr>
+          <p:nvPr/>
+        </p:nvPicPr>
+        <p:blipFill>
+          <a:blip r:embed="rId2">
+            <a:extLst>
+              <a:ext uri="{28A0092B-C50C-407E-A947-70E740481C1C}">
+                <a14:useLocalDpi xmlns:a14="http://schemas.microsoft.com/office/drawing/2010/main" val="0"/>
+              </a:ext>
+            </a:extLst>
+          </a:blip>
+          <a:stretch>
+            <a:fillRect/>
+          </a:stretch>
+        </p:blipFill>
+        <p:spPr>
+          <a:xfrm>
+            <a:off x="3394920" y="164214"/>
+            <a:ext cx="1197026" cy="1216164"/>
+          </a:xfrm>
+          <a:prstGeom prst="rect">
+            <a:avLst/>
+          </a:prstGeom>
+        </p:spPr>
+      </p:pic>
+      <p:sp>
+        <p:nvSpPr>
+          <p:cNvPr id="15" name="Rectangle : coins arrondis 14">
+            <a:extLst>
+              <a:ext uri="{FF2B5EF4-FFF2-40B4-BE49-F238E27FC236}">
+                <a16:creationId xmlns:a16="http://schemas.microsoft.com/office/drawing/2014/main" id="{EBCB782B-ADC3-47D1-B78D-C4B7A943DD45}"/>
+              </a:ext>
+            </a:extLst>
+          </p:cNvPr>
+          <p:cNvSpPr/>
+          <p:nvPr/>
+        </p:nvSpPr>
+        <p:spPr>
+          <a:xfrm>
+            <a:off x="808754" y="1679766"/>
+            <a:ext cx="3162899" cy="689811"/>
+          </a:xfrm>
+          <a:prstGeom prst="roundRect">
+            <a:avLst/>
+          </a:prstGeom>
+          <a:solidFill>
+            <a:srgbClr val="C8E7EA"/>
+          </a:solidFill>
+          <a:ln>
+            <a:noFill/>
+          </a:ln>
+        </p:spPr>
+        <p:style>
+          <a:lnRef idx="2">
+            <a:schemeClr val="accent1">
+              <a:shade val="50000"/>
+            </a:schemeClr>
+          </a:lnRef>
+          <a:fillRef idx="1">
+            <a:schemeClr val="accent1"/>
+          </a:fillRef>
+          <a:effectRef idx="0">
+            <a:schemeClr val="accent1"/>
+          </a:effectRef>
+          <a:fontRef idx="minor">
+            <a:schemeClr val="lt1"/>
+          </a:fontRef>
+        </p:style>
+        <p:txBody>
+          <a:bodyPr rtlCol="0" anchor="ctr"/>
+          <a:lstStyle/>
+          <a:p>
+            <a:pPr algn="ctr"/>
+            <a:r>
+              <a:rPr lang="fr-FR" sz="2000" b="1" dirty="0">
+                <a:solidFill>
+                  <a:schemeClr val="tx1"/>
+                </a:solidFill>
+                <a:latin typeface="Century Gothic" panose="020B0502020202020204" pitchFamily="34" charset="0"/>
+              </a:rPr>
+              <a:t>Tips and Taxes</a:t>
+            </a:r>
+          </a:p>
+        </p:txBody>
+      </p:sp>
+      <p:sp>
+        <p:nvSpPr>
+          <p:cNvPr id="9" name="Rectangle : coins arrondis 8">
+            <a:extLst>
+              <a:ext uri="{FF2B5EF4-FFF2-40B4-BE49-F238E27FC236}">
+                <a16:creationId xmlns:a16="http://schemas.microsoft.com/office/drawing/2014/main" id="{FE3E3B98-1A2E-4DD5-9163-F3B0C3520551}"/>
+              </a:ext>
+            </a:extLst>
+          </p:cNvPr>
+          <p:cNvSpPr/>
+          <p:nvPr/>
+        </p:nvSpPr>
+        <p:spPr>
+          <a:xfrm>
+            <a:off x="4514550" y="1679766"/>
+            <a:ext cx="3162899" cy="689811"/>
+          </a:xfrm>
+          <a:prstGeom prst="roundRect">
+            <a:avLst/>
+          </a:prstGeom>
+          <a:solidFill>
+            <a:srgbClr val="C8E7EA"/>
+          </a:solidFill>
+          <a:ln>
+            <a:noFill/>
+          </a:ln>
+        </p:spPr>
+        <p:style>
+          <a:lnRef idx="2">
+            <a:schemeClr val="accent1">
+              <a:shade val="50000"/>
+            </a:schemeClr>
+          </a:lnRef>
+          <a:fillRef idx="1">
+            <a:schemeClr val="accent1"/>
+          </a:fillRef>
+          <a:effectRef idx="0">
+            <a:schemeClr val="accent1"/>
+          </a:effectRef>
+          <a:fontRef idx="minor">
+            <a:schemeClr val="lt1"/>
+          </a:fontRef>
+        </p:style>
+        <p:txBody>
+          <a:bodyPr rtlCol="0" anchor="ctr"/>
+          <a:lstStyle/>
+          <a:p>
+            <a:pPr algn="ctr"/>
+            <a:r>
+              <a:rPr lang="fr-FR" sz="2000" b="1" dirty="0">
+                <a:solidFill>
+                  <a:schemeClr val="tx1"/>
+                </a:solidFill>
+                <a:latin typeface="Century Gothic" panose="020B0502020202020204" pitchFamily="34" charset="0"/>
+              </a:rPr>
+              <a:t>Météo</a:t>
+            </a:r>
+          </a:p>
+        </p:txBody>
+      </p:sp>
+      <p:sp>
+        <p:nvSpPr>
+          <p:cNvPr id="10" name="Rectangle : coins arrondis 9">
+            <a:extLst>
+              <a:ext uri="{FF2B5EF4-FFF2-40B4-BE49-F238E27FC236}">
+                <a16:creationId xmlns:a16="http://schemas.microsoft.com/office/drawing/2014/main" id="{1B12470A-553B-4B43-9CFE-347B30F3489A}"/>
+              </a:ext>
+            </a:extLst>
+          </p:cNvPr>
+          <p:cNvSpPr/>
+          <p:nvPr/>
+        </p:nvSpPr>
+        <p:spPr>
+          <a:xfrm>
+            <a:off x="8220347" y="1679765"/>
+            <a:ext cx="3162899" cy="689811"/>
+          </a:xfrm>
+          <a:prstGeom prst="roundRect">
+            <a:avLst/>
+          </a:prstGeom>
+          <a:solidFill>
+            <a:srgbClr val="C8E7EA"/>
+          </a:solidFill>
+          <a:ln>
+            <a:noFill/>
+          </a:ln>
+        </p:spPr>
+        <p:style>
+          <a:lnRef idx="2">
+            <a:schemeClr val="accent1">
+              <a:shade val="50000"/>
+            </a:schemeClr>
+          </a:lnRef>
+          <a:fillRef idx="1">
+            <a:schemeClr val="accent1"/>
+          </a:fillRef>
+          <a:effectRef idx="0">
+            <a:schemeClr val="accent1"/>
+          </a:effectRef>
+          <a:fontRef idx="minor">
+            <a:schemeClr val="lt1"/>
+          </a:fontRef>
+        </p:style>
+        <p:txBody>
+          <a:bodyPr rtlCol="0" anchor="ctr"/>
+          <a:lstStyle/>
+          <a:p>
+            <a:pPr algn="ctr"/>
+            <a:r>
+              <a:rPr lang="fr-FR" sz="2000" b="1" dirty="0">
+                <a:solidFill>
+                  <a:schemeClr val="tx1"/>
+                </a:solidFill>
+                <a:latin typeface="Century Gothic" panose="020B0502020202020204" pitchFamily="34" charset="0"/>
+              </a:rPr>
+              <a:t>Currency Converter</a:t>
+            </a:r>
+          </a:p>
+        </p:txBody>
+      </p:sp>
+      <p:sp>
+        <p:nvSpPr>
+          <p:cNvPr id="11" name="Rectangle : coins arrondis 10">
+            <a:extLst>
+              <a:ext uri="{FF2B5EF4-FFF2-40B4-BE49-F238E27FC236}">
+                <a16:creationId xmlns:a16="http://schemas.microsoft.com/office/drawing/2014/main" id="{B125DF35-19F8-4AB4-A82D-007CBF49790C}"/>
+              </a:ext>
+            </a:extLst>
+          </p:cNvPr>
+          <p:cNvSpPr/>
+          <p:nvPr/>
+        </p:nvSpPr>
+        <p:spPr>
+          <a:xfrm>
+            <a:off x="4514548" y="3334529"/>
+            <a:ext cx="3162899" cy="689811"/>
+          </a:xfrm>
+          <a:prstGeom prst="roundRect">
+            <a:avLst/>
+          </a:prstGeom>
+          <a:solidFill>
+            <a:srgbClr val="EAD4C8"/>
+          </a:solidFill>
+          <a:ln>
+            <a:noFill/>
+          </a:ln>
+        </p:spPr>
+        <p:style>
+          <a:lnRef idx="2">
+            <a:schemeClr val="accent1">
+              <a:shade val="50000"/>
+            </a:schemeClr>
+          </a:lnRef>
+          <a:fillRef idx="1">
+            <a:schemeClr val="accent1"/>
+          </a:fillRef>
+          <a:effectRef idx="0">
+            <a:schemeClr val="accent1"/>
+          </a:effectRef>
+          <a:fontRef idx="minor">
+            <a:schemeClr val="lt1"/>
+          </a:fontRef>
+        </p:style>
+        <p:txBody>
+          <a:bodyPr rtlCol="0" anchor="ctr"/>
+          <a:lstStyle/>
+          <a:p>
+            <a:pPr algn="ctr"/>
+            <a:r>
+              <a:rPr lang="fr-FR" sz="2000" b="1" dirty="0">
+                <a:solidFill>
+                  <a:schemeClr val="tx1"/>
+                </a:solidFill>
+                <a:latin typeface="Century Gothic" panose="020B0502020202020204" pitchFamily="34" charset="0"/>
+              </a:rPr>
+              <a:t>Saisie manuelle de la ville</a:t>
+            </a:r>
+          </a:p>
+        </p:txBody>
+      </p:sp>
+      <p:sp>
+        <p:nvSpPr>
+          <p:cNvPr id="19" name="Rectangle : coins arrondis 18">
+            <a:extLst>
+              <a:ext uri="{FF2B5EF4-FFF2-40B4-BE49-F238E27FC236}">
+                <a16:creationId xmlns:a16="http://schemas.microsoft.com/office/drawing/2014/main" id="{15DDA82D-DBEC-4A2D-BED7-FC004588E543}"/>
+              </a:ext>
+            </a:extLst>
+          </p:cNvPr>
+          <p:cNvSpPr/>
+          <p:nvPr/>
+        </p:nvSpPr>
+        <p:spPr>
+          <a:xfrm>
+            <a:off x="808750" y="3334528"/>
+            <a:ext cx="3162899" cy="689811"/>
+          </a:xfrm>
+          <a:prstGeom prst="roundRect">
+            <a:avLst/>
+          </a:prstGeom>
+          <a:solidFill>
+            <a:srgbClr val="EAD4C8"/>
+          </a:solidFill>
+          <a:ln>
+            <a:noFill/>
+          </a:ln>
+        </p:spPr>
+        <p:style>
+          <a:lnRef idx="2">
+            <a:schemeClr val="accent1">
+              <a:shade val="50000"/>
+            </a:schemeClr>
+          </a:lnRef>
+          <a:fillRef idx="1">
+            <a:schemeClr val="accent1"/>
+          </a:fillRef>
+          <a:effectRef idx="0">
+            <a:schemeClr val="accent1"/>
+          </a:effectRef>
+          <a:fontRef idx="minor">
+            <a:schemeClr val="lt1"/>
+          </a:fontRef>
+        </p:style>
+        <p:txBody>
+          <a:bodyPr rtlCol="0" anchor="ctr"/>
+          <a:lstStyle/>
+          <a:p>
+            <a:pPr algn="ctr"/>
+            <a:r>
+              <a:rPr lang="fr-FR" sz="2000" b="1" dirty="0">
+                <a:solidFill>
+                  <a:schemeClr val="tx1"/>
+                </a:solidFill>
+                <a:latin typeface="Century Gothic" panose="020B0502020202020204" pitchFamily="34" charset="0"/>
+              </a:rPr>
+              <a:t>Persistance</a:t>
+            </a:r>
+          </a:p>
+        </p:txBody>
+      </p:sp>
+      <p:sp>
+        <p:nvSpPr>
+          <p:cNvPr id="20" name="Rectangle : coins arrondis 19">
+            <a:extLst>
+              <a:ext uri="{FF2B5EF4-FFF2-40B4-BE49-F238E27FC236}">
+                <a16:creationId xmlns:a16="http://schemas.microsoft.com/office/drawing/2014/main" id="{0FB0002A-11BF-4E81-95C3-57DDA89D2D30}"/>
+              </a:ext>
+            </a:extLst>
+          </p:cNvPr>
+          <p:cNvSpPr/>
+          <p:nvPr/>
+        </p:nvSpPr>
+        <p:spPr>
+          <a:xfrm>
+            <a:off x="808753" y="2525227"/>
+            <a:ext cx="3162899" cy="689811"/>
+          </a:xfrm>
+          <a:prstGeom prst="roundRect">
+            <a:avLst/>
+          </a:prstGeom>
+          <a:solidFill>
+            <a:srgbClr val="EAD4C8"/>
+          </a:solidFill>
+          <a:ln>
+            <a:noFill/>
+          </a:ln>
+        </p:spPr>
+        <p:style>
+          <a:lnRef idx="2">
+            <a:schemeClr val="accent1">
+              <a:shade val="50000"/>
+            </a:schemeClr>
+          </a:lnRef>
+          <a:fillRef idx="1">
+            <a:schemeClr val="accent1"/>
+          </a:fillRef>
+          <a:effectRef idx="0">
+            <a:schemeClr val="accent1"/>
+          </a:effectRef>
+          <a:fontRef idx="minor">
+            <a:schemeClr val="lt1"/>
+          </a:fontRef>
+        </p:style>
+        <p:txBody>
+          <a:bodyPr rtlCol="0" anchor="ctr"/>
+          <a:lstStyle/>
+          <a:p>
+            <a:pPr algn="ctr"/>
+            <a:r>
+              <a:rPr lang="fr-FR" sz="2000" b="1" dirty="0">
+                <a:solidFill>
+                  <a:schemeClr val="tx1"/>
+                </a:solidFill>
+                <a:latin typeface="Century Gothic" panose="020B0502020202020204" pitchFamily="34" charset="0"/>
+              </a:rPr>
+              <a:t>Ergonomie, Animations</a:t>
+            </a:r>
+          </a:p>
+        </p:txBody>
+      </p:sp>
+      <p:sp>
+        <p:nvSpPr>
+          <p:cNvPr id="21" name="Rectangle : coins arrondis 20">
+            <a:extLst>
+              <a:ext uri="{FF2B5EF4-FFF2-40B4-BE49-F238E27FC236}">
+                <a16:creationId xmlns:a16="http://schemas.microsoft.com/office/drawing/2014/main" id="{1A84A9F3-A090-4AB6-92EA-E6AB3BE15207}"/>
+              </a:ext>
+            </a:extLst>
+          </p:cNvPr>
+          <p:cNvSpPr/>
+          <p:nvPr/>
+        </p:nvSpPr>
+        <p:spPr>
+          <a:xfrm>
+            <a:off x="4514549" y="2538021"/>
+            <a:ext cx="3162899" cy="689811"/>
+          </a:xfrm>
+          <a:prstGeom prst="roundRect">
+            <a:avLst/>
+          </a:prstGeom>
+          <a:solidFill>
+            <a:srgbClr val="EAD4C8"/>
+          </a:solidFill>
+          <a:ln>
+            <a:noFill/>
+          </a:ln>
+        </p:spPr>
+        <p:style>
+          <a:lnRef idx="2">
+            <a:schemeClr val="accent1">
+              <a:shade val="50000"/>
+            </a:schemeClr>
+          </a:lnRef>
+          <a:fillRef idx="1">
+            <a:schemeClr val="accent1"/>
+          </a:fillRef>
+          <a:effectRef idx="0">
+            <a:schemeClr val="accent1"/>
+          </a:effectRef>
+          <a:fontRef idx="minor">
+            <a:schemeClr val="lt1"/>
+          </a:fontRef>
+        </p:style>
+        <p:txBody>
+          <a:bodyPr rtlCol="0" anchor="ctr"/>
+          <a:lstStyle/>
+          <a:p>
+            <a:pPr algn="ctr"/>
+            <a:r>
+              <a:rPr lang="fr-FR" sz="2000" b="1" dirty="0">
+                <a:solidFill>
+                  <a:schemeClr val="tx1"/>
+                </a:solidFill>
+                <a:latin typeface="Century Gothic" panose="020B0502020202020204" pitchFamily="34" charset="0"/>
+              </a:rPr>
+              <a:t>Permissions</a:t>
+            </a:r>
+          </a:p>
+        </p:txBody>
+      </p:sp>
+      <p:sp>
+        <p:nvSpPr>
+          <p:cNvPr id="22" name="Rectangle : coins arrondis 21">
+            <a:extLst>
+              <a:ext uri="{FF2B5EF4-FFF2-40B4-BE49-F238E27FC236}">
+                <a16:creationId xmlns:a16="http://schemas.microsoft.com/office/drawing/2014/main" id="{B1842BB3-EA97-4A7C-AD96-C829B025C831}"/>
+              </a:ext>
+            </a:extLst>
+          </p:cNvPr>
+          <p:cNvSpPr/>
+          <p:nvPr/>
+        </p:nvSpPr>
+        <p:spPr>
+          <a:xfrm>
+            <a:off x="8220345" y="2542554"/>
+            <a:ext cx="3162899" cy="689811"/>
+          </a:xfrm>
+          <a:prstGeom prst="roundRect">
+            <a:avLst/>
+          </a:prstGeom>
+          <a:solidFill>
+            <a:srgbClr val="EAD4C8"/>
+          </a:solidFill>
+          <a:ln>
+            <a:noFill/>
+          </a:ln>
+        </p:spPr>
+        <p:style>
+          <a:lnRef idx="2">
+            <a:schemeClr val="accent1">
+              <a:shade val="50000"/>
+            </a:schemeClr>
+          </a:lnRef>
+          <a:fillRef idx="1">
+            <a:schemeClr val="accent1"/>
+          </a:fillRef>
+          <a:effectRef idx="0">
+            <a:schemeClr val="accent1"/>
+          </a:effectRef>
+          <a:fontRef idx="minor">
+            <a:schemeClr val="lt1"/>
+          </a:fontRef>
+        </p:style>
+        <p:txBody>
+          <a:bodyPr rtlCol="0" anchor="ctr"/>
+          <a:lstStyle/>
+          <a:p>
+            <a:pPr algn="ctr"/>
+            <a:r>
+              <a:rPr lang="fr-FR" sz="2000" b="1" dirty="0">
+                <a:solidFill>
+                  <a:schemeClr val="tx1"/>
+                </a:solidFill>
+                <a:latin typeface="Century Gothic" panose="020B0502020202020204" pitchFamily="34" charset="0"/>
+              </a:rPr>
+              <a:t>Récupération des devises via le web</a:t>
+            </a:r>
+          </a:p>
+        </p:txBody>
+      </p:sp>
+      <p:sp>
+        <p:nvSpPr>
+          <p:cNvPr id="24" name="Rectangle : coins arrondis 23">
+            <a:extLst>
+              <a:ext uri="{FF2B5EF4-FFF2-40B4-BE49-F238E27FC236}">
+                <a16:creationId xmlns:a16="http://schemas.microsoft.com/office/drawing/2014/main" id="{D2299EF3-04E7-4CE4-9C4F-0BCDA085E710}"/>
+              </a:ext>
+            </a:extLst>
+          </p:cNvPr>
+          <p:cNvSpPr/>
+          <p:nvPr/>
+        </p:nvSpPr>
+        <p:spPr>
+          <a:xfrm>
+            <a:off x="8220346" y="3334529"/>
+            <a:ext cx="3162899" cy="689811"/>
+          </a:xfrm>
+          <a:prstGeom prst="roundRect">
+            <a:avLst/>
+          </a:prstGeom>
+          <a:solidFill>
+            <a:srgbClr val="EAD4C8"/>
+          </a:solidFill>
+          <a:ln>
+            <a:noFill/>
+          </a:ln>
+        </p:spPr>
+        <p:style>
+          <a:lnRef idx="2">
+            <a:schemeClr val="accent1">
+              <a:shade val="50000"/>
+            </a:schemeClr>
+          </a:lnRef>
+          <a:fillRef idx="1">
+            <a:schemeClr val="accent1"/>
+          </a:fillRef>
+          <a:effectRef idx="0">
+            <a:schemeClr val="accent1"/>
+          </a:effectRef>
+          <a:fontRef idx="minor">
+            <a:schemeClr val="lt1"/>
+          </a:fontRef>
+        </p:style>
+        <p:txBody>
+          <a:bodyPr rtlCol="0" anchor="ctr"/>
+          <a:lstStyle/>
+          <a:p>
+            <a:pPr algn="ctr"/>
+            <a:r>
+              <a:rPr lang="fr-FR" sz="2000" b="1" dirty="0">
+                <a:solidFill>
+                  <a:schemeClr val="tx1"/>
+                </a:solidFill>
+                <a:latin typeface="Century Gothic" panose="020B0502020202020204" pitchFamily="34" charset="0"/>
+              </a:rPr>
+              <a:t>Bug recherche</a:t>
+            </a:r>
+          </a:p>
+        </p:txBody>
+      </p:sp>
+      <p:sp>
+        <p:nvSpPr>
+          <p:cNvPr id="25" name="Rectangle : coins arrondis 24">
+            <a:extLst>
+              <a:ext uri="{FF2B5EF4-FFF2-40B4-BE49-F238E27FC236}">
+                <a16:creationId xmlns:a16="http://schemas.microsoft.com/office/drawing/2014/main" id="{11008DF3-8B7A-48CC-B48E-014E9C16453B}"/>
+              </a:ext>
+            </a:extLst>
+          </p:cNvPr>
+          <p:cNvSpPr/>
+          <p:nvPr/>
+        </p:nvSpPr>
+        <p:spPr>
+          <a:xfrm>
+            <a:off x="8220345" y="4090675"/>
+            <a:ext cx="3162899" cy="689811"/>
+          </a:xfrm>
+          <a:prstGeom prst="roundRect">
+            <a:avLst/>
+          </a:prstGeom>
+          <a:solidFill>
+            <a:srgbClr val="EAD4C8"/>
+          </a:solidFill>
+          <a:ln>
+            <a:noFill/>
+          </a:ln>
+        </p:spPr>
+        <p:style>
+          <a:lnRef idx="2">
+            <a:schemeClr val="accent1">
+              <a:shade val="50000"/>
+            </a:schemeClr>
+          </a:lnRef>
+          <a:fillRef idx="1">
+            <a:schemeClr val="accent1"/>
+          </a:fillRef>
+          <a:effectRef idx="0">
+            <a:schemeClr val="accent1"/>
+          </a:effectRef>
+          <a:fontRef idx="minor">
+            <a:schemeClr val="lt1"/>
+          </a:fontRef>
+        </p:style>
+        <p:txBody>
+          <a:bodyPr rtlCol="0" anchor="ctr"/>
+          <a:lstStyle/>
+          <a:p>
+            <a:pPr algn="ctr"/>
+            <a:r>
+              <a:rPr lang="fr-FR" sz="2000" b="1" dirty="0">
+                <a:solidFill>
+                  <a:schemeClr val="tx1"/>
+                </a:solidFill>
+                <a:latin typeface="Century Gothic" panose="020B0502020202020204" pitchFamily="34" charset="0"/>
+              </a:rPr>
+              <a:t>Persistances</a:t>
+            </a:r>
+          </a:p>
+        </p:txBody>
+      </p:sp>
+      <p:sp>
+        <p:nvSpPr>
+          <p:cNvPr id="17" name="Rectangle : coins arrondis 16">
+            <a:extLst>
+              <a:ext uri="{FF2B5EF4-FFF2-40B4-BE49-F238E27FC236}">
+                <a16:creationId xmlns:a16="http://schemas.microsoft.com/office/drawing/2014/main" id="{3FCF275D-16CB-4B52-ABE5-B3D23E9B90C4}"/>
+              </a:ext>
+            </a:extLst>
+          </p:cNvPr>
+          <p:cNvSpPr/>
+          <p:nvPr/>
+        </p:nvSpPr>
+        <p:spPr>
+          <a:xfrm>
+            <a:off x="808749" y="5469231"/>
+            <a:ext cx="3162899" cy="689811"/>
+          </a:xfrm>
+          <a:prstGeom prst="roundRect">
+            <a:avLst/>
+          </a:prstGeom>
+          <a:solidFill>
+            <a:srgbClr val="C8E7EA"/>
+          </a:solidFill>
+          <a:ln>
+            <a:noFill/>
+          </a:ln>
+        </p:spPr>
+        <p:style>
+          <a:lnRef idx="2">
+            <a:schemeClr val="accent1">
+              <a:shade val="50000"/>
+            </a:schemeClr>
+          </a:lnRef>
+          <a:fillRef idx="1">
+            <a:schemeClr val="accent1"/>
+          </a:fillRef>
+          <a:effectRef idx="0">
+            <a:schemeClr val="accent1"/>
+          </a:effectRef>
+          <a:fontRef idx="minor">
+            <a:schemeClr val="lt1"/>
+          </a:fontRef>
+        </p:style>
+        <p:txBody>
+          <a:bodyPr rtlCol="0" anchor="ctr"/>
+          <a:lstStyle/>
+          <a:p>
+            <a:pPr algn="ctr"/>
+            <a:r>
+              <a:rPr lang="fr-FR" sz="2000" b="1" dirty="0">
+                <a:solidFill>
+                  <a:schemeClr val="tx1"/>
+                </a:solidFill>
+                <a:latin typeface="Century Gothic" panose="020B0502020202020204" pitchFamily="34" charset="0"/>
+              </a:rPr>
+              <a:t>Menu</a:t>
+            </a:r>
+          </a:p>
+        </p:txBody>
+      </p:sp>
+      <p:sp>
+        <p:nvSpPr>
+          <p:cNvPr id="23" name="Rectangle : coins arrondis 22">
+            <a:extLst>
+              <a:ext uri="{FF2B5EF4-FFF2-40B4-BE49-F238E27FC236}">
+                <a16:creationId xmlns:a16="http://schemas.microsoft.com/office/drawing/2014/main" id="{5E5957EC-5E02-4002-BFD1-BB13A61E740B}"/>
+              </a:ext>
+            </a:extLst>
+          </p:cNvPr>
+          <p:cNvSpPr/>
+          <p:nvPr/>
+        </p:nvSpPr>
+        <p:spPr>
+          <a:xfrm>
+            <a:off x="4117935" y="5469231"/>
+            <a:ext cx="3162899" cy="689811"/>
+          </a:xfrm>
+          <a:prstGeom prst="roundRect">
+            <a:avLst/>
+          </a:prstGeom>
+          <a:solidFill>
+            <a:srgbClr val="EAD4C8"/>
+          </a:solidFill>
+          <a:ln>
+            <a:noFill/>
+          </a:ln>
+        </p:spPr>
+        <p:style>
+          <a:lnRef idx="2">
+            <a:schemeClr val="accent1">
+              <a:shade val="50000"/>
+            </a:schemeClr>
+          </a:lnRef>
+          <a:fillRef idx="1">
+            <a:schemeClr val="accent1"/>
+          </a:fillRef>
+          <a:effectRef idx="0">
+            <a:schemeClr val="accent1"/>
+          </a:effectRef>
+          <a:fontRef idx="minor">
+            <a:schemeClr val="lt1"/>
+          </a:fontRef>
+        </p:style>
+        <p:txBody>
+          <a:bodyPr rtlCol="0" anchor="ctr"/>
+          <a:lstStyle/>
+          <a:p>
+            <a:pPr algn="ctr"/>
+            <a:r>
+              <a:rPr lang="fr-FR" sz="2000" b="1" dirty="0">
+                <a:solidFill>
+                  <a:schemeClr val="tx1"/>
+                </a:solidFill>
+                <a:latin typeface="Century Gothic" panose="020B0502020202020204" pitchFamily="34" charset="0"/>
+              </a:rPr>
+              <a:t>Fragments Dynamique</a:t>
+            </a:r>
+          </a:p>
+        </p:txBody>
+      </p:sp>
+      <p:sp>
+        <p:nvSpPr>
+          <p:cNvPr id="27" name="Rectangle : coins arrondis 26">
+            <a:extLst>
+              <a:ext uri="{FF2B5EF4-FFF2-40B4-BE49-F238E27FC236}">
+                <a16:creationId xmlns:a16="http://schemas.microsoft.com/office/drawing/2014/main" id="{05638F18-5B75-44C9-9E70-202A77A54CC0}"/>
+              </a:ext>
+            </a:extLst>
+          </p:cNvPr>
+          <p:cNvSpPr/>
+          <p:nvPr/>
+        </p:nvSpPr>
+        <p:spPr>
+          <a:xfrm>
+            <a:off x="7427121" y="5469231"/>
+            <a:ext cx="3162899" cy="689811"/>
+          </a:xfrm>
+          <a:prstGeom prst="roundRect">
+            <a:avLst/>
+          </a:prstGeom>
+          <a:solidFill>
+            <a:srgbClr val="EAD4C8"/>
+          </a:solidFill>
+          <a:ln>
+            <a:noFill/>
+          </a:ln>
+        </p:spPr>
+        <p:style>
+          <a:lnRef idx="2">
+            <a:schemeClr val="accent1">
+              <a:shade val="50000"/>
+            </a:schemeClr>
+          </a:lnRef>
+          <a:fillRef idx="1">
+            <a:schemeClr val="accent1"/>
+          </a:fillRef>
+          <a:effectRef idx="0">
+            <a:schemeClr val="accent1"/>
+          </a:effectRef>
+          <a:fontRef idx="minor">
+            <a:schemeClr val="lt1"/>
+          </a:fontRef>
+        </p:style>
+        <p:txBody>
+          <a:bodyPr rtlCol="0" anchor="ctr"/>
+          <a:lstStyle/>
+          <a:p>
+            <a:pPr algn="ctr"/>
+            <a:r>
+              <a:rPr lang="fr-FR" sz="2000" b="1" dirty="0">
+                <a:solidFill>
+                  <a:schemeClr val="tx1"/>
+                </a:solidFill>
+                <a:latin typeface="Century Gothic" panose="020B0502020202020204" pitchFamily="34" charset="0"/>
+              </a:rPr>
+              <a:t>Multilingue</a:t>
+            </a:r>
+          </a:p>
+        </p:txBody>
+      </p:sp>
+    </p:spTree>
+    <p:extLst>
+      <p:ext uri="{BB962C8B-B14F-4D97-AF65-F5344CB8AC3E}">
+        <p14:creationId xmlns:p14="http://schemas.microsoft.com/office/powerpoint/2010/main" val="1550833243"/>
+      </p:ext>
+    </p:extLst>
+  </p:cSld>
+  <p:clrMapOvr>
+    <a:masterClrMapping/>
+  </p:clrMapOvr>
+  <p:transition spd="slow">
+    <p:push dir="u"/>
+  </p:transition>
+  <p:timing>
+    <p:tnLst>
+      <p:par>
+        <p:cTn id="1" dur="indefinite" restart="never" nodeType="tmRoot">
+          <p:childTnLst>
+            <p:seq concurrent="1" nextAc="seek">
+              <p:cTn id="2" dur="indefinite" nodeType="mainSeq">
+                <p:childTnLst>
+                  <p:par>
+                    <p:cTn id="3" fill="hold">
+                      <p:stCondLst>
+                        <p:cond delay="indefinite"/>
+                        <p:cond evt="onBegin" delay="0">
+                          <p:tn val="2"/>
+                        </p:cond>
+                      </p:stCondLst>
+                      <p:childTnLst>
+                        <p:par>
+                          <p:cTn id="4" fill="hold">
+                            <p:stCondLst>
+                              <p:cond delay="0"/>
+                            </p:stCondLst>
+                            <p:childTnLst>
+                              <p:par>
+                                <p:cTn id="5" presetID="2" presetClass="entr" presetSubtype="8" fill="hold" nodeType="withEffect">
+                                  <p:stCondLst>
+                                    <p:cond delay="0"/>
+                                  </p:stCondLst>
+                                  <p:childTnLst>
+                                    <p:set>
+                                      <p:cBhvr>
+                                        <p:cTn id="6" dur="1" fill="hold">
+                                          <p:stCondLst>
+                                            <p:cond delay="0"/>
+                                          </p:stCondLst>
+                                        </p:cTn>
+                                        <p:tgtEl>
+                                          <p:spTgt spid="7"/>
+                                        </p:tgtEl>
+                                        <p:attrNameLst>
+                                          <p:attrName>style.visibility</p:attrName>
+                                        </p:attrNameLst>
+                                      </p:cBhvr>
+                                      <p:to>
+                                        <p:strVal val="visible"/>
+                                      </p:to>
+                                    </p:set>
+                                    <p:anim calcmode="lin" valueType="num">
+                                      <p:cBhvr additive="base">
+                                        <p:cTn id="7" dur="500" fill="hold"/>
+                                        <p:tgtEl>
+                                          <p:spTgt spid="7"/>
+                                        </p:tgtEl>
+                                        <p:attrNameLst>
+                                          <p:attrName>ppt_x</p:attrName>
+                                        </p:attrNameLst>
+                                      </p:cBhvr>
+                                      <p:tavLst>
+                                        <p:tav tm="0">
+                                          <p:val>
+                                            <p:strVal val="0-#ppt_w/2"/>
+                                          </p:val>
+                                        </p:tav>
+                                        <p:tav tm="100000">
+                                          <p:val>
+                                            <p:strVal val="#ppt_x"/>
+                                          </p:val>
+                                        </p:tav>
+                                      </p:tavLst>
+                                    </p:anim>
+                                    <p:anim calcmode="lin" valueType="num">
+                                      <p:cBhvr additive="base">
+                                        <p:cTn id="8" dur="500" fill="hold"/>
+                                        <p:tgtEl>
+                                          <p:spTgt spid="7"/>
+                                        </p:tgtEl>
+                                        <p:attrNameLst>
+                                          <p:attrName>ppt_y</p:attrName>
+                                        </p:attrNameLst>
+                                      </p:cBhvr>
+                                      <p:tavLst>
+                                        <p:tav tm="0">
+                                          <p:val>
+                                            <p:strVal val="#ppt_y"/>
+                                          </p:val>
+                                        </p:tav>
+                                        <p:tav tm="100000">
+                                          <p:val>
+                                            <p:strVal val="#ppt_y"/>
+                                          </p:val>
+                                        </p:tav>
+                                      </p:tavLst>
+                                    </p:anim>
+                                  </p:childTnLst>
+                                </p:cTn>
+                              </p:par>
+                              <p:par>
+                                <p:cTn id="9" presetID="22" presetClass="entr" presetSubtype="8" fill="hold" grpId="0" nodeType="withEffect">
+                                  <p:stCondLst>
+                                    <p:cond delay="0"/>
+                                  </p:stCondLst>
+                                  <p:childTnLst>
+                                    <p:set>
+                                      <p:cBhvr>
+                                        <p:cTn id="10" dur="1" fill="hold">
+                                          <p:stCondLst>
+                                            <p:cond delay="0"/>
+                                          </p:stCondLst>
+                                        </p:cTn>
+                                        <p:tgtEl>
+                                          <p:spTgt spid="4"/>
+                                        </p:tgtEl>
+                                        <p:attrNameLst>
+                                          <p:attrName>style.visibility</p:attrName>
+                                        </p:attrNameLst>
+                                      </p:cBhvr>
+                                      <p:to>
+                                        <p:strVal val="visible"/>
+                                      </p:to>
+                                    </p:set>
+                                    <p:animEffect transition="in" filter="wipe(left)">
+                                      <p:cBhvr>
+                                        <p:cTn id="11" dur="500"/>
+                                        <p:tgtEl>
+                                          <p:spTgt spid="4"/>
+                                        </p:tgtEl>
+                                      </p:cBhvr>
+                                    </p:animEffect>
+                                  </p:childTnLst>
+                                </p:cTn>
+                              </p:par>
+                              <p:par>
+                                <p:cTn id="12" presetID="2" presetClass="entr" presetSubtype="8" fill="hold" grpId="0" nodeType="withEffect">
+                                  <p:stCondLst>
+                                    <p:cond delay="500"/>
+                                  </p:stCondLst>
+                                  <p:childTnLst>
+                                    <p:set>
+                                      <p:cBhvr>
+                                        <p:cTn id="13" dur="1" fill="hold">
+                                          <p:stCondLst>
+                                            <p:cond delay="0"/>
+                                          </p:stCondLst>
+                                        </p:cTn>
+                                        <p:tgtEl>
+                                          <p:spTgt spid="15"/>
+                                        </p:tgtEl>
+                                        <p:attrNameLst>
+                                          <p:attrName>style.visibility</p:attrName>
+                                        </p:attrNameLst>
+                                      </p:cBhvr>
+                                      <p:to>
+                                        <p:strVal val="visible"/>
+                                      </p:to>
+                                    </p:set>
+                                    <p:anim calcmode="lin" valueType="num">
+                                      <p:cBhvr additive="base">
+                                        <p:cTn id="14" dur="500" fill="hold"/>
+                                        <p:tgtEl>
+                                          <p:spTgt spid="15"/>
+                                        </p:tgtEl>
+                                        <p:attrNameLst>
+                                          <p:attrName>ppt_x</p:attrName>
+                                        </p:attrNameLst>
+                                      </p:cBhvr>
+                                      <p:tavLst>
+                                        <p:tav tm="0">
+                                          <p:val>
+                                            <p:strVal val="0-#ppt_w/2"/>
+                                          </p:val>
+                                        </p:tav>
+                                        <p:tav tm="100000">
+                                          <p:val>
+                                            <p:strVal val="#ppt_x"/>
+                                          </p:val>
+                                        </p:tav>
+                                      </p:tavLst>
+                                    </p:anim>
+                                    <p:anim calcmode="lin" valueType="num">
+                                      <p:cBhvr additive="base">
+                                        <p:cTn id="15" dur="500" fill="hold"/>
+                                        <p:tgtEl>
+                                          <p:spTgt spid="15"/>
+                                        </p:tgtEl>
+                                        <p:attrNameLst>
+                                          <p:attrName>ppt_y</p:attrName>
+                                        </p:attrNameLst>
+                                      </p:cBhvr>
+                                      <p:tavLst>
+                                        <p:tav tm="0">
+                                          <p:val>
+                                            <p:strVal val="#ppt_y"/>
+                                          </p:val>
+                                        </p:tav>
+                                        <p:tav tm="100000">
+                                          <p:val>
+                                            <p:strVal val="#ppt_y"/>
+                                          </p:val>
+                                        </p:tav>
+                                      </p:tavLst>
+                                    </p:anim>
+                                  </p:childTnLst>
+                                </p:cTn>
+                              </p:par>
+                              <p:par>
+                                <p:cTn id="16" presetID="2" presetClass="entr" presetSubtype="1" fill="hold" grpId="0" nodeType="withEffect">
+                                  <p:stCondLst>
+                                    <p:cond delay="500"/>
+                                  </p:stCondLst>
+                                  <p:childTnLst>
+                                    <p:set>
+                                      <p:cBhvr>
+                                        <p:cTn id="17" dur="1" fill="hold">
+                                          <p:stCondLst>
+                                            <p:cond delay="0"/>
+                                          </p:stCondLst>
+                                        </p:cTn>
+                                        <p:tgtEl>
+                                          <p:spTgt spid="9"/>
+                                        </p:tgtEl>
+                                        <p:attrNameLst>
+                                          <p:attrName>style.visibility</p:attrName>
+                                        </p:attrNameLst>
+                                      </p:cBhvr>
+                                      <p:to>
+                                        <p:strVal val="visible"/>
+                                      </p:to>
+                                    </p:set>
+                                    <p:anim calcmode="lin" valueType="num">
+                                      <p:cBhvr additive="base">
+                                        <p:cTn id="18" dur="500" fill="hold"/>
+                                        <p:tgtEl>
+                                          <p:spTgt spid="9"/>
+                                        </p:tgtEl>
+                                        <p:attrNameLst>
+                                          <p:attrName>ppt_x</p:attrName>
+                                        </p:attrNameLst>
+                                      </p:cBhvr>
+                                      <p:tavLst>
+                                        <p:tav tm="0">
+                                          <p:val>
+                                            <p:strVal val="#ppt_x"/>
+                                          </p:val>
+                                        </p:tav>
+                                        <p:tav tm="100000">
+                                          <p:val>
+                                            <p:strVal val="#ppt_x"/>
+                                          </p:val>
+                                        </p:tav>
+                                      </p:tavLst>
+                                    </p:anim>
+                                    <p:anim calcmode="lin" valueType="num">
+                                      <p:cBhvr additive="base">
+                                        <p:cTn id="19" dur="500" fill="hold"/>
+                                        <p:tgtEl>
+                                          <p:spTgt spid="9"/>
+                                        </p:tgtEl>
+                                        <p:attrNameLst>
+                                          <p:attrName>ppt_y</p:attrName>
+                                        </p:attrNameLst>
+                                      </p:cBhvr>
+                                      <p:tavLst>
+                                        <p:tav tm="0">
+                                          <p:val>
+                                            <p:strVal val="0-#ppt_h/2"/>
+                                          </p:val>
+                                        </p:tav>
+                                        <p:tav tm="100000">
+                                          <p:val>
+                                            <p:strVal val="#ppt_y"/>
+                                          </p:val>
+                                        </p:tav>
+                                      </p:tavLst>
+                                    </p:anim>
+                                  </p:childTnLst>
+                                </p:cTn>
+                              </p:par>
+                              <p:par>
+                                <p:cTn id="20" presetID="2" presetClass="entr" presetSubtype="2" fill="hold" grpId="0" nodeType="withEffect">
+                                  <p:stCondLst>
+                                    <p:cond delay="500"/>
+                                  </p:stCondLst>
+                                  <p:childTnLst>
+                                    <p:set>
+                                      <p:cBhvr>
+                                        <p:cTn id="21" dur="1" fill="hold">
+                                          <p:stCondLst>
+                                            <p:cond delay="0"/>
+                                          </p:stCondLst>
+                                        </p:cTn>
+                                        <p:tgtEl>
+                                          <p:spTgt spid="10"/>
+                                        </p:tgtEl>
+                                        <p:attrNameLst>
+                                          <p:attrName>style.visibility</p:attrName>
+                                        </p:attrNameLst>
+                                      </p:cBhvr>
+                                      <p:to>
+                                        <p:strVal val="visible"/>
+                                      </p:to>
+                                    </p:set>
+                                    <p:anim calcmode="lin" valueType="num">
+                                      <p:cBhvr additive="base">
+                                        <p:cTn id="22" dur="500" fill="hold"/>
+                                        <p:tgtEl>
+                                          <p:spTgt spid="10"/>
+                                        </p:tgtEl>
+                                        <p:attrNameLst>
+                                          <p:attrName>ppt_x</p:attrName>
+                                        </p:attrNameLst>
+                                      </p:cBhvr>
+                                      <p:tavLst>
+                                        <p:tav tm="0">
+                                          <p:val>
+                                            <p:strVal val="1+#ppt_w/2"/>
+                                          </p:val>
+                                        </p:tav>
+                                        <p:tav tm="100000">
+                                          <p:val>
+                                            <p:strVal val="#ppt_x"/>
+                                          </p:val>
+                                        </p:tav>
+                                      </p:tavLst>
+                                    </p:anim>
+                                    <p:anim calcmode="lin" valueType="num">
+                                      <p:cBhvr additive="base">
+                                        <p:cTn id="23" dur="500" fill="hold"/>
+                                        <p:tgtEl>
+                                          <p:spTgt spid="10"/>
+                                        </p:tgtEl>
+                                        <p:attrNameLst>
+                                          <p:attrName>ppt_y</p:attrName>
+                                        </p:attrNameLst>
+                                      </p:cBhvr>
+                                      <p:tavLst>
+                                        <p:tav tm="0">
+                                          <p:val>
+                                            <p:strVal val="#ppt_y"/>
+                                          </p:val>
+                                        </p:tav>
+                                        <p:tav tm="100000">
+                                          <p:val>
+                                            <p:strVal val="#ppt_y"/>
+                                          </p:val>
+                                        </p:tav>
+                                      </p:tavLst>
+                                    </p:anim>
+                                  </p:childTnLst>
+                                </p:cTn>
+                              </p:par>
+                            </p:childTnLst>
+                          </p:cTn>
+                        </p:par>
+                        <p:par>
+                          <p:cTn id="24" fill="hold">
+                            <p:stCondLst>
+                              <p:cond delay="1000"/>
+                            </p:stCondLst>
+                            <p:childTnLst>
+                              <p:par>
+                                <p:cTn id="25" presetID="2" presetClass="entr" presetSubtype="4" fill="hold" grpId="0" nodeType="afterEffect">
+                                  <p:stCondLst>
+                                    <p:cond delay="0"/>
+                                  </p:stCondLst>
+                                  <p:childTnLst>
+                                    <p:set>
+                                      <p:cBhvr>
+                                        <p:cTn id="26" dur="1" fill="hold">
+                                          <p:stCondLst>
+                                            <p:cond delay="0"/>
+                                          </p:stCondLst>
+                                        </p:cTn>
+                                        <p:tgtEl>
+                                          <p:spTgt spid="20"/>
+                                        </p:tgtEl>
+                                        <p:attrNameLst>
+                                          <p:attrName>style.visibility</p:attrName>
+                                        </p:attrNameLst>
+                                      </p:cBhvr>
+                                      <p:to>
+                                        <p:strVal val="visible"/>
+                                      </p:to>
+                                    </p:set>
+                                    <p:anim calcmode="lin" valueType="num">
+                                      <p:cBhvr additive="base">
+                                        <p:cTn id="27" dur="250" fill="hold"/>
+                                        <p:tgtEl>
+                                          <p:spTgt spid="20"/>
+                                        </p:tgtEl>
+                                        <p:attrNameLst>
+                                          <p:attrName>ppt_x</p:attrName>
+                                        </p:attrNameLst>
+                                      </p:cBhvr>
+                                      <p:tavLst>
+                                        <p:tav tm="0">
+                                          <p:val>
+                                            <p:strVal val="#ppt_x"/>
+                                          </p:val>
+                                        </p:tav>
+                                        <p:tav tm="100000">
+                                          <p:val>
+                                            <p:strVal val="#ppt_x"/>
+                                          </p:val>
+                                        </p:tav>
+                                      </p:tavLst>
+                                    </p:anim>
+                                    <p:anim calcmode="lin" valueType="num">
+                                      <p:cBhvr additive="base">
+                                        <p:cTn id="28" dur="250" fill="hold"/>
+                                        <p:tgtEl>
+                                          <p:spTgt spid="20"/>
+                                        </p:tgtEl>
+                                        <p:attrNameLst>
+                                          <p:attrName>ppt_y</p:attrName>
+                                        </p:attrNameLst>
+                                      </p:cBhvr>
+                                      <p:tavLst>
+                                        <p:tav tm="0">
+                                          <p:val>
+                                            <p:strVal val="1+#ppt_h/2"/>
+                                          </p:val>
+                                        </p:tav>
+                                        <p:tav tm="100000">
+                                          <p:val>
+                                            <p:strVal val="#ppt_y"/>
+                                          </p:val>
+                                        </p:tav>
+                                      </p:tavLst>
+                                    </p:anim>
+                                  </p:childTnLst>
+                                </p:cTn>
+                              </p:par>
+                            </p:childTnLst>
+                          </p:cTn>
+                        </p:par>
+                        <p:par>
+                          <p:cTn id="29" fill="hold">
+                            <p:stCondLst>
+                              <p:cond delay="1250"/>
+                            </p:stCondLst>
+                            <p:childTnLst>
+                              <p:par>
+                                <p:cTn id="30" presetID="2" presetClass="entr" presetSubtype="4" fill="hold" grpId="0" nodeType="afterEffect">
+                                  <p:stCondLst>
+                                    <p:cond delay="0"/>
+                                  </p:stCondLst>
+                                  <p:childTnLst>
+                                    <p:set>
+                                      <p:cBhvr>
+                                        <p:cTn id="31" dur="1" fill="hold">
+                                          <p:stCondLst>
+                                            <p:cond delay="0"/>
+                                          </p:stCondLst>
+                                        </p:cTn>
+                                        <p:tgtEl>
+                                          <p:spTgt spid="19"/>
+                                        </p:tgtEl>
+                                        <p:attrNameLst>
+                                          <p:attrName>style.visibility</p:attrName>
+                                        </p:attrNameLst>
+                                      </p:cBhvr>
+                                      <p:to>
+                                        <p:strVal val="visible"/>
+                                      </p:to>
+                                    </p:set>
+                                    <p:anim calcmode="lin" valueType="num">
+                                      <p:cBhvr additive="base">
+                                        <p:cTn id="32" dur="250" fill="hold"/>
+                                        <p:tgtEl>
+                                          <p:spTgt spid="19"/>
+                                        </p:tgtEl>
+                                        <p:attrNameLst>
+                                          <p:attrName>ppt_x</p:attrName>
+                                        </p:attrNameLst>
+                                      </p:cBhvr>
+                                      <p:tavLst>
+                                        <p:tav tm="0">
+                                          <p:val>
+                                            <p:strVal val="#ppt_x"/>
+                                          </p:val>
+                                        </p:tav>
+                                        <p:tav tm="100000">
+                                          <p:val>
+                                            <p:strVal val="#ppt_x"/>
+                                          </p:val>
+                                        </p:tav>
+                                      </p:tavLst>
+                                    </p:anim>
+                                    <p:anim calcmode="lin" valueType="num">
+                                      <p:cBhvr additive="base">
+                                        <p:cTn id="33" dur="250" fill="hold"/>
+                                        <p:tgtEl>
+                                          <p:spTgt spid="19"/>
+                                        </p:tgtEl>
+                                        <p:attrNameLst>
+                                          <p:attrName>ppt_y</p:attrName>
+                                        </p:attrNameLst>
+                                      </p:cBhvr>
+                                      <p:tavLst>
+                                        <p:tav tm="0">
+                                          <p:val>
+                                            <p:strVal val="1+#ppt_h/2"/>
+                                          </p:val>
+                                        </p:tav>
+                                        <p:tav tm="100000">
+                                          <p:val>
+                                            <p:strVal val="#ppt_y"/>
+                                          </p:val>
+                                        </p:tav>
+                                      </p:tavLst>
+                                    </p:anim>
+                                  </p:childTnLst>
+                                </p:cTn>
+                              </p:par>
+                            </p:childTnLst>
+                          </p:cTn>
+                        </p:par>
+                        <p:par>
+                          <p:cTn id="34" fill="hold">
+                            <p:stCondLst>
+                              <p:cond delay="1500"/>
+                            </p:stCondLst>
+                            <p:childTnLst>
+                              <p:par>
+                                <p:cTn id="35" presetID="2" presetClass="entr" presetSubtype="4" fill="hold" grpId="0" nodeType="afterEffect">
+                                  <p:stCondLst>
+                                    <p:cond delay="0"/>
+                                  </p:stCondLst>
+                                  <p:childTnLst>
+                                    <p:set>
+                                      <p:cBhvr>
+                                        <p:cTn id="36" dur="1" fill="hold">
+                                          <p:stCondLst>
+                                            <p:cond delay="0"/>
+                                          </p:stCondLst>
+                                        </p:cTn>
+                                        <p:tgtEl>
+                                          <p:spTgt spid="21"/>
+                                        </p:tgtEl>
+                                        <p:attrNameLst>
+                                          <p:attrName>style.visibility</p:attrName>
+                                        </p:attrNameLst>
+                                      </p:cBhvr>
+                                      <p:to>
+                                        <p:strVal val="visible"/>
+                                      </p:to>
+                                    </p:set>
+                                    <p:anim calcmode="lin" valueType="num">
+                                      <p:cBhvr additive="base">
+                                        <p:cTn id="37" dur="250" fill="hold"/>
+                                        <p:tgtEl>
+                                          <p:spTgt spid="21"/>
+                                        </p:tgtEl>
+                                        <p:attrNameLst>
+                                          <p:attrName>ppt_x</p:attrName>
+                                        </p:attrNameLst>
+                                      </p:cBhvr>
+                                      <p:tavLst>
+                                        <p:tav tm="0">
+                                          <p:val>
+                                            <p:strVal val="#ppt_x"/>
+                                          </p:val>
+                                        </p:tav>
+                                        <p:tav tm="100000">
+                                          <p:val>
+                                            <p:strVal val="#ppt_x"/>
+                                          </p:val>
+                                        </p:tav>
+                                      </p:tavLst>
+                                    </p:anim>
+                                    <p:anim calcmode="lin" valueType="num">
+                                      <p:cBhvr additive="base">
+                                        <p:cTn id="38" dur="250" fill="hold"/>
+                                        <p:tgtEl>
+                                          <p:spTgt spid="21"/>
+                                        </p:tgtEl>
+                                        <p:attrNameLst>
+                                          <p:attrName>ppt_y</p:attrName>
+                                        </p:attrNameLst>
+                                      </p:cBhvr>
+                                      <p:tavLst>
+                                        <p:tav tm="0">
+                                          <p:val>
+                                            <p:strVal val="1+#ppt_h/2"/>
+                                          </p:val>
+                                        </p:tav>
+                                        <p:tav tm="100000">
+                                          <p:val>
+                                            <p:strVal val="#ppt_y"/>
+                                          </p:val>
+                                        </p:tav>
+                                      </p:tavLst>
+                                    </p:anim>
+                                  </p:childTnLst>
+                                </p:cTn>
+                              </p:par>
+                            </p:childTnLst>
+                          </p:cTn>
+                        </p:par>
+                        <p:par>
+                          <p:cTn id="39" fill="hold">
+                            <p:stCondLst>
+                              <p:cond delay="1750"/>
+                            </p:stCondLst>
+                            <p:childTnLst>
+                              <p:par>
+                                <p:cTn id="40" presetID="2" presetClass="entr" presetSubtype="4" fill="hold" grpId="0" nodeType="afterEffect">
+                                  <p:stCondLst>
+                                    <p:cond delay="0"/>
+                                  </p:stCondLst>
+                                  <p:childTnLst>
+                                    <p:set>
+                                      <p:cBhvr>
+                                        <p:cTn id="41" dur="1" fill="hold">
+                                          <p:stCondLst>
+                                            <p:cond delay="0"/>
+                                          </p:stCondLst>
+                                        </p:cTn>
+                                        <p:tgtEl>
+                                          <p:spTgt spid="11"/>
+                                        </p:tgtEl>
+                                        <p:attrNameLst>
+                                          <p:attrName>style.visibility</p:attrName>
+                                        </p:attrNameLst>
+                                      </p:cBhvr>
+                                      <p:to>
+                                        <p:strVal val="visible"/>
+                                      </p:to>
+                                    </p:set>
+                                    <p:anim calcmode="lin" valueType="num">
+                                      <p:cBhvr additive="base">
+                                        <p:cTn id="42" dur="250" fill="hold"/>
+                                        <p:tgtEl>
+                                          <p:spTgt spid="11"/>
+                                        </p:tgtEl>
+                                        <p:attrNameLst>
+                                          <p:attrName>ppt_x</p:attrName>
+                                        </p:attrNameLst>
+                                      </p:cBhvr>
+                                      <p:tavLst>
+                                        <p:tav tm="0">
+                                          <p:val>
+                                            <p:strVal val="#ppt_x"/>
+                                          </p:val>
+                                        </p:tav>
+                                        <p:tav tm="100000">
+                                          <p:val>
+                                            <p:strVal val="#ppt_x"/>
+                                          </p:val>
+                                        </p:tav>
+                                      </p:tavLst>
+                                    </p:anim>
+                                    <p:anim calcmode="lin" valueType="num">
+                                      <p:cBhvr additive="base">
+                                        <p:cTn id="43" dur="250" fill="hold"/>
+                                        <p:tgtEl>
+                                          <p:spTgt spid="11"/>
+                                        </p:tgtEl>
+                                        <p:attrNameLst>
+                                          <p:attrName>ppt_y</p:attrName>
+                                        </p:attrNameLst>
+                                      </p:cBhvr>
+                                      <p:tavLst>
+                                        <p:tav tm="0">
+                                          <p:val>
+                                            <p:strVal val="1+#ppt_h/2"/>
+                                          </p:val>
+                                        </p:tav>
+                                        <p:tav tm="100000">
+                                          <p:val>
+                                            <p:strVal val="#ppt_y"/>
+                                          </p:val>
+                                        </p:tav>
+                                      </p:tavLst>
+                                    </p:anim>
+                                  </p:childTnLst>
+                                </p:cTn>
+                              </p:par>
+                            </p:childTnLst>
+                          </p:cTn>
+                        </p:par>
+                        <p:par>
+                          <p:cTn id="44" fill="hold">
+                            <p:stCondLst>
+                              <p:cond delay="2000"/>
+                            </p:stCondLst>
+                            <p:childTnLst>
+                              <p:par>
+                                <p:cTn id="45" presetID="2" presetClass="entr" presetSubtype="4" fill="hold" grpId="0" nodeType="afterEffect">
+                                  <p:stCondLst>
+                                    <p:cond delay="0"/>
+                                  </p:stCondLst>
+                                  <p:childTnLst>
+                                    <p:set>
+                                      <p:cBhvr>
+                                        <p:cTn id="46" dur="1" fill="hold">
+                                          <p:stCondLst>
+                                            <p:cond delay="0"/>
+                                          </p:stCondLst>
+                                        </p:cTn>
+                                        <p:tgtEl>
+                                          <p:spTgt spid="22"/>
+                                        </p:tgtEl>
+                                        <p:attrNameLst>
+                                          <p:attrName>style.visibility</p:attrName>
+                                        </p:attrNameLst>
+                                      </p:cBhvr>
+                                      <p:to>
+                                        <p:strVal val="visible"/>
+                                      </p:to>
+                                    </p:set>
+                                    <p:anim calcmode="lin" valueType="num">
+                                      <p:cBhvr additive="base">
+                                        <p:cTn id="47" dur="250" fill="hold"/>
+                                        <p:tgtEl>
+                                          <p:spTgt spid="22"/>
+                                        </p:tgtEl>
+                                        <p:attrNameLst>
+                                          <p:attrName>ppt_x</p:attrName>
+                                        </p:attrNameLst>
+                                      </p:cBhvr>
+                                      <p:tavLst>
+                                        <p:tav tm="0">
+                                          <p:val>
+                                            <p:strVal val="#ppt_x"/>
+                                          </p:val>
+                                        </p:tav>
+                                        <p:tav tm="100000">
+                                          <p:val>
+                                            <p:strVal val="#ppt_x"/>
+                                          </p:val>
+                                        </p:tav>
+                                      </p:tavLst>
+                                    </p:anim>
+                                    <p:anim calcmode="lin" valueType="num">
+                                      <p:cBhvr additive="base">
+                                        <p:cTn id="48" dur="250" fill="hold"/>
+                                        <p:tgtEl>
+                                          <p:spTgt spid="22"/>
+                                        </p:tgtEl>
+                                        <p:attrNameLst>
+                                          <p:attrName>ppt_y</p:attrName>
+                                        </p:attrNameLst>
+                                      </p:cBhvr>
+                                      <p:tavLst>
+                                        <p:tav tm="0">
+                                          <p:val>
+                                            <p:strVal val="1+#ppt_h/2"/>
+                                          </p:val>
+                                        </p:tav>
+                                        <p:tav tm="100000">
+                                          <p:val>
+                                            <p:strVal val="#ppt_y"/>
+                                          </p:val>
+                                        </p:tav>
+                                      </p:tavLst>
+                                    </p:anim>
+                                  </p:childTnLst>
+                                </p:cTn>
+                              </p:par>
+                            </p:childTnLst>
+                          </p:cTn>
+                        </p:par>
+                        <p:par>
+                          <p:cTn id="49" fill="hold">
+                            <p:stCondLst>
+                              <p:cond delay="2250"/>
+                            </p:stCondLst>
+                            <p:childTnLst>
+                              <p:par>
+                                <p:cTn id="50" presetID="2" presetClass="entr" presetSubtype="4" fill="hold" grpId="0" nodeType="afterEffect">
+                                  <p:stCondLst>
+                                    <p:cond delay="0"/>
+                                  </p:stCondLst>
+                                  <p:childTnLst>
+                                    <p:set>
+                                      <p:cBhvr>
+                                        <p:cTn id="51" dur="1" fill="hold">
+                                          <p:stCondLst>
+                                            <p:cond delay="0"/>
+                                          </p:stCondLst>
+                                        </p:cTn>
+                                        <p:tgtEl>
+                                          <p:spTgt spid="24"/>
+                                        </p:tgtEl>
+                                        <p:attrNameLst>
+                                          <p:attrName>style.visibility</p:attrName>
+                                        </p:attrNameLst>
+                                      </p:cBhvr>
+                                      <p:to>
+                                        <p:strVal val="visible"/>
+                                      </p:to>
+                                    </p:set>
+                                    <p:anim calcmode="lin" valueType="num">
+                                      <p:cBhvr additive="base">
+                                        <p:cTn id="52" dur="250" fill="hold"/>
+                                        <p:tgtEl>
+                                          <p:spTgt spid="24"/>
+                                        </p:tgtEl>
+                                        <p:attrNameLst>
+                                          <p:attrName>ppt_x</p:attrName>
+                                        </p:attrNameLst>
+                                      </p:cBhvr>
+                                      <p:tavLst>
+                                        <p:tav tm="0">
+                                          <p:val>
+                                            <p:strVal val="#ppt_x"/>
+                                          </p:val>
+                                        </p:tav>
+                                        <p:tav tm="100000">
+                                          <p:val>
+                                            <p:strVal val="#ppt_x"/>
+                                          </p:val>
+                                        </p:tav>
+                                      </p:tavLst>
+                                    </p:anim>
+                                    <p:anim calcmode="lin" valueType="num">
+                                      <p:cBhvr additive="base">
+                                        <p:cTn id="53" dur="250" fill="hold"/>
+                                        <p:tgtEl>
+                                          <p:spTgt spid="24"/>
+                                        </p:tgtEl>
+                                        <p:attrNameLst>
+                                          <p:attrName>ppt_y</p:attrName>
+                                        </p:attrNameLst>
+                                      </p:cBhvr>
+                                      <p:tavLst>
+                                        <p:tav tm="0">
+                                          <p:val>
+                                            <p:strVal val="1+#ppt_h/2"/>
+                                          </p:val>
+                                        </p:tav>
+                                        <p:tav tm="100000">
+                                          <p:val>
+                                            <p:strVal val="#ppt_y"/>
+                                          </p:val>
+                                        </p:tav>
+                                      </p:tavLst>
+                                    </p:anim>
+                                  </p:childTnLst>
+                                </p:cTn>
+                              </p:par>
+                            </p:childTnLst>
+                          </p:cTn>
+                        </p:par>
+                        <p:par>
+                          <p:cTn id="54" fill="hold">
+                            <p:stCondLst>
+                              <p:cond delay="2500"/>
+                            </p:stCondLst>
+                            <p:childTnLst>
+                              <p:par>
+                                <p:cTn id="55" presetID="2" presetClass="entr" presetSubtype="4" fill="hold" grpId="0" nodeType="afterEffect">
+                                  <p:stCondLst>
+                                    <p:cond delay="0"/>
+                                  </p:stCondLst>
+                                  <p:childTnLst>
+                                    <p:set>
+                                      <p:cBhvr>
+                                        <p:cTn id="56" dur="1" fill="hold">
+                                          <p:stCondLst>
+                                            <p:cond delay="0"/>
+                                          </p:stCondLst>
+                                        </p:cTn>
+                                        <p:tgtEl>
+                                          <p:spTgt spid="25"/>
+                                        </p:tgtEl>
+                                        <p:attrNameLst>
+                                          <p:attrName>style.visibility</p:attrName>
+                                        </p:attrNameLst>
+                                      </p:cBhvr>
+                                      <p:to>
+                                        <p:strVal val="visible"/>
+                                      </p:to>
+                                    </p:set>
+                                    <p:anim calcmode="lin" valueType="num">
+                                      <p:cBhvr additive="base">
+                                        <p:cTn id="57" dur="250" fill="hold"/>
+                                        <p:tgtEl>
+                                          <p:spTgt spid="25"/>
+                                        </p:tgtEl>
+                                        <p:attrNameLst>
+                                          <p:attrName>ppt_x</p:attrName>
+                                        </p:attrNameLst>
+                                      </p:cBhvr>
+                                      <p:tavLst>
+                                        <p:tav tm="0">
+                                          <p:val>
+                                            <p:strVal val="#ppt_x"/>
+                                          </p:val>
+                                        </p:tav>
+                                        <p:tav tm="100000">
+                                          <p:val>
+                                            <p:strVal val="#ppt_x"/>
+                                          </p:val>
+                                        </p:tav>
+                                      </p:tavLst>
+                                    </p:anim>
+                                    <p:anim calcmode="lin" valueType="num">
+                                      <p:cBhvr additive="base">
+                                        <p:cTn id="58" dur="250" fill="hold"/>
+                                        <p:tgtEl>
+                                          <p:spTgt spid="25"/>
+                                        </p:tgtEl>
+                                        <p:attrNameLst>
+                                          <p:attrName>ppt_y</p:attrName>
+                                        </p:attrNameLst>
+                                      </p:cBhvr>
+                                      <p:tavLst>
+                                        <p:tav tm="0">
+                                          <p:val>
+                                            <p:strVal val="1+#ppt_h/2"/>
+                                          </p:val>
+                                        </p:tav>
+                                        <p:tav tm="100000">
+                                          <p:val>
+                                            <p:strVal val="#ppt_y"/>
+                                          </p:val>
+                                        </p:tav>
+                                      </p:tavLst>
+                                    </p:anim>
+                                  </p:childTnLst>
+                                </p:cTn>
+                              </p:par>
+                              <p:par>
+                                <p:cTn id="59" presetID="2" presetClass="entr" presetSubtype="8" fill="hold" grpId="0" nodeType="withEffect">
+                                  <p:stCondLst>
+                                    <p:cond delay="500"/>
+                                  </p:stCondLst>
+                                  <p:childTnLst>
+                                    <p:set>
+                                      <p:cBhvr>
+                                        <p:cTn id="60" dur="1" fill="hold">
+                                          <p:stCondLst>
+                                            <p:cond delay="0"/>
+                                          </p:stCondLst>
+                                        </p:cTn>
+                                        <p:tgtEl>
+                                          <p:spTgt spid="17"/>
+                                        </p:tgtEl>
+                                        <p:attrNameLst>
+                                          <p:attrName>style.visibility</p:attrName>
+                                        </p:attrNameLst>
+                                      </p:cBhvr>
+                                      <p:to>
+                                        <p:strVal val="visible"/>
+                                      </p:to>
+                                    </p:set>
+                                    <p:anim calcmode="lin" valueType="num">
+                                      <p:cBhvr additive="base">
+                                        <p:cTn id="61" dur="500" fill="hold"/>
+                                        <p:tgtEl>
+                                          <p:spTgt spid="17"/>
+                                        </p:tgtEl>
+                                        <p:attrNameLst>
+                                          <p:attrName>ppt_x</p:attrName>
+                                        </p:attrNameLst>
+                                      </p:cBhvr>
+                                      <p:tavLst>
+                                        <p:tav tm="0">
+                                          <p:val>
+                                            <p:strVal val="0-#ppt_w/2"/>
+                                          </p:val>
+                                        </p:tav>
+                                        <p:tav tm="100000">
+                                          <p:val>
+                                            <p:strVal val="#ppt_x"/>
+                                          </p:val>
+                                        </p:tav>
+                                      </p:tavLst>
+                                    </p:anim>
+                                    <p:anim calcmode="lin" valueType="num">
+                                      <p:cBhvr additive="base">
+                                        <p:cTn id="62" dur="500" fill="hold"/>
+                                        <p:tgtEl>
+                                          <p:spTgt spid="17"/>
+                                        </p:tgtEl>
+                                        <p:attrNameLst>
+                                          <p:attrName>ppt_y</p:attrName>
+                                        </p:attrNameLst>
+                                      </p:cBhvr>
+                                      <p:tavLst>
+                                        <p:tav tm="0">
+                                          <p:val>
+                                            <p:strVal val="#ppt_y"/>
+                                          </p:val>
+                                        </p:tav>
+                                        <p:tav tm="100000">
+                                          <p:val>
+                                            <p:strVal val="#ppt_y"/>
+                                          </p:val>
+                                        </p:tav>
+                                      </p:tavLst>
+                                    </p:anim>
+                                  </p:childTnLst>
+                                </p:cTn>
+                              </p:par>
+                            </p:childTnLst>
+                          </p:cTn>
+                        </p:par>
+                        <p:par>
+                          <p:cTn id="63" fill="hold">
+                            <p:stCondLst>
+                              <p:cond delay="3500"/>
+                            </p:stCondLst>
+                            <p:childTnLst>
+                              <p:par>
+                                <p:cTn id="64" presetID="2" presetClass="entr" presetSubtype="2" fill="hold" grpId="0" nodeType="afterEffect">
+                                  <p:stCondLst>
+                                    <p:cond delay="0"/>
+                                  </p:stCondLst>
+                                  <p:childTnLst>
+                                    <p:set>
+                                      <p:cBhvr>
+                                        <p:cTn id="65" dur="1" fill="hold">
+                                          <p:stCondLst>
+                                            <p:cond delay="0"/>
+                                          </p:stCondLst>
+                                        </p:cTn>
+                                        <p:tgtEl>
+                                          <p:spTgt spid="23"/>
+                                        </p:tgtEl>
+                                        <p:attrNameLst>
+                                          <p:attrName>style.visibility</p:attrName>
+                                        </p:attrNameLst>
+                                      </p:cBhvr>
+                                      <p:to>
+                                        <p:strVal val="visible"/>
+                                      </p:to>
+                                    </p:set>
+                                    <p:anim calcmode="lin" valueType="num">
+                                      <p:cBhvr additive="base">
+                                        <p:cTn id="66" dur="250" fill="hold"/>
+                                        <p:tgtEl>
+                                          <p:spTgt spid="23"/>
+                                        </p:tgtEl>
+                                        <p:attrNameLst>
+                                          <p:attrName>ppt_x</p:attrName>
+                                        </p:attrNameLst>
+                                      </p:cBhvr>
+                                      <p:tavLst>
+                                        <p:tav tm="0">
+                                          <p:val>
+                                            <p:strVal val="1+#ppt_w/2"/>
+                                          </p:val>
+                                        </p:tav>
+                                        <p:tav tm="100000">
+                                          <p:val>
+                                            <p:strVal val="#ppt_x"/>
+                                          </p:val>
+                                        </p:tav>
+                                      </p:tavLst>
+                                    </p:anim>
+                                    <p:anim calcmode="lin" valueType="num">
+                                      <p:cBhvr additive="base">
+                                        <p:cTn id="67" dur="250" fill="hold"/>
+                                        <p:tgtEl>
+                                          <p:spTgt spid="23"/>
+                                        </p:tgtEl>
+                                        <p:attrNameLst>
+                                          <p:attrName>ppt_y</p:attrName>
+                                        </p:attrNameLst>
+                                      </p:cBhvr>
+                                      <p:tavLst>
+                                        <p:tav tm="0">
+                                          <p:val>
+                                            <p:strVal val="#ppt_y"/>
+                                          </p:val>
+                                        </p:tav>
+                                        <p:tav tm="100000">
+                                          <p:val>
+                                            <p:strVal val="#ppt_y"/>
+                                          </p:val>
+                                        </p:tav>
+                                      </p:tavLst>
+                                    </p:anim>
+                                  </p:childTnLst>
+                                </p:cTn>
+                              </p:par>
+                            </p:childTnLst>
+                          </p:cTn>
+                        </p:par>
+                        <p:par>
+                          <p:cTn id="68" fill="hold">
+                            <p:stCondLst>
+                              <p:cond delay="3750"/>
+                            </p:stCondLst>
+                            <p:childTnLst>
+                              <p:par>
+                                <p:cTn id="69" presetID="2" presetClass="entr" presetSubtype="2" fill="hold" grpId="0" nodeType="afterEffect">
+                                  <p:stCondLst>
+                                    <p:cond delay="0"/>
+                                  </p:stCondLst>
+                                  <p:childTnLst>
+                                    <p:set>
+                                      <p:cBhvr>
+                                        <p:cTn id="70" dur="1" fill="hold">
+                                          <p:stCondLst>
+                                            <p:cond delay="0"/>
+                                          </p:stCondLst>
+                                        </p:cTn>
+                                        <p:tgtEl>
+                                          <p:spTgt spid="27"/>
+                                        </p:tgtEl>
+                                        <p:attrNameLst>
+                                          <p:attrName>style.visibility</p:attrName>
+                                        </p:attrNameLst>
+                                      </p:cBhvr>
+                                      <p:to>
+                                        <p:strVal val="visible"/>
+                                      </p:to>
+                                    </p:set>
+                                    <p:anim calcmode="lin" valueType="num">
+                                      <p:cBhvr additive="base">
+                                        <p:cTn id="71" dur="250" fill="hold"/>
+                                        <p:tgtEl>
+                                          <p:spTgt spid="27"/>
+                                        </p:tgtEl>
+                                        <p:attrNameLst>
+                                          <p:attrName>ppt_x</p:attrName>
+                                        </p:attrNameLst>
+                                      </p:cBhvr>
+                                      <p:tavLst>
+                                        <p:tav tm="0">
+                                          <p:val>
+                                            <p:strVal val="1+#ppt_w/2"/>
+                                          </p:val>
+                                        </p:tav>
+                                        <p:tav tm="100000">
+                                          <p:val>
+                                            <p:strVal val="#ppt_x"/>
+                                          </p:val>
+                                        </p:tav>
+                                      </p:tavLst>
+                                    </p:anim>
+                                    <p:anim calcmode="lin" valueType="num">
+                                      <p:cBhvr additive="base">
+                                        <p:cTn id="72" dur="250" fill="hold"/>
+                                        <p:tgtEl>
+                                          <p:spTgt spid="27"/>
+                                        </p:tgtEl>
+                                        <p:attrNameLst>
+                                          <p:attrName>ppt_y</p:attrName>
+                                        </p:attrNameLst>
+                                      </p:cBhvr>
+                                      <p:tavLst>
+                                        <p:tav tm="0">
+                                          <p:val>
+                                            <p:strVal val="#ppt_y"/>
+                                          </p:val>
+                                        </p:tav>
+                                        <p:tav tm="100000">
+                                          <p:val>
+                                            <p:strVal val="#ppt_y"/>
+                                          </p:val>
+                                        </p:tav>
+                                      </p:tavLst>
+                                    </p:anim>
+                                  </p:childTnLst>
+                                </p:cTn>
+                              </p:par>
+                            </p:childTnLst>
+                          </p:cTn>
+                        </p:par>
+                      </p:childTnLst>
+                    </p:cTn>
+                  </p:par>
+                </p:childTnLst>
+              </p:cTn>
+              <p:prevCondLst>
+                <p:cond evt="onPrev" delay="0">
+                  <p:tgtEl>
+                    <p:sldTgt/>
+                  </p:tgtEl>
+                </p:cond>
+              </p:prevCondLst>
+              <p:nextCondLst>
+                <p:cond evt="onNext" delay="0">
+                  <p:tgtEl>
+                    <p:sldTgt/>
+                  </p:tgtEl>
+                </p:cond>
+              </p:nextCondLst>
+            </p:seq>
+          </p:childTnLst>
+        </p:cTn>
+      </p:par>
+    </p:tnLst>
+    <p:bldLst>
+      <p:bldP spid="4" grpId="0" animBg="1"/>
+      <p:bldP spid="15" grpId="0" animBg="1"/>
+      <p:bldP spid="9" grpId="0" animBg="1"/>
+      <p:bldP spid="10" grpId="0" animBg="1"/>
+      <p:bldP spid="11" grpId="0" animBg="1"/>
+      <p:bldP spid="19" grpId="0" animBg="1"/>
+      <p:bldP spid="20" grpId="0" animBg="1"/>
+      <p:bldP spid="21" grpId="0" animBg="1"/>
+      <p:bldP spid="22" grpId="0" animBg="1"/>
+      <p:bldP spid="24" grpId="0" animBg="1"/>
+      <p:bldP spid="25" grpId="0" animBg="1"/>
+      <p:bldP spid="17" grpId="0" animBg="1"/>
+      <p:bldP spid="23" grpId="0" animBg="1"/>
+      <p:bldP spid="27" grpId="0" animBg="1"/>
+    </p:bldLst>
+  </p:timing>
+</p:sld>
+</file>
+
+<file path=ppt/slides/slide6.xml><?xml version="1.0" encoding="utf-8"?>
+<p:sld xmlns:a="http://schemas.openxmlformats.org/drawingml/2006/main" xmlns:r="http://schemas.openxmlformats.org/officeDocument/2006/relationships" xmlns:p="http://schemas.openxmlformats.org/presentationml/2006/main">
+  <p:cSld>
+    <p:bg>
+      <p:bgPr>
+        <a:solidFill>
+          <a:srgbClr val="DAEAC8"/>
+        </a:solidFill>
+        <a:effectLst/>
+      </p:bgPr>
+    </p:bg>
+    <p:spTree>
+      <p:nvGrpSpPr>
+        <p:cNvPr id="1" name=""/>
+        <p:cNvGrpSpPr/>
+        <p:nvPr/>
+      </p:nvGrpSpPr>
+      <p:grpSpPr>
+        <a:xfrm>
+          <a:off x="0" y="0"/>
+          <a:ext cx="0" cy="0"/>
+          <a:chOff x="0" y="0"/>
+          <a:chExt cx="0" cy="0"/>
+        </a:xfrm>
+      </p:grpSpPr>
+      <p:sp>
+        <p:nvSpPr>
+          <p:cNvPr id="4" name="Rectangle : coins arrondis 3">
+            <a:extLst>
+              <a:ext uri="{FF2B5EF4-FFF2-40B4-BE49-F238E27FC236}">
+                <a16:creationId xmlns:a16="http://schemas.microsoft.com/office/drawing/2014/main" id="{E99BD5E1-449C-4F26-A707-0C47A6DC2B4C}"/>
+              </a:ext>
+            </a:extLst>
+          </p:cNvPr>
+          <p:cNvSpPr/>
+          <p:nvPr/>
+        </p:nvSpPr>
+        <p:spPr>
+          <a:xfrm>
+            <a:off x="-98856" y="469556"/>
+            <a:ext cx="3749905" cy="605481"/>
+          </a:xfrm>
+          <a:prstGeom prst="roundRect">
+            <a:avLst/>
+          </a:prstGeom>
+          <a:solidFill>
+            <a:schemeClr val="bg1"/>
+          </a:solidFill>
+          <a:ln>
+            <a:solidFill>
+              <a:schemeClr val="bg1"/>
+            </a:solidFill>
+          </a:ln>
+        </p:spPr>
+        <p:style>
+          <a:lnRef idx="2">
+            <a:schemeClr val="accent1">
+              <a:shade val="50000"/>
+            </a:schemeClr>
+          </a:lnRef>
+          <a:fillRef idx="1">
+            <a:schemeClr val="accent1"/>
+          </a:fillRef>
+          <a:effectRef idx="0">
+            <a:schemeClr val="accent1"/>
+          </a:effectRef>
+          <a:fontRef idx="minor">
+            <a:schemeClr val="lt1"/>
+          </a:fontRef>
+        </p:style>
+        <p:txBody>
+          <a:bodyPr rtlCol="0" anchor="ctr"/>
+          <a:lstStyle/>
+          <a:p>
+            <a:pPr algn="ctr"/>
+            <a:r>
+              <a:rPr lang="fr-FR" sz="2000" b="1" dirty="0">
+                <a:solidFill>
+                  <a:schemeClr val="tx1"/>
+                </a:solidFill>
+                <a:latin typeface="Century Gothic" panose="020B0502020202020204" pitchFamily="34" charset="0"/>
+              </a:rPr>
+              <a:t>Parties manquantes</a:t>
+            </a:r>
+          </a:p>
+        </p:txBody>
+      </p:sp>
+      <p:pic>
+        <p:nvPicPr>
+          <p:cNvPr id="7" name="Image 6" descr="Une image contenant graphiques vectoriels&#10;&#10;Description générée automatiquement">
+            <a:extLst>
+              <a:ext uri="{FF2B5EF4-FFF2-40B4-BE49-F238E27FC236}">
+                <a16:creationId xmlns:a16="http://schemas.microsoft.com/office/drawing/2014/main" id="{2C099A9B-807E-47F5-9873-37CE877AAAF2}"/>
+              </a:ext>
+            </a:extLst>
+          </p:cNvPr>
+          <p:cNvPicPr>
+            <a:picLocks noChangeAspect="1"/>
+          </p:cNvPicPr>
+          <p:nvPr/>
+        </p:nvPicPr>
+        <p:blipFill>
+          <a:blip r:embed="rId2">
+            <a:extLst>
+              <a:ext uri="{28A0092B-C50C-407E-A947-70E740481C1C}">
+                <a14:useLocalDpi xmlns:a14="http://schemas.microsoft.com/office/drawing/2010/main" val="0"/>
+              </a:ext>
+            </a:extLst>
+          </a:blip>
+          <a:stretch>
+            <a:fillRect/>
+          </a:stretch>
+        </p:blipFill>
+        <p:spPr>
+          <a:xfrm>
+            <a:off x="3394920" y="164214"/>
+            <a:ext cx="1197026" cy="1216164"/>
+          </a:xfrm>
+          <a:prstGeom prst="rect">
+            <a:avLst/>
+          </a:prstGeom>
+        </p:spPr>
+      </p:pic>
+      <p:sp>
+        <p:nvSpPr>
+          <p:cNvPr id="15" name="Rectangle : coins arrondis 14">
+            <a:extLst>
+              <a:ext uri="{FF2B5EF4-FFF2-40B4-BE49-F238E27FC236}">
+                <a16:creationId xmlns:a16="http://schemas.microsoft.com/office/drawing/2014/main" id="{EBCB782B-ADC3-47D1-B78D-C4B7A943DD45}"/>
+              </a:ext>
+            </a:extLst>
+          </p:cNvPr>
+          <p:cNvSpPr/>
+          <p:nvPr/>
+        </p:nvSpPr>
+        <p:spPr>
+          <a:xfrm>
+            <a:off x="4525443" y="2669261"/>
+            <a:ext cx="3162899" cy="689811"/>
+          </a:xfrm>
+          <a:prstGeom prst="roundRect">
+            <a:avLst/>
+          </a:prstGeom>
+          <a:solidFill>
+            <a:srgbClr val="C8E7EA"/>
+          </a:solidFill>
+          <a:ln>
+            <a:noFill/>
+          </a:ln>
+        </p:spPr>
+        <p:style>
+          <a:lnRef idx="2">
+            <a:schemeClr val="accent1">
+              <a:shade val="50000"/>
+            </a:schemeClr>
+          </a:lnRef>
+          <a:fillRef idx="1">
+            <a:schemeClr val="accent1"/>
+          </a:fillRef>
+          <a:effectRef idx="0">
+            <a:schemeClr val="accent1"/>
+          </a:effectRef>
+          <a:fontRef idx="minor">
+            <a:schemeClr val="lt1"/>
+          </a:fontRef>
+        </p:style>
+        <p:txBody>
+          <a:bodyPr rtlCol="0" anchor="ctr"/>
+          <a:lstStyle/>
+          <a:p>
+            <a:pPr algn="ctr"/>
+            <a:r>
+              <a:rPr lang="fr-FR" sz="2000" b="1" dirty="0" err="1">
+                <a:solidFill>
+                  <a:schemeClr val="tx1"/>
+                </a:solidFill>
+                <a:latin typeface="Century Gothic" panose="020B0502020202020204" pitchFamily="34" charset="0"/>
+              </a:rPr>
+              <a:t>Reminder</a:t>
+            </a:r>
+            <a:endParaRPr lang="fr-FR" sz="2000" b="1" dirty="0">
+              <a:solidFill>
+                <a:schemeClr val="tx1"/>
+              </a:solidFill>
+              <a:latin typeface="Century Gothic" panose="020B0502020202020204" pitchFamily="34" charset="0"/>
+            </a:endParaRPr>
+          </a:p>
+        </p:txBody>
+      </p:sp>
+      <p:sp>
+        <p:nvSpPr>
+          <p:cNvPr id="9" name="Rectangle : coins arrondis 8">
+            <a:extLst>
+              <a:ext uri="{FF2B5EF4-FFF2-40B4-BE49-F238E27FC236}">
+                <a16:creationId xmlns:a16="http://schemas.microsoft.com/office/drawing/2014/main" id="{FE3E3B98-1A2E-4DD5-9163-F3B0C3520551}"/>
+              </a:ext>
+            </a:extLst>
+          </p:cNvPr>
+          <p:cNvSpPr/>
+          <p:nvPr/>
+        </p:nvSpPr>
+        <p:spPr>
+          <a:xfrm>
+            <a:off x="4525443" y="3466891"/>
+            <a:ext cx="3162899" cy="689811"/>
+          </a:xfrm>
+          <a:prstGeom prst="roundRect">
+            <a:avLst/>
+          </a:prstGeom>
+          <a:solidFill>
+            <a:srgbClr val="C8E7EA"/>
+          </a:solidFill>
+          <a:ln>
+            <a:noFill/>
+          </a:ln>
+        </p:spPr>
+        <p:style>
+          <a:lnRef idx="2">
+            <a:schemeClr val="accent1">
+              <a:shade val="50000"/>
+            </a:schemeClr>
+          </a:lnRef>
+          <a:fillRef idx="1">
+            <a:schemeClr val="accent1"/>
+          </a:fillRef>
+          <a:effectRef idx="0">
+            <a:schemeClr val="accent1"/>
+          </a:effectRef>
+          <a:fontRef idx="minor">
+            <a:schemeClr val="lt1"/>
+          </a:fontRef>
+        </p:style>
+        <p:txBody>
+          <a:bodyPr rtlCol="0" anchor="ctr"/>
+          <a:lstStyle/>
+          <a:p>
+            <a:pPr algn="ctr"/>
+            <a:r>
+              <a:rPr lang="fr-FR" sz="2000" b="1" dirty="0">
+                <a:solidFill>
+                  <a:schemeClr val="tx1"/>
+                </a:solidFill>
+                <a:latin typeface="Century Gothic" panose="020B0502020202020204" pitchFamily="34" charset="0"/>
+              </a:rPr>
+              <a:t>Gestion Dépenses</a:t>
+            </a:r>
+          </a:p>
+        </p:txBody>
+      </p:sp>
+      <p:pic>
+        <p:nvPicPr>
+          <p:cNvPr id="3" name="Image 2" descr="Une image contenant capture d’écran&#10;&#10;Description générée automatiquement">
+            <a:extLst>
+              <a:ext uri="{FF2B5EF4-FFF2-40B4-BE49-F238E27FC236}">
+                <a16:creationId xmlns:a16="http://schemas.microsoft.com/office/drawing/2014/main" id="{8AB4F5DC-B179-47A9-8A88-65DCC159D96D}"/>
+              </a:ext>
+            </a:extLst>
+          </p:cNvPr>
+          <p:cNvPicPr>
+            <a:picLocks noChangeAspect="1"/>
+          </p:cNvPicPr>
+          <p:nvPr/>
+        </p:nvPicPr>
+        <p:blipFill>
+          <a:blip r:embed="rId3">
+            <a:extLst>
+              <a:ext uri="{28A0092B-C50C-407E-A947-70E740481C1C}">
+                <a14:useLocalDpi xmlns:a14="http://schemas.microsoft.com/office/drawing/2010/main" val="0"/>
+              </a:ext>
+            </a:extLst>
+          </a:blip>
+          <a:stretch>
+            <a:fillRect/>
+          </a:stretch>
+        </p:blipFill>
+        <p:spPr>
+          <a:xfrm>
+            <a:off x="8507845" y="961955"/>
+            <a:ext cx="2762250" cy="5505450"/>
+          </a:xfrm>
+          <a:prstGeom prst="roundRect">
+            <a:avLst>
+              <a:gd name="adj" fmla="val 22497"/>
+            </a:avLst>
+          </a:prstGeom>
+          <a:solidFill>
+            <a:srgbClr val="FFFFFF">
+              <a:shade val="85000"/>
+            </a:srgbClr>
+          </a:solidFill>
+          <a:ln>
+            <a:noFill/>
+          </a:ln>
+          <a:effectLst/>
+        </p:spPr>
+      </p:pic>
+    </p:spTree>
+    <p:extLst>
+      <p:ext uri="{BB962C8B-B14F-4D97-AF65-F5344CB8AC3E}">
+        <p14:creationId xmlns:p14="http://schemas.microsoft.com/office/powerpoint/2010/main" val="1869835786"/>
+      </p:ext>
+    </p:extLst>
+  </p:cSld>
+  <p:clrMapOvr>
+    <a:masterClrMapping/>
+  </p:clrMapOvr>
+  <p:transition spd="slow">
+    <p:push dir="u"/>
+  </p:transition>
+  <p:timing>
+    <p:tnLst>
+      <p:par>
+        <p:cTn id="1" dur="indefinite" restart="never" nodeType="tmRoot">
+          <p:childTnLst>
+            <p:seq concurrent="1" nextAc="seek">
+              <p:cTn id="2" dur="indefinite" nodeType="mainSeq">
+                <p:childTnLst>
+                  <p:par>
+                    <p:cTn id="3" fill="hold">
+                      <p:stCondLst>
+                        <p:cond delay="indefinite"/>
+                        <p:cond evt="onBegin" delay="0">
+                          <p:tn val="2"/>
+                        </p:cond>
+                      </p:stCondLst>
+                      <p:childTnLst>
+                        <p:par>
+                          <p:cTn id="4" fill="hold">
+                            <p:stCondLst>
+                              <p:cond delay="0"/>
+                            </p:stCondLst>
+                            <p:childTnLst>
+                              <p:par>
+                                <p:cTn id="5" presetID="2" presetClass="entr" presetSubtype="8" fill="hold" nodeType="withEffect">
+                                  <p:stCondLst>
+                                    <p:cond delay="0"/>
+                                  </p:stCondLst>
+                                  <p:childTnLst>
+                                    <p:set>
+                                      <p:cBhvr>
+                                        <p:cTn id="6" dur="1" fill="hold">
+                                          <p:stCondLst>
+                                            <p:cond delay="0"/>
+                                          </p:stCondLst>
+                                        </p:cTn>
+                                        <p:tgtEl>
+                                          <p:spTgt spid="7"/>
+                                        </p:tgtEl>
+                                        <p:attrNameLst>
+                                          <p:attrName>style.visibility</p:attrName>
+                                        </p:attrNameLst>
+                                      </p:cBhvr>
+                                      <p:to>
+                                        <p:strVal val="visible"/>
+                                      </p:to>
+                                    </p:set>
+                                    <p:anim calcmode="lin" valueType="num">
+                                      <p:cBhvr additive="base">
+                                        <p:cTn id="7" dur="500" fill="hold"/>
+                                        <p:tgtEl>
+                                          <p:spTgt spid="7"/>
+                                        </p:tgtEl>
+                                        <p:attrNameLst>
+                                          <p:attrName>ppt_x</p:attrName>
+                                        </p:attrNameLst>
+                                      </p:cBhvr>
+                                      <p:tavLst>
+                                        <p:tav tm="0">
+                                          <p:val>
+                                            <p:strVal val="0-#ppt_w/2"/>
+                                          </p:val>
+                                        </p:tav>
+                                        <p:tav tm="100000">
+                                          <p:val>
+                                            <p:strVal val="#ppt_x"/>
+                                          </p:val>
+                                        </p:tav>
+                                      </p:tavLst>
+                                    </p:anim>
+                                    <p:anim calcmode="lin" valueType="num">
+                                      <p:cBhvr additive="base">
+                                        <p:cTn id="8" dur="500" fill="hold"/>
+                                        <p:tgtEl>
+                                          <p:spTgt spid="7"/>
+                                        </p:tgtEl>
+                                        <p:attrNameLst>
+                                          <p:attrName>ppt_y</p:attrName>
+                                        </p:attrNameLst>
+                                      </p:cBhvr>
+                                      <p:tavLst>
+                                        <p:tav tm="0">
+                                          <p:val>
+                                            <p:strVal val="#ppt_y"/>
+                                          </p:val>
+                                        </p:tav>
+                                        <p:tav tm="100000">
+                                          <p:val>
+                                            <p:strVal val="#ppt_y"/>
+                                          </p:val>
+                                        </p:tav>
+                                      </p:tavLst>
+                                    </p:anim>
+                                  </p:childTnLst>
+                                </p:cTn>
+                              </p:par>
+                              <p:par>
+                                <p:cTn id="9" presetID="22" presetClass="entr" presetSubtype="8" fill="hold" grpId="0" nodeType="withEffect">
+                                  <p:stCondLst>
+                                    <p:cond delay="0"/>
+                                  </p:stCondLst>
+                                  <p:childTnLst>
+                                    <p:set>
+                                      <p:cBhvr>
+                                        <p:cTn id="10" dur="1" fill="hold">
+                                          <p:stCondLst>
+                                            <p:cond delay="0"/>
+                                          </p:stCondLst>
+                                        </p:cTn>
+                                        <p:tgtEl>
+                                          <p:spTgt spid="4"/>
+                                        </p:tgtEl>
+                                        <p:attrNameLst>
+                                          <p:attrName>style.visibility</p:attrName>
+                                        </p:attrNameLst>
+                                      </p:cBhvr>
+                                      <p:to>
+                                        <p:strVal val="visible"/>
+                                      </p:to>
+                                    </p:set>
+                                    <p:animEffect transition="in" filter="wipe(left)">
+                                      <p:cBhvr>
+                                        <p:cTn id="11" dur="500"/>
+                                        <p:tgtEl>
+                                          <p:spTgt spid="4"/>
+                                        </p:tgtEl>
+                                      </p:cBhvr>
+                                    </p:animEffect>
+                                  </p:childTnLst>
+                                </p:cTn>
+                              </p:par>
+                              <p:par>
+                                <p:cTn id="12" presetID="2" presetClass="entr" presetSubtype="8" fill="hold" grpId="0" nodeType="withEffect">
+                                  <p:stCondLst>
+                                    <p:cond delay="500"/>
+                                  </p:stCondLst>
+                                  <p:childTnLst>
+                                    <p:set>
+                                      <p:cBhvr>
+                                        <p:cTn id="13" dur="1" fill="hold">
+                                          <p:stCondLst>
+                                            <p:cond delay="0"/>
+                                          </p:stCondLst>
+                                        </p:cTn>
+                                        <p:tgtEl>
+                                          <p:spTgt spid="15"/>
+                                        </p:tgtEl>
+                                        <p:attrNameLst>
+                                          <p:attrName>style.visibility</p:attrName>
+                                        </p:attrNameLst>
+                                      </p:cBhvr>
+                                      <p:to>
+                                        <p:strVal val="visible"/>
+                                      </p:to>
+                                    </p:set>
+                                    <p:anim calcmode="lin" valueType="num">
+                                      <p:cBhvr additive="base">
+                                        <p:cTn id="14" dur="500" fill="hold"/>
+                                        <p:tgtEl>
+                                          <p:spTgt spid="15"/>
+                                        </p:tgtEl>
+                                        <p:attrNameLst>
+                                          <p:attrName>ppt_x</p:attrName>
+                                        </p:attrNameLst>
+                                      </p:cBhvr>
+                                      <p:tavLst>
+                                        <p:tav tm="0">
+                                          <p:val>
+                                            <p:strVal val="0-#ppt_w/2"/>
+                                          </p:val>
+                                        </p:tav>
+                                        <p:tav tm="100000">
+                                          <p:val>
+                                            <p:strVal val="#ppt_x"/>
+                                          </p:val>
+                                        </p:tav>
+                                      </p:tavLst>
+                                    </p:anim>
+                                    <p:anim calcmode="lin" valueType="num">
+                                      <p:cBhvr additive="base">
+                                        <p:cTn id="15" dur="500" fill="hold"/>
+                                        <p:tgtEl>
+                                          <p:spTgt spid="15"/>
+                                        </p:tgtEl>
+                                        <p:attrNameLst>
+                                          <p:attrName>ppt_y</p:attrName>
+                                        </p:attrNameLst>
+                                      </p:cBhvr>
+                                      <p:tavLst>
+                                        <p:tav tm="0">
+                                          <p:val>
+                                            <p:strVal val="#ppt_y"/>
+                                          </p:val>
+                                        </p:tav>
+                                        <p:tav tm="100000">
+                                          <p:val>
+                                            <p:strVal val="#ppt_y"/>
+                                          </p:val>
+                                        </p:tav>
+                                      </p:tavLst>
+                                    </p:anim>
+                                  </p:childTnLst>
+                                </p:cTn>
+                              </p:par>
+                              <p:par>
+                                <p:cTn id="16" presetID="2" presetClass="entr" presetSubtype="8" fill="hold" grpId="0" nodeType="withEffect">
+                                  <p:stCondLst>
+                                    <p:cond delay="500"/>
+                                  </p:stCondLst>
+                                  <p:childTnLst>
+                                    <p:set>
+                                      <p:cBhvr>
+                                        <p:cTn id="17" dur="1" fill="hold">
+                                          <p:stCondLst>
+                                            <p:cond delay="0"/>
+                                          </p:stCondLst>
+                                        </p:cTn>
+                                        <p:tgtEl>
+                                          <p:spTgt spid="9"/>
+                                        </p:tgtEl>
+                                        <p:attrNameLst>
+                                          <p:attrName>style.visibility</p:attrName>
+                                        </p:attrNameLst>
+                                      </p:cBhvr>
+                                      <p:to>
+                                        <p:strVal val="visible"/>
+                                      </p:to>
+                                    </p:set>
+                                    <p:anim calcmode="lin" valueType="num">
+                                      <p:cBhvr additive="base">
+                                        <p:cTn id="18" dur="500" fill="hold"/>
+                                        <p:tgtEl>
+                                          <p:spTgt spid="9"/>
+                                        </p:tgtEl>
+                                        <p:attrNameLst>
+                                          <p:attrName>ppt_x</p:attrName>
+                                        </p:attrNameLst>
+                                      </p:cBhvr>
+                                      <p:tavLst>
+                                        <p:tav tm="0">
+                                          <p:val>
+                                            <p:strVal val="0-#ppt_w/2"/>
+                                          </p:val>
+                                        </p:tav>
+                                        <p:tav tm="100000">
+                                          <p:val>
+                                            <p:strVal val="#ppt_x"/>
+                                          </p:val>
+                                        </p:tav>
+                                      </p:tavLst>
+                                    </p:anim>
+                                    <p:anim calcmode="lin" valueType="num">
+                                      <p:cBhvr additive="base">
+                                        <p:cTn id="19" dur="500" fill="hold"/>
+                                        <p:tgtEl>
+                                          <p:spTgt spid="9"/>
+                                        </p:tgtEl>
+                                        <p:attrNameLst>
+                                          <p:attrName>ppt_y</p:attrName>
+                                        </p:attrNameLst>
+                                      </p:cBhvr>
+                                      <p:tavLst>
+                                        <p:tav tm="0">
+                                          <p:val>
+                                            <p:strVal val="#ppt_y"/>
+                                          </p:val>
+                                        </p:tav>
+                                        <p:tav tm="100000">
+                                          <p:val>
+                                            <p:strVal val="#ppt_y"/>
+                                          </p:val>
+                                        </p:tav>
+                                      </p:tavLst>
+                                    </p:anim>
+                                  </p:childTnLst>
+                                </p:cTn>
+                              </p:par>
+                            </p:childTnLst>
+                          </p:cTn>
+                        </p:par>
+                      </p:childTnLst>
+                    </p:cTn>
+                  </p:par>
+                </p:childTnLst>
+              </p:cTn>
+              <p:prevCondLst>
+                <p:cond evt="onPrev" delay="0">
+                  <p:tgtEl>
+                    <p:sldTgt/>
+                  </p:tgtEl>
+                </p:cond>
+              </p:prevCondLst>
+              <p:nextCondLst>
+                <p:cond evt="onNext" delay="0">
+                  <p:tgtEl>
+                    <p:sldTgt/>
+                  </p:tgtEl>
+                </p:cond>
+              </p:nextCondLst>
+            </p:seq>
+          </p:childTnLst>
+        </p:cTn>
+      </p:par>
+    </p:tnLst>
+    <p:bldLst>
+      <p:bldP spid="4" grpId="0" animBg="1"/>
+      <p:bldP spid="15" grpId="0" animBg="1"/>
+      <p:bldP spid="9" grpId="0" animBg="1"/>
+    </p:bldLst>
+  </p:timing>
+</p:sld>
+</file>
+
+<file path=ppt/slides/slide7.xml><?xml version="1.0" encoding="utf-8"?>
 <p:sld xmlns:a="http://schemas.openxmlformats.org/drawingml/2006/main" xmlns:r="http://schemas.openxmlformats.org/officeDocument/2006/relationships" xmlns:p="http://schemas.openxmlformats.org/presentationml/2006/main">
   <p:cSld>
     <p:bg>
@@ -6750,17 +12342,111 @@
                 </a:solidFill>
                 <a:latin typeface="Century Gothic" panose="020B0502020202020204" pitchFamily="34" charset="0"/>
               </a:rPr>
-              <a:t>Météo</a:t>
+              <a:t>Tips and Taxes</a:t>
             </a:r>
           </a:p>
         </p:txBody>
       </p:sp>
+      <p:pic>
+        <p:nvPicPr>
+          <p:cNvPr id="3" name="Image 2">
+            <a:extLst>
+              <a:ext uri="{FF2B5EF4-FFF2-40B4-BE49-F238E27FC236}">
+                <a16:creationId xmlns:a16="http://schemas.microsoft.com/office/drawing/2014/main" id="{2C94CED2-4C8A-420D-99B5-04F5005F288F}"/>
+              </a:ext>
+            </a:extLst>
+          </p:cNvPr>
+          <p:cNvPicPr>
+            <a:picLocks noChangeAspect="1"/>
+          </p:cNvPicPr>
+          <p:nvPr/>
+        </p:nvPicPr>
+        <p:blipFill>
+          <a:blip r:embed="rId3">
+            <a:extLst>
+              <a:ext uri="{28A0092B-C50C-407E-A947-70E740481C1C}">
+                <a14:useLocalDpi xmlns:a14="http://schemas.microsoft.com/office/drawing/2010/main" val="0"/>
+              </a:ext>
+            </a:extLst>
+          </a:blip>
+          <a:stretch>
+            <a:fillRect/>
+          </a:stretch>
+        </p:blipFill>
+        <p:spPr>
+          <a:xfrm>
+            <a:off x="1613627" y="1483063"/>
+            <a:ext cx="2512697" cy="5008066"/>
+          </a:xfrm>
+          <a:prstGeom prst="roundRect">
+            <a:avLst>
+              <a:gd name="adj" fmla="val 23694"/>
+            </a:avLst>
+          </a:prstGeom>
+          <a:solidFill>
+            <a:srgbClr val="FFFFFF">
+              <a:shade val="85000"/>
+            </a:srgbClr>
+          </a:solidFill>
+          <a:ln>
+            <a:noFill/>
+          </a:ln>
+          <a:effectLst/>
+        </p:spPr>
+      </p:pic>
+      <p:pic>
+        <p:nvPicPr>
+          <p:cNvPr id="6" name="Image 5" descr="Une image contenant texte&#10;&#10;Description générée automatiquement">
+            <a:extLst>
+              <a:ext uri="{FF2B5EF4-FFF2-40B4-BE49-F238E27FC236}">
+                <a16:creationId xmlns:a16="http://schemas.microsoft.com/office/drawing/2014/main" id="{5FE41446-43CD-4AB2-A56C-A702539B11E4}"/>
+              </a:ext>
+            </a:extLst>
+          </p:cNvPr>
+          <p:cNvPicPr>
+            <a:picLocks noChangeAspect="1"/>
+          </p:cNvPicPr>
+          <p:nvPr/>
+        </p:nvPicPr>
+        <p:blipFill>
+          <a:blip r:embed="rId4">
+            <a:extLst>
+              <a:ext uri="{28A0092B-C50C-407E-A947-70E740481C1C}">
+                <a14:useLocalDpi xmlns:a14="http://schemas.microsoft.com/office/drawing/2010/main" val="0"/>
+              </a:ext>
+            </a:extLst>
+          </a:blip>
+          <a:stretch>
+            <a:fillRect/>
+          </a:stretch>
+        </p:blipFill>
+        <p:spPr>
+          <a:xfrm>
+            <a:off x="7086110" y="1483063"/>
+            <a:ext cx="2693995" cy="4789324"/>
+          </a:xfrm>
+          <a:prstGeom prst="roundRect">
+            <a:avLst>
+              <a:gd name="adj" fmla="val 8594"/>
+            </a:avLst>
+          </a:prstGeom>
+          <a:solidFill>
+            <a:srgbClr val="FFFFFF">
+              <a:shade val="85000"/>
+            </a:srgbClr>
+          </a:solidFill>
+          <a:ln>
+            <a:noFill/>
+          </a:ln>
+          <a:effectLst/>
+        </p:spPr>
+      </p:pic>
       <p:sp>
         <p:nvSpPr>
-          <p:cNvPr id="15" name="Rectangle : coins arrondis 14">
+          <p:cNvPr id="9" name="Flèche : droite 8">
             <a:extLst>
               <a:ext uri="{FF2B5EF4-FFF2-40B4-BE49-F238E27FC236}">
-                <a16:creationId xmlns:a16="http://schemas.microsoft.com/office/drawing/2014/main" id="{EBCB782B-ADC3-47D1-B78D-C4B7A943DD45}"/>
+                <a16:creationId xmlns:a16="http://schemas.microsoft.com/office/drawing/2014/main" id="{99FDBC18-74D5-481E-AACD-73CF6D6277D7}"/>
               </a:ext>
             </a:extLst>
           </p:cNvPr>
@@ -6769,30 +12455,27 @@
         </p:nvSpPr>
         <p:spPr>
           <a:xfrm>
-            <a:off x="4178968" y="3084094"/>
-            <a:ext cx="3834063" cy="689811"/>
+            <a:off x="4850843" y="3341012"/>
+            <a:ext cx="1510748" cy="1073426"/>
           </a:xfrm>
-          <a:prstGeom prst="roundRect">
+          <a:prstGeom prst="rightArrow">
             <a:avLst/>
           </a:prstGeom>
-          <a:solidFill>
-            <a:srgbClr val="C8E7EA"/>
-          </a:solidFill>
           <a:ln>
             <a:noFill/>
           </a:ln>
         </p:spPr>
         <p:style>
           <a:lnRef idx="2">
-            <a:schemeClr val="accent1">
+            <a:schemeClr val="accent6">
               <a:shade val="50000"/>
             </a:schemeClr>
           </a:lnRef>
           <a:fillRef idx="1">
-            <a:schemeClr val="accent1"/>
+            <a:schemeClr val="accent6"/>
           </a:fillRef>
           <a:effectRef idx="0">
-            <a:schemeClr val="accent1"/>
+            <a:schemeClr val="accent6"/>
           </a:effectRef>
           <a:fontRef idx="minor">
             <a:schemeClr val="lt1"/>
@@ -6803,142 +12486,14 @@
           <a:lstStyle/>
           <a:p>
             <a:pPr algn="ctr"/>
-            <a:r>
-              <a:rPr lang="fr-FR" sz="2000" b="1" dirty="0">
-                <a:solidFill>
-                  <a:schemeClr val="tx1"/>
-                </a:solidFill>
-                <a:latin typeface="Century Gothic" panose="020B0502020202020204" pitchFamily="34" charset="0"/>
-              </a:rPr>
-              <a:t>Tips and Taxes</a:t>
-            </a:r>
-          </a:p>
-        </p:txBody>
-      </p:sp>
-      <p:sp>
-        <p:nvSpPr>
-          <p:cNvPr id="16" name="Rectangle : coins arrondis 15">
-            <a:extLst>
-              <a:ext uri="{FF2B5EF4-FFF2-40B4-BE49-F238E27FC236}">
-                <a16:creationId xmlns:a16="http://schemas.microsoft.com/office/drawing/2014/main" id="{9D346BC2-A37D-47C7-A6E7-ED2CE74D238A}"/>
-              </a:ext>
-            </a:extLst>
-          </p:cNvPr>
-          <p:cNvSpPr/>
-          <p:nvPr/>
-        </p:nvSpPr>
-        <p:spPr>
-          <a:xfrm>
-            <a:off x="4178967" y="3958389"/>
-            <a:ext cx="3834063" cy="689811"/>
-          </a:xfrm>
-          <a:prstGeom prst="roundRect">
-            <a:avLst/>
-          </a:prstGeom>
-          <a:solidFill>
-            <a:srgbClr val="C8E7EA"/>
-          </a:solidFill>
-          <a:ln>
-            <a:noFill/>
-          </a:ln>
-        </p:spPr>
-        <p:style>
-          <a:lnRef idx="2">
-            <a:schemeClr val="accent1">
-              <a:shade val="50000"/>
-            </a:schemeClr>
-          </a:lnRef>
-          <a:fillRef idx="1">
-            <a:schemeClr val="accent1"/>
-          </a:fillRef>
-          <a:effectRef idx="0">
-            <a:schemeClr val="accent1"/>
-          </a:effectRef>
-          <a:fontRef idx="minor">
-            <a:schemeClr val="lt1"/>
-          </a:fontRef>
-        </p:style>
-        <p:txBody>
-          <a:bodyPr rtlCol="0" anchor="ctr"/>
-          <a:lstStyle/>
-          <a:p>
-            <a:pPr algn="ctr"/>
-            <a:r>
-              <a:rPr lang="fr-FR" sz="2000" b="1" dirty="0">
-                <a:solidFill>
-                  <a:schemeClr val="tx1"/>
-                </a:solidFill>
-                <a:latin typeface="Century Gothic" panose="020B0502020202020204" pitchFamily="34" charset="0"/>
-              </a:rPr>
-              <a:t>Météo</a:t>
-            </a:r>
-          </a:p>
-        </p:txBody>
-      </p:sp>
-      <p:sp>
-        <p:nvSpPr>
-          <p:cNvPr id="17" name="Rectangle : coins arrondis 16">
-            <a:extLst>
-              <a:ext uri="{FF2B5EF4-FFF2-40B4-BE49-F238E27FC236}">
-                <a16:creationId xmlns:a16="http://schemas.microsoft.com/office/drawing/2014/main" id="{8D668A5A-B375-4673-8893-B21BEC330C15}"/>
-              </a:ext>
-            </a:extLst>
-          </p:cNvPr>
-          <p:cNvSpPr/>
-          <p:nvPr/>
-        </p:nvSpPr>
-        <p:spPr>
-          <a:xfrm>
-            <a:off x="4178966" y="4832684"/>
-            <a:ext cx="3834063" cy="689811"/>
-          </a:xfrm>
-          <a:prstGeom prst="roundRect">
-            <a:avLst/>
-          </a:prstGeom>
-          <a:solidFill>
-            <a:srgbClr val="C8E7EA"/>
-          </a:solidFill>
-          <a:ln>
-            <a:noFill/>
-          </a:ln>
-        </p:spPr>
-        <p:style>
-          <a:lnRef idx="2">
-            <a:schemeClr val="accent1">
-              <a:shade val="50000"/>
-            </a:schemeClr>
-          </a:lnRef>
-          <a:fillRef idx="1">
-            <a:schemeClr val="accent1"/>
-          </a:fillRef>
-          <a:effectRef idx="0">
-            <a:schemeClr val="accent1"/>
-          </a:effectRef>
-          <a:fontRef idx="minor">
-            <a:schemeClr val="lt1"/>
-          </a:fontRef>
-        </p:style>
-        <p:txBody>
-          <a:bodyPr rtlCol="0" anchor="ctr"/>
-          <a:lstStyle/>
-          <a:p>
-            <a:pPr algn="ctr"/>
-            <a:r>
-              <a:rPr lang="fr-FR" sz="2000" b="1" dirty="0">
-                <a:solidFill>
-                  <a:schemeClr val="tx1"/>
-                </a:solidFill>
-                <a:latin typeface="Century Gothic" panose="020B0502020202020204" pitchFamily="34" charset="0"/>
-              </a:rPr>
-              <a:t>Currency Converter</a:t>
-            </a:r>
+            <a:endParaRPr lang="fr-FR"/>
           </a:p>
         </p:txBody>
       </p:sp>
     </p:spTree>
     <p:extLst>
       <p:ext uri="{BB962C8B-B14F-4D97-AF65-F5344CB8AC3E}">
-        <p14:creationId xmlns:p14="http://schemas.microsoft.com/office/powerpoint/2010/main" val="2293799053"/>
+        <p14:creationId xmlns:p14="http://schemas.microsoft.com/office/powerpoint/2010/main" val="236873646"/>
       </p:ext>
     </p:extLst>
   </p:cSld>
@@ -7358,7 +12913,7 @@
                                 </p:cTn>
                               </p:par>
                               <p:par>
-                                <p:cTn id="28" presetID="2" presetClass="entr" presetSubtype="8" fill="hold" grpId="0" nodeType="withEffect">
+                                <p:cTn id="28" presetID="2" presetClass="entr" presetSubtype="8" fill="hold" nodeType="withEffect">
                                   <p:stCondLst>
                                     <p:cond delay="500"/>
                                   </p:stCondLst>
@@ -7371,7 +12926,7 @@
                                           </p:stCondLst>
                                         </p:cTn>
                                         <p:tgtEl>
-                                          <p:spTgt spid="15"/>
+                                          <p:spTgt spid="3"/>
                                         </p:tgtEl>
                                         <p:attrNameLst>
                                           <p:attrName>style.visibility</p:attrName>
@@ -7385,7 +12940,7 @@
                                       <p:cBhvr additive="base">
                                         <p:cTn id="30" dur="500" fill="hold"/>
                                         <p:tgtEl>
-                                          <p:spTgt spid="15"/>
+                                          <p:spTgt spid="3"/>
                                         </p:tgtEl>
                                         <p:attrNameLst>
                                           <p:attrName>ppt_x</p:attrName>
@@ -7408,7 +12963,7 @@
                                       <p:cBhvr additive="base">
                                         <p:cTn id="31" dur="500" fill="hold"/>
                                         <p:tgtEl>
-                                          <p:spTgt spid="15"/>
+                                          <p:spTgt spid="3"/>
                                         </p:tgtEl>
                                         <p:attrNameLst>
                                           <p:attrName>ppt_y</p:attrName>
@@ -7431,9 +12986,9 @@
                                 </p:cTn>
                               </p:par>
                               <p:par>
-                                <p:cTn id="32" presetID="2" presetClass="entr" presetSubtype="2" fill="hold" grpId="0" nodeType="withEffect">
+                                <p:cTn id="32" presetID="2" presetClass="entr" presetSubtype="2" fill="hold" nodeType="withEffect">
                                   <p:stCondLst>
-                                    <p:cond delay="750"/>
+                                    <p:cond delay="500"/>
                                   </p:stCondLst>
                                   <p:childTnLst>
                                     <p:set>
@@ -7444,7 +12999,7 @@
                                           </p:stCondLst>
                                         </p:cTn>
                                         <p:tgtEl>
-                                          <p:spTgt spid="16"/>
+                                          <p:spTgt spid="6"/>
                                         </p:tgtEl>
                                         <p:attrNameLst>
                                           <p:attrName>style.visibility</p:attrName>
@@ -7458,7 +13013,7 @@
                                       <p:cBhvr additive="base">
                                         <p:cTn id="34" dur="500" fill="hold"/>
                                         <p:tgtEl>
-                                          <p:spTgt spid="16"/>
+                                          <p:spTgt spid="6"/>
                                         </p:tgtEl>
                                         <p:attrNameLst>
                                           <p:attrName>ppt_x</p:attrName>
@@ -7481,7 +13036,7 @@
                                       <p:cBhvr additive="base">
                                         <p:cTn id="35" dur="500" fill="hold"/>
                                         <p:tgtEl>
-                                          <p:spTgt spid="16"/>
+                                          <p:spTgt spid="6"/>
                                         </p:tgtEl>
                                         <p:attrNameLst>
                                           <p:attrName>ppt_y</p:attrName>
@@ -7504,9 +13059,9 @@
                                 </p:cTn>
                               </p:par>
                               <p:par>
-                                <p:cTn id="36" presetID="2" presetClass="entr" presetSubtype="8" fill="hold" grpId="0" nodeType="withEffect">
+                                <p:cTn id="36" presetID="22" presetClass="entr" presetSubtype="8" fill="hold" grpId="0" nodeType="withEffect">
                                   <p:stCondLst>
-                                    <p:cond delay="1000"/>
+                                    <p:cond delay="500"/>
                                   </p:stCondLst>
                                   <p:childTnLst>
                                     <p:set>
@@ -7517,7 +13072,7 @@
                                           </p:stCondLst>
                                         </p:cTn>
                                         <p:tgtEl>
-                                          <p:spTgt spid="17"/>
+                                          <p:spTgt spid="9"/>
                                         </p:tgtEl>
                                         <p:attrNameLst>
                                           <p:attrName>style.visibility</p:attrName>
@@ -7527,52 +13082,14 @@
                                         <p:strVal val="visible"/>
                                       </p:to>
                                     </p:set>
-                                    <p:anim calcmode="lin" valueType="num">
-                                      <p:cBhvr additive="base">
-                                        <p:cTn id="38" dur="500" fill="hold"/>
-                                        <p:tgtEl>
-                                          <p:spTgt spid="17"/>
-                                        </p:tgtEl>
-                                        <p:attrNameLst>
-                                          <p:attrName>ppt_x</p:attrName>
-                                        </p:attrNameLst>
-                                      </p:cBhvr>
-                                      <p:tavLst>
-                                        <p:tav tm="0">
-                                          <p:val>
-                                            <p:strVal val="0-#ppt_w/2"/>
-                                          </p:val>
-                                        </p:tav>
-                                        <p:tav tm="100000">
-                                          <p:val>
-                                            <p:strVal val="#ppt_x"/>
-                                          </p:val>
-                                        </p:tav>
-                                      </p:tavLst>
-                                    </p:anim>
-                                    <p:anim calcmode="lin" valueType="num">
-                                      <p:cBhvr additive="base">
-                                        <p:cTn id="39" dur="500" fill="hold"/>
-                                        <p:tgtEl>
-                                          <p:spTgt spid="17"/>
-                                        </p:tgtEl>
-                                        <p:attrNameLst>
-                                          <p:attrName>ppt_y</p:attrName>
-                                        </p:attrNameLst>
-                                      </p:cBhvr>
-                                      <p:tavLst>
-                                        <p:tav tm="0">
-                                          <p:val>
-                                            <p:strVal val="#ppt_y"/>
-                                          </p:val>
-                                        </p:tav>
-                                        <p:tav tm="100000">
-                                          <p:val>
-                                            <p:strVal val="#ppt_y"/>
-                                          </p:val>
-                                        </p:tav>
-                                      </p:tavLst>
-                                    </p:anim>
+                                    <p:animEffect transition="in" filter="wipe(left)">
+                                      <p:cBhvr>
+                                        <p:cTn id="38" dur="500"/>
+                                        <p:tgtEl>
+                                          <p:spTgt spid="9"/>
+                                        </p:tgtEl>
+                                      </p:cBhvr>
+                                    </p:animEffect>
                                   </p:childTnLst>
                                 </p:cTn>
                               </p:par>
@@ -7606,15 +13123,13 @@
     <p:bldLst>
       <p:bldP spid="4" grpId="0" animBg="1"/>
       <p:bldP spid="8" grpId="0"/>
-      <p:bldP spid="15" grpId="0" animBg="1"/>
-      <p:bldP spid="16" grpId="0" animBg="1"/>
-      <p:bldP spid="17" grpId="0" animBg="1"/>
+      <p:bldP spid="9" grpId="0" animBg="1"/>
     </p:bldLst>
   </p:timing>
 </p:sld>
 </file>
 
-<file path=ppt/slides/slide5.xml><?xml version="1.0" encoding="utf-8"?>
+<file path=ppt/slides/slide8.xml><?xml version="1.0" encoding="utf-8"?>
 <p:sld xmlns:a="http://schemas.openxmlformats.org/drawingml/2006/main" xmlns:r="http://schemas.openxmlformats.org/officeDocument/2006/relationships" xmlns:p="http://schemas.openxmlformats.org/presentationml/2006/main">
   <p:cSld>
     <p:bg>
@@ -7726,6 +13241,743 @@
         </p:blipFill>
         <p:spPr>
           <a:xfrm>
+            <a:off x="2631125" y="164214"/>
+            <a:ext cx="1197026" cy="1216164"/>
+          </a:xfrm>
+          <a:prstGeom prst="rect">
+            <a:avLst/>
+          </a:prstGeom>
+        </p:spPr>
+      </p:pic>
+      <p:sp>
+        <p:nvSpPr>
+          <p:cNvPr id="8" name="Rectangle 7">
+            <a:extLst>
+              <a:ext uri="{FF2B5EF4-FFF2-40B4-BE49-F238E27FC236}">
+                <a16:creationId xmlns:a16="http://schemas.microsoft.com/office/drawing/2014/main" id="{887C4029-CB63-4180-9EB6-691B8E7BC1A3}"/>
+              </a:ext>
+            </a:extLst>
+          </p:cNvPr>
+          <p:cNvSpPr/>
+          <p:nvPr/>
+        </p:nvSpPr>
+        <p:spPr>
+          <a:xfrm>
+            <a:off x="-430046" y="572241"/>
+            <a:ext cx="3825279" cy="400110"/>
+          </a:xfrm>
+          <a:prstGeom prst="rect">
+            <a:avLst/>
+          </a:prstGeom>
+        </p:spPr>
+        <p:txBody>
+          <a:bodyPr wrap="square">
+            <a:spAutoFit/>
+          </a:bodyPr>
+          <a:lstStyle/>
+          <a:p>
+            <a:pPr algn="ctr"/>
+            <a:r>
+              <a:rPr lang="fr-FR" sz="2000" b="1" dirty="0">
+                <a:solidFill>
+                  <a:schemeClr val="tx1"/>
+                </a:solidFill>
+                <a:latin typeface="Century Gothic" panose="020B0502020202020204" pitchFamily="34" charset="0"/>
+              </a:rPr>
+              <a:t>Météo</a:t>
+            </a:r>
+          </a:p>
+        </p:txBody>
+      </p:sp>
+      <p:pic>
+        <p:nvPicPr>
+          <p:cNvPr id="3" name="Image 2">
+            <a:extLst>
+              <a:ext uri="{FF2B5EF4-FFF2-40B4-BE49-F238E27FC236}">
+                <a16:creationId xmlns:a16="http://schemas.microsoft.com/office/drawing/2014/main" id="{345808B4-AAAA-4780-AD52-D7E1B89094D0}"/>
+              </a:ext>
+            </a:extLst>
+          </p:cNvPr>
+          <p:cNvPicPr>
+            <a:picLocks noChangeAspect="1"/>
+          </p:cNvPicPr>
+          <p:nvPr/>
+        </p:nvPicPr>
+        <p:blipFill>
+          <a:blip r:embed="rId3">
+            <a:extLst>
+              <a:ext uri="{28A0092B-C50C-407E-A947-70E740481C1C}">
+                <a14:useLocalDpi xmlns:a14="http://schemas.microsoft.com/office/drawing/2010/main" val="0"/>
+              </a:ext>
+            </a:extLst>
+          </a:blip>
+          <a:stretch>
+            <a:fillRect/>
+          </a:stretch>
+        </p:blipFill>
+        <p:spPr>
+          <a:xfrm>
+            <a:off x="4635607" y="572241"/>
+            <a:ext cx="3330893" cy="5921588"/>
+          </a:xfrm>
+          <a:prstGeom prst="roundRect">
+            <a:avLst>
+              <a:gd name="adj" fmla="val 8594"/>
+            </a:avLst>
+          </a:prstGeom>
+          <a:solidFill>
+            <a:srgbClr val="FFFFFF">
+              <a:shade val="85000"/>
+            </a:srgbClr>
+          </a:solidFill>
+          <a:ln>
+            <a:noFill/>
+          </a:ln>
+          <a:effectLst/>
+        </p:spPr>
+      </p:pic>
+    </p:spTree>
+    <p:extLst>
+      <p:ext uri="{BB962C8B-B14F-4D97-AF65-F5344CB8AC3E}">
+        <p14:creationId xmlns:p14="http://schemas.microsoft.com/office/powerpoint/2010/main" val="2293799053"/>
+      </p:ext>
+    </p:extLst>
+  </p:cSld>
+  <p:clrMapOvr>
+    <a:masterClrMapping/>
+  </p:clrMapOvr>
+  <p:transition spd="slow">
+    <p:push dir="u"/>
+  </p:transition>
+  <p:timing>
+    <p:tnLst>
+      <p:par>
+        <p:cTn id="1" dur="indefinite" restart="never" nodeType="tmRoot">
+          <p:childTnLst>
+            <p:seq concurrent="1" nextAc="seek">
+              <p:cTn id="2" dur="indefinite" nodeType="mainSeq">
+                <p:childTnLst>
+                  <p:par>
+                    <p:cTn id="3" fill="hold">
+                      <p:stCondLst>
+                        <p:cond delay="indefinite"/>
+                        <p:cond evt="onBegin" delay="0">
+                          <p:tn val="2"/>
+                        </p:cond>
+                      </p:stCondLst>
+                      <p:childTnLst>
+                        <p:par>
+                          <p:cTn id="4" fill="hold">
+                            <p:stCondLst>
+                              <p:cond delay="0"/>
+                            </p:stCondLst>
+                            <p:childTnLst>
+                              <p:par>
+                                <p:cTn id="5" presetID="2" presetClass="entr" presetSubtype="8" fill="hold" nodeType="withEffect">
+                                  <p:stCondLst>
+                                    <p:cond delay="0"/>
+                                  </p:stCondLst>
+                                  <p:childTnLst>
+                                    <p:set>
+                                      <p:cBhvr>
+                                        <p:cTn id="6" dur="1" fill="hold">
+                                          <p:stCondLst>
+                                            <p:cond delay="0"/>
+                                          </p:stCondLst>
+                                        </p:cTn>
+                                        <p:tgtEl>
+                                          <p:spTgt spid="7"/>
+                                        </p:tgtEl>
+                                        <p:attrNameLst>
+                                          <p:attrName>style.visibility</p:attrName>
+                                        </p:attrNameLst>
+                                      </p:cBhvr>
+                                      <p:to>
+                                        <p:strVal val="visible"/>
+                                      </p:to>
+                                    </p:set>
+                                    <p:anim calcmode="lin" valueType="num">
+                                      <p:cBhvr additive="base">
+                                        <p:cTn id="7" dur="500" fill="hold"/>
+                                        <p:tgtEl>
+                                          <p:spTgt spid="7"/>
+                                        </p:tgtEl>
+                                        <p:attrNameLst>
+                                          <p:attrName>ppt_x</p:attrName>
+                                        </p:attrNameLst>
+                                      </p:cBhvr>
+                                      <p:tavLst>
+                                        <p:tav tm="0">
+                                          <p:val>
+                                            <p:strVal val="0-#ppt_w/2"/>
+                                          </p:val>
+                                        </p:tav>
+                                        <p:tav tm="100000">
+                                          <p:val>
+                                            <p:strVal val="#ppt_x"/>
+                                          </p:val>
+                                        </p:tav>
+                                      </p:tavLst>
+                                    </p:anim>
+                                    <p:anim calcmode="lin" valueType="num">
+                                      <p:cBhvr additive="base">
+                                        <p:cTn id="8" dur="500" fill="hold"/>
+                                        <p:tgtEl>
+                                          <p:spTgt spid="7"/>
+                                        </p:tgtEl>
+                                        <p:attrNameLst>
+                                          <p:attrName>ppt_y</p:attrName>
+                                        </p:attrNameLst>
+                                      </p:cBhvr>
+                                      <p:tavLst>
+                                        <p:tav tm="0">
+                                          <p:val>
+                                            <p:strVal val="#ppt_y"/>
+                                          </p:val>
+                                        </p:tav>
+                                        <p:tav tm="100000">
+                                          <p:val>
+                                            <p:strVal val="#ppt_y"/>
+                                          </p:val>
+                                        </p:tav>
+                                      </p:tavLst>
+                                    </p:anim>
+                                  </p:childTnLst>
+                                </p:cTn>
+                              </p:par>
+                              <p:par>
+                                <p:cTn id="9" presetID="22" presetClass="entr" presetSubtype="8" fill="hold" grpId="0" nodeType="withEffect">
+                                  <p:stCondLst>
+                                    <p:cond delay="0"/>
+                                  </p:stCondLst>
+                                  <p:childTnLst>
+                                    <p:set>
+                                      <p:cBhvr>
+                                        <p:cTn id="10" dur="1" fill="hold">
+                                          <p:stCondLst>
+                                            <p:cond delay="0"/>
+                                          </p:stCondLst>
+                                        </p:cTn>
+                                        <p:tgtEl>
+                                          <p:spTgt spid="4"/>
+                                        </p:tgtEl>
+                                        <p:attrNameLst>
+                                          <p:attrName>style.visibility</p:attrName>
+                                        </p:attrNameLst>
+                                      </p:cBhvr>
+                                      <p:to>
+                                        <p:strVal val="visible"/>
+                                      </p:to>
+                                    </p:set>
+                                    <p:animEffect transition="in" filter="wipe(left)">
+                                      <p:cBhvr>
+                                        <p:cTn id="11" dur="500"/>
+                                        <p:tgtEl>
+                                          <p:spTgt spid="4"/>
+                                        </p:tgtEl>
+                                      </p:cBhvr>
+                                    </p:animEffect>
+                                  </p:childTnLst>
+                                </p:cTn>
+                              </p:par>
+                              <p:par>
+                                <p:cTn id="12" presetID="26" presetClass="entr" presetSubtype="0" fill="hold" grpId="0" nodeType="withEffect">
+                                  <p:stCondLst>
+                                    <p:cond delay="500"/>
+                                  </p:stCondLst>
+                                  <p:childTnLst>
+                                    <p:set>
+                                      <p:cBhvr>
+                                        <p:cTn id="13" dur="1" fill="hold">
+                                          <p:stCondLst>
+                                            <p:cond delay="0"/>
+                                          </p:stCondLst>
+                                        </p:cTn>
+                                        <p:tgtEl>
+                                          <p:spTgt spid="8"/>
+                                        </p:tgtEl>
+                                        <p:attrNameLst>
+                                          <p:attrName>style.visibility</p:attrName>
+                                        </p:attrNameLst>
+                                      </p:cBhvr>
+                                      <p:to>
+                                        <p:strVal val="visible"/>
+                                      </p:to>
+                                    </p:set>
+                                    <p:animEffect transition="in" filter="wipe(down)">
+                                      <p:cBhvr>
+                                        <p:cTn id="14" dur="580">
+                                          <p:stCondLst>
+                                            <p:cond delay="0"/>
+                                          </p:stCondLst>
+                                        </p:cTn>
+                                        <p:tgtEl>
+                                          <p:spTgt spid="8"/>
+                                        </p:tgtEl>
+                                      </p:cBhvr>
+                                    </p:animEffect>
+                                    <p:anim calcmode="lin" valueType="num">
+                                      <p:cBhvr>
+                                        <p:cTn id="15" dur="1822" tmFilter="0,0; 0.14,0.36; 0.43,0.73; 0.71,0.91; 1.0,1.0">
+                                          <p:stCondLst>
+                                            <p:cond delay="0"/>
+                                          </p:stCondLst>
+                                        </p:cTn>
+                                        <p:tgtEl>
+                                          <p:spTgt spid="8"/>
+                                        </p:tgtEl>
+                                        <p:attrNameLst>
+                                          <p:attrName>ppt_x</p:attrName>
+                                        </p:attrNameLst>
+                                      </p:cBhvr>
+                                      <p:tavLst>
+                                        <p:tav tm="0">
+                                          <p:val>
+                                            <p:strVal val="#ppt_x-0.25"/>
+                                          </p:val>
+                                        </p:tav>
+                                        <p:tav tm="100000">
+                                          <p:val>
+                                            <p:strVal val="#ppt_x"/>
+                                          </p:val>
+                                        </p:tav>
+                                      </p:tavLst>
+                                    </p:anim>
+                                    <p:anim calcmode="lin" valueType="num">
+                                      <p:cBhvr>
+                                        <p:cTn id="16" dur="664" tmFilter="0.0,0.0; 0.25,0.07; 0.50,0.2; 0.75,0.467; 1.0,1.0">
+                                          <p:stCondLst>
+                                            <p:cond delay="0"/>
+                                          </p:stCondLst>
+                                        </p:cTn>
+                                        <p:tgtEl>
+                                          <p:spTgt spid="8"/>
+                                        </p:tgtEl>
+                                        <p:attrNameLst>
+                                          <p:attrName>ppt_y</p:attrName>
+                                        </p:attrNameLst>
+                                      </p:cBhvr>
+                                      <p:tavLst>
+                                        <p:tav tm="0" fmla="#ppt_y-sin(pi*$)/3">
+                                          <p:val>
+                                            <p:fltVal val="0.5"/>
+                                          </p:val>
+                                        </p:tav>
+                                        <p:tav tm="100000">
+                                          <p:val>
+                                            <p:fltVal val="1"/>
+                                          </p:val>
+                                        </p:tav>
+                                      </p:tavLst>
+                                    </p:anim>
+                                    <p:anim calcmode="lin" valueType="num">
+                                      <p:cBhvr>
+                                        <p:cTn id="17" dur="664" tmFilter="0, 0; 0.125,0.2665; 0.25,0.4; 0.375,0.465; 0.5,0.5;  0.625,0.535; 0.75,0.6; 0.875,0.7335; 1,1">
+                                          <p:stCondLst>
+                                            <p:cond delay="664"/>
+                                          </p:stCondLst>
+                                        </p:cTn>
+                                        <p:tgtEl>
+                                          <p:spTgt spid="8"/>
+                                        </p:tgtEl>
+                                        <p:attrNameLst>
+                                          <p:attrName>ppt_y</p:attrName>
+                                        </p:attrNameLst>
+                                      </p:cBhvr>
+                                      <p:tavLst>
+                                        <p:tav tm="0" fmla="#ppt_y-sin(pi*$)/9">
+                                          <p:val>
+                                            <p:fltVal val="0"/>
+                                          </p:val>
+                                        </p:tav>
+                                        <p:tav tm="100000">
+                                          <p:val>
+                                            <p:fltVal val="1"/>
+                                          </p:val>
+                                        </p:tav>
+                                      </p:tavLst>
+                                    </p:anim>
+                                    <p:anim calcmode="lin" valueType="num">
+                                      <p:cBhvr>
+                                        <p:cTn id="18" dur="332" tmFilter="0, 0; 0.125,0.2665; 0.25,0.4; 0.375,0.465; 0.5,0.5;  0.625,0.535; 0.75,0.6; 0.875,0.7335; 1,1">
+                                          <p:stCondLst>
+                                            <p:cond delay="1324"/>
+                                          </p:stCondLst>
+                                        </p:cTn>
+                                        <p:tgtEl>
+                                          <p:spTgt spid="8"/>
+                                        </p:tgtEl>
+                                        <p:attrNameLst>
+                                          <p:attrName>ppt_y</p:attrName>
+                                        </p:attrNameLst>
+                                      </p:cBhvr>
+                                      <p:tavLst>
+                                        <p:tav tm="0" fmla="#ppt_y-sin(pi*$)/27">
+                                          <p:val>
+                                            <p:fltVal val="0"/>
+                                          </p:val>
+                                        </p:tav>
+                                        <p:tav tm="100000">
+                                          <p:val>
+                                            <p:fltVal val="1"/>
+                                          </p:val>
+                                        </p:tav>
+                                      </p:tavLst>
+                                    </p:anim>
+                                    <p:anim calcmode="lin" valueType="num">
+                                      <p:cBhvr>
+                                        <p:cTn id="19" dur="164" tmFilter="0, 0; 0.125,0.2665; 0.25,0.4; 0.375,0.465; 0.5,0.5;  0.625,0.535; 0.75,0.6; 0.875,0.7335; 1,1">
+                                          <p:stCondLst>
+                                            <p:cond delay="1656"/>
+                                          </p:stCondLst>
+                                        </p:cTn>
+                                        <p:tgtEl>
+                                          <p:spTgt spid="8"/>
+                                        </p:tgtEl>
+                                        <p:attrNameLst>
+                                          <p:attrName>ppt_y</p:attrName>
+                                        </p:attrNameLst>
+                                      </p:cBhvr>
+                                      <p:tavLst>
+                                        <p:tav tm="0" fmla="#ppt_y-sin(pi*$)/81">
+                                          <p:val>
+                                            <p:fltVal val="0"/>
+                                          </p:val>
+                                        </p:tav>
+                                        <p:tav tm="100000">
+                                          <p:val>
+                                            <p:fltVal val="1"/>
+                                          </p:val>
+                                        </p:tav>
+                                      </p:tavLst>
+                                    </p:anim>
+                                    <p:animScale>
+                                      <p:cBhvr>
+                                        <p:cTn id="20" dur="26">
+                                          <p:stCondLst>
+                                            <p:cond delay="650"/>
+                                          </p:stCondLst>
+                                        </p:cTn>
+                                        <p:tgtEl>
+                                          <p:spTgt spid="8"/>
+                                        </p:tgtEl>
+                                      </p:cBhvr>
+                                      <p:to x="100000" y="60000"/>
+                                    </p:animScale>
+                                    <p:animScale>
+                                      <p:cBhvr>
+                                        <p:cTn id="21" dur="166" decel="50000">
+                                          <p:stCondLst>
+                                            <p:cond delay="676"/>
+                                          </p:stCondLst>
+                                        </p:cTn>
+                                        <p:tgtEl>
+                                          <p:spTgt spid="8"/>
+                                        </p:tgtEl>
+                                      </p:cBhvr>
+                                      <p:to x="100000" y="100000"/>
+                                    </p:animScale>
+                                    <p:animScale>
+                                      <p:cBhvr>
+                                        <p:cTn id="22" dur="26">
+                                          <p:stCondLst>
+                                            <p:cond delay="1312"/>
+                                          </p:stCondLst>
+                                        </p:cTn>
+                                        <p:tgtEl>
+                                          <p:spTgt spid="8"/>
+                                        </p:tgtEl>
+                                      </p:cBhvr>
+                                      <p:to x="100000" y="80000"/>
+                                    </p:animScale>
+                                    <p:animScale>
+                                      <p:cBhvr>
+                                        <p:cTn id="23" dur="166" decel="50000">
+                                          <p:stCondLst>
+                                            <p:cond delay="1338"/>
+                                          </p:stCondLst>
+                                        </p:cTn>
+                                        <p:tgtEl>
+                                          <p:spTgt spid="8"/>
+                                        </p:tgtEl>
+                                      </p:cBhvr>
+                                      <p:to x="100000" y="100000"/>
+                                    </p:animScale>
+                                    <p:animScale>
+                                      <p:cBhvr>
+                                        <p:cTn id="24" dur="26">
+                                          <p:stCondLst>
+                                            <p:cond delay="1642"/>
+                                          </p:stCondLst>
+                                        </p:cTn>
+                                        <p:tgtEl>
+                                          <p:spTgt spid="8"/>
+                                        </p:tgtEl>
+                                      </p:cBhvr>
+                                      <p:to x="100000" y="90000"/>
+                                    </p:animScale>
+                                    <p:animScale>
+                                      <p:cBhvr>
+                                        <p:cTn id="25" dur="166" decel="50000">
+                                          <p:stCondLst>
+                                            <p:cond delay="1668"/>
+                                          </p:stCondLst>
+                                        </p:cTn>
+                                        <p:tgtEl>
+                                          <p:spTgt spid="8"/>
+                                        </p:tgtEl>
+                                      </p:cBhvr>
+                                      <p:to x="100000" y="100000"/>
+                                    </p:animScale>
+                                    <p:animScale>
+                                      <p:cBhvr>
+                                        <p:cTn id="26" dur="26">
+                                          <p:stCondLst>
+                                            <p:cond delay="1808"/>
+                                          </p:stCondLst>
+                                        </p:cTn>
+                                        <p:tgtEl>
+                                          <p:spTgt spid="8"/>
+                                        </p:tgtEl>
+                                      </p:cBhvr>
+                                      <p:to x="100000" y="95000"/>
+                                    </p:animScale>
+                                    <p:animScale>
+                                      <p:cBhvr>
+                                        <p:cTn id="27" dur="166" decel="50000">
+                                          <p:stCondLst>
+                                            <p:cond delay="1834"/>
+                                          </p:stCondLst>
+                                        </p:cTn>
+                                        <p:tgtEl>
+                                          <p:spTgt spid="8"/>
+                                        </p:tgtEl>
+                                      </p:cBhvr>
+                                      <p:to x="100000" y="100000"/>
+                                    </p:animScale>
+                                  </p:childTnLst>
+                                </p:cTn>
+                              </p:par>
+                              <p:par>
+                                <p:cTn id="28" presetID="2" presetClass="entr" presetSubtype="4" fill="hold" nodeType="withEffect">
+                                  <p:stCondLst>
+                                    <p:cond delay="500"/>
+                                  </p:stCondLst>
+                                  <p:childTnLst>
+                                    <p:set>
+                                      <p:cBhvr>
+                                        <p:cTn id="29" dur="1" fill="hold">
+                                          <p:stCondLst>
+                                            <p:cond delay="0"/>
+                                          </p:stCondLst>
+                                        </p:cTn>
+                                        <p:tgtEl>
+                                          <p:spTgt spid="3"/>
+                                        </p:tgtEl>
+                                        <p:attrNameLst>
+                                          <p:attrName>style.visibility</p:attrName>
+                                        </p:attrNameLst>
+                                      </p:cBhvr>
+                                      <p:to>
+                                        <p:strVal val="visible"/>
+                                      </p:to>
+                                    </p:set>
+                                    <p:anim calcmode="lin" valueType="num">
+                                      <p:cBhvr additive="base">
+                                        <p:cTn id="30" dur="500" fill="hold"/>
+                                        <p:tgtEl>
+                                          <p:spTgt spid="3"/>
+                                        </p:tgtEl>
+                                        <p:attrNameLst>
+                                          <p:attrName>ppt_x</p:attrName>
+                                        </p:attrNameLst>
+                                      </p:cBhvr>
+                                      <p:tavLst>
+                                        <p:tav tm="0">
+                                          <p:val>
+                                            <p:strVal val="#ppt_x"/>
+                                          </p:val>
+                                        </p:tav>
+                                        <p:tav tm="100000">
+                                          <p:val>
+                                            <p:strVal val="#ppt_x"/>
+                                          </p:val>
+                                        </p:tav>
+                                      </p:tavLst>
+                                    </p:anim>
+                                    <p:anim calcmode="lin" valueType="num">
+                                      <p:cBhvr additive="base">
+                                        <p:cTn id="31" dur="500" fill="hold"/>
+                                        <p:tgtEl>
+                                          <p:spTgt spid="3"/>
+                                        </p:tgtEl>
+                                        <p:attrNameLst>
+                                          <p:attrName>ppt_y</p:attrName>
+                                        </p:attrNameLst>
+                                      </p:cBhvr>
+                                      <p:tavLst>
+                                        <p:tav tm="0">
+                                          <p:val>
+                                            <p:strVal val="1+#ppt_h/2"/>
+                                          </p:val>
+                                        </p:tav>
+                                        <p:tav tm="100000">
+                                          <p:val>
+                                            <p:strVal val="#ppt_y"/>
+                                          </p:val>
+                                        </p:tav>
+                                      </p:tavLst>
+                                    </p:anim>
+                                  </p:childTnLst>
+                                </p:cTn>
+                              </p:par>
+                            </p:childTnLst>
+                          </p:cTn>
+                        </p:par>
+                      </p:childTnLst>
+                    </p:cTn>
+                  </p:par>
+                </p:childTnLst>
+              </p:cTn>
+              <p:prevCondLst>
+                <p:cond evt="onPrev" delay="0">
+                  <p:tgtEl>
+                    <p:sldTgt/>
+                  </p:tgtEl>
+                </p:cond>
+              </p:prevCondLst>
+              <p:nextCondLst>
+                <p:cond evt="onNext" delay="0">
+                  <p:tgtEl>
+                    <p:sldTgt/>
+                  </p:tgtEl>
+                </p:cond>
+              </p:nextCondLst>
+            </p:seq>
+          </p:childTnLst>
+        </p:cTn>
+      </p:par>
+    </p:tnLst>
+    <p:bldLst>
+      <p:bldP spid="4" grpId="0" animBg="1"/>
+      <p:bldP spid="8" grpId="0"/>
+    </p:bldLst>
+  </p:timing>
+</p:sld>
+</file>
+
+<file path=ppt/slides/slide9.xml><?xml version="1.0" encoding="utf-8"?>
+<p:sld xmlns:a="http://schemas.openxmlformats.org/drawingml/2006/main" xmlns:r="http://schemas.openxmlformats.org/officeDocument/2006/relationships" xmlns:p="http://schemas.openxmlformats.org/presentationml/2006/main">
+  <p:cSld>
+    <p:bg>
+      <p:bgPr>
+        <a:solidFill>
+          <a:srgbClr val="EAD4C8"/>
+        </a:solidFill>
+        <a:effectLst/>
+      </p:bgPr>
+    </p:bg>
+    <p:spTree>
+      <p:nvGrpSpPr>
+        <p:cNvPr id="1" name=""/>
+        <p:cNvGrpSpPr/>
+        <p:nvPr/>
+      </p:nvGrpSpPr>
+      <p:grpSpPr>
+        <a:xfrm>
+          <a:off x="0" y="0"/>
+          <a:ext cx="0" cy="0"/>
+          <a:chOff x="0" y="0"/>
+          <a:chExt cx="0" cy="0"/>
+        </a:xfrm>
+      </p:grpSpPr>
+      <p:sp>
+        <p:nvSpPr>
+          <p:cNvPr id="4" name="Rectangle : coins arrondis 3">
+            <a:extLst>
+              <a:ext uri="{FF2B5EF4-FFF2-40B4-BE49-F238E27FC236}">
+                <a16:creationId xmlns:a16="http://schemas.microsoft.com/office/drawing/2014/main" id="{E99BD5E1-449C-4F26-A707-0C47A6DC2B4C}"/>
+              </a:ext>
+            </a:extLst>
+          </p:cNvPr>
+          <p:cNvSpPr/>
+          <p:nvPr/>
+        </p:nvSpPr>
+        <p:spPr>
+          <a:xfrm>
+            <a:off x="-98855" y="469556"/>
+            <a:ext cx="3162898" cy="605481"/>
+          </a:xfrm>
+          <a:prstGeom prst="roundRect">
+            <a:avLst/>
+          </a:prstGeom>
+          <a:solidFill>
+            <a:schemeClr val="bg1"/>
+          </a:solidFill>
+          <a:ln>
+            <a:solidFill>
+              <a:schemeClr val="bg1"/>
+            </a:solidFill>
+          </a:ln>
+        </p:spPr>
+        <p:style>
+          <a:lnRef idx="2">
+            <a:schemeClr val="accent1">
+              <a:shade val="50000"/>
+            </a:schemeClr>
+          </a:lnRef>
+          <a:fillRef idx="1">
+            <a:schemeClr val="accent1"/>
+          </a:fillRef>
+          <a:effectRef idx="0">
+            <a:schemeClr val="accent1"/>
+          </a:effectRef>
+          <a:fontRef idx="minor">
+            <a:schemeClr val="lt1"/>
+          </a:fontRef>
+        </p:style>
+        <p:txBody>
+          <a:bodyPr rtlCol="0" anchor="ctr"/>
+          <a:lstStyle/>
+          <a:p>
+            <a:pPr algn="ctr"/>
+            <a:endParaRPr lang="fr-FR" sz="2000" b="1" dirty="0">
+              <a:solidFill>
+                <a:schemeClr val="tx1"/>
+              </a:solidFill>
+              <a:latin typeface="Century Gothic" panose="020B0502020202020204" pitchFamily="34" charset="0"/>
+            </a:endParaRPr>
+          </a:p>
+        </p:txBody>
+      </p:sp>
+      <p:pic>
+        <p:nvPicPr>
+          <p:cNvPr id="7" name="Image 6" descr="Une image contenant graphiques vectoriels&#10;&#10;Description générée automatiquement">
+            <a:extLst>
+              <a:ext uri="{FF2B5EF4-FFF2-40B4-BE49-F238E27FC236}">
+                <a16:creationId xmlns:a16="http://schemas.microsoft.com/office/drawing/2014/main" id="{2C099A9B-807E-47F5-9873-37CE877AAAF2}"/>
+              </a:ext>
+            </a:extLst>
+          </p:cNvPr>
+          <p:cNvPicPr>
+            <a:picLocks noChangeAspect="1"/>
+          </p:cNvPicPr>
+          <p:nvPr/>
+        </p:nvPicPr>
+        <p:blipFill>
+          <a:blip r:embed="rId2">
+            <a:extLst>
+              <a:ext uri="{28A0092B-C50C-407E-A947-70E740481C1C}">
+                <a14:useLocalDpi xmlns:a14="http://schemas.microsoft.com/office/drawing/2010/main" val="0"/>
+              </a:ext>
+            </a:extLst>
+          </a:blip>
+          <a:stretch>
+            <a:fillRect/>
+          </a:stretch>
+        </p:blipFill>
+        <p:spPr>
+          <a:xfrm>
             <a:off x="2796720" y="164214"/>
             <a:ext cx="1197026" cy="1216164"/>
           </a:xfrm>
@@ -7805,12 +14057,108 @@
         </p:blipFill>
         <p:spPr>
           <a:xfrm>
-            <a:off x="1129861" y="1445042"/>
+            <a:off x="1803021" y="1667092"/>
             <a:ext cx="2522044" cy="5026694"/>
           </a:xfrm>
           <a:prstGeom prst="roundRect">
             <a:avLst>
               <a:gd name="adj" fmla="val 21371"/>
+            </a:avLst>
+          </a:prstGeom>
+          <a:solidFill>
+            <a:srgbClr val="FFFFFF">
+              <a:shade val="85000"/>
+            </a:srgbClr>
+          </a:solidFill>
+          <a:ln>
+            <a:noFill/>
+          </a:ln>
+          <a:effectLst/>
+        </p:spPr>
+      </p:pic>
+      <p:sp>
+        <p:nvSpPr>
+          <p:cNvPr id="6" name="Flèche : droite 5">
+            <a:extLst>
+              <a:ext uri="{FF2B5EF4-FFF2-40B4-BE49-F238E27FC236}">
+                <a16:creationId xmlns:a16="http://schemas.microsoft.com/office/drawing/2014/main" id="{9A3EC88A-6965-48E0-AE56-E1592785A662}"/>
+              </a:ext>
+            </a:extLst>
+          </p:cNvPr>
+          <p:cNvSpPr/>
+          <p:nvPr/>
+        </p:nvSpPr>
+        <p:spPr>
+          <a:xfrm>
+            <a:off x="4850843" y="3341012"/>
+            <a:ext cx="1510748" cy="1073426"/>
+          </a:xfrm>
+          <a:prstGeom prst="rightArrow">
+            <a:avLst/>
+          </a:prstGeom>
+          <a:ln>
+            <a:noFill/>
+          </a:ln>
+        </p:spPr>
+        <p:style>
+          <a:lnRef idx="2">
+            <a:schemeClr val="accent6">
+              <a:shade val="50000"/>
+            </a:schemeClr>
+          </a:lnRef>
+          <a:fillRef idx="1">
+            <a:schemeClr val="accent6"/>
+          </a:fillRef>
+          <a:effectRef idx="0">
+            <a:schemeClr val="accent6"/>
+          </a:effectRef>
+          <a:fontRef idx="minor">
+            <a:schemeClr val="lt1"/>
+          </a:fontRef>
+        </p:style>
+        <p:txBody>
+          <a:bodyPr rtlCol="0" anchor="ctr"/>
+          <a:lstStyle/>
+          <a:p>
+            <a:pPr algn="ctr"/>
+            <a:endParaRPr lang="fr-FR"/>
+          </a:p>
+        </p:txBody>
+      </p:sp>
+      <p:pic>
+        <p:nvPicPr>
+          <p:cNvPr id="3" name="Image 2" descr="Une image contenant capture d’écran&#10;&#10;Description générée automatiquement">
+            <a:extLst>
+              <a:ext uri="{FF2B5EF4-FFF2-40B4-BE49-F238E27FC236}">
+                <a16:creationId xmlns:a16="http://schemas.microsoft.com/office/drawing/2014/main" id="{4DFF2FDB-1159-4E4A-8C19-7D03B1893BE0}"/>
+              </a:ext>
+            </a:extLst>
+          </p:cNvPr>
+          <p:cNvPicPr>
+            <a:picLocks noChangeAspect="1"/>
+          </p:cNvPicPr>
+          <p:nvPr/>
+        </p:nvPicPr>
+        <p:blipFill>
+          <a:blip r:embed="rId4">
+            <a:extLst>
+              <a:ext uri="{28A0092B-C50C-407E-A947-70E740481C1C}">
+                <a14:useLocalDpi xmlns:a14="http://schemas.microsoft.com/office/drawing/2010/main" val="0"/>
+              </a:ext>
+            </a:extLst>
+          </a:blip>
+          <a:stretch>
+            <a:fillRect/>
+          </a:stretch>
+        </p:blipFill>
+        <p:spPr>
+          <a:xfrm>
+            <a:off x="7175349" y="1667092"/>
+            <a:ext cx="2709744" cy="4817322"/>
+          </a:xfrm>
+          <a:prstGeom prst="roundRect">
+            <a:avLst>
+              <a:gd name="adj" fmla="val 8594"/>
             </a:avLst>
           </a:prstGeom>
           <a:solidFill>
@@ -8246,6 +14594,187 @@
                                   </p:childTnLst>
                                 </p:cTn>
                               </p:par>
+                              <p:par>
+                                <p:cTn id="28" presetID="2" presetClass="entr" presetSubtype="8" fill="hold" nodeType="withEffect">
+                                  <p:stCondLst>
+                                    <p:cond delay="500"/>
+                                  </p:stCondLst>
+                                  <p:childTnLst>
+                                    <p:set>
+                                      <p:cBhvr>
+                                        <p:cTn id="29" dur="1" fill="hold">
+                                          <p:stCondLst>
+                                            <p:cond delay="0"/>
+                                          </p:stCondLst>
+                                        </p:cTn>
+                                        <p:tgtEl>
+                                          <p:spTgt spid="9"/>
+                                        </p:tgtEl>
+                                        <p:attrNameLst>
+                                          <p:attrName>style.visibility</p:attrName>
+                                        </p:attrNameLst>
+                                      </p:cBhvr>
+                                      <p:to>
+                                        <p:strVal val="visible"/>
+                                      </p:to>
+                                    </p:set>
+                                    <p:anim calcmode="lin" valueType="num">
+                                      <p:cBhvr additive="base">
+                                        <p:cTn id="30" dur="500" fill="hold"/>
+                                        <p:tgtEl>
+                                          <p:spTgt spid="9"/>
+                                        </p:tgtEl>
+                                        <p:attrNameLst>
+                                          <p:attrName>ppt_x</p:attrName>
+                                        </p:attrNameLst>
+                                      </p:cBhvr>
+                                      <p:tavLst>
+                                        <p:tav tm="0">
+                                          <p:val>
+                                            <p:strVal val="0-#ppt_w/2"/>
+                                          </p:val>
+                                        </p:tav>
+                                        <p:tav tm="100000">
+                                          <p:val>
+                                            <p:strVal val="#ppt_x"/>
+                                          </p:val>
+                                        </p:tav>
+                                      </p:tavLst>
+                                    </p:anim>
+                                    <p:anim calcmode="lin" valueType="num">
+                                      <p:cBhvr additive="base">
+                                        <p:cTn id="31" dur="500" fill="hold"/>
+                                        <p:tgtEl>
+                                          <p:spTgt spid="9"/>
+                                        </p:tgtEl>
+                                        <p:attrNameLst>
+                                          <p:attrName>ppt_y</p:attrName>
+                                        </p:attrNameLst>
+                                      </p:cBhvr>
+                                      <p:tavLst>
+                                        <p:tav tm="0">
+                                          <p:val>
+                                            <p:strVal val="#ppt_y"/>
+                                          </p:val>
+                                        </p:tav>
+                                        <p:tav tm="100000">
+                                          <p:val>
+                                            <p:strVal val="#ppt_y"/>
+                                          </p:val>
+                                        </p:tav>
+                                      </p:tavLst>
+                                    </p:anim>
+                                  </p:childTnLst>
+                                </p:cTn>
+                              </p:par>
+                              <p:par>
+                                <p:cTn id="32" presetID="2" presetClass="entr" presetSubtype="2" fill="hold" nodeType="withEffect">
+                                  <p:stCondLst>
+                                    <p:cond delay="500"/>
+                                  </p:stCondLst>
+                                  <p:childTnLst>
+                                    <p:set>
+                                      <p:cBhvr>
+                                        <p:cTn id="33" dur="1" fill="hold">
+                                          <p:stCondLst>
+                                            <p:cond delay="0"/>
+                                          </p:stCondLst>
+                                        </p:cTn>
+                                        <p:tgtEl>
+                                          <p:spTgt spid="3"/>
+                                        </p:tgtEl>
+                                        <p:attrNameLst>
+                                          <p:attrName>style.visibility</p:attrName>
+                                        </p:attrNameLst>
+                                      </p:cBhvr>
+                                      <p:to>
+                                        <p:strVal val="visible"/>
+                                      </p:to>
+                                    </p:set>
+                                    <p:anim calcmode="lin" valueType="num">
+                                      <p:cBhvr additive="base">
+                                        <p:cTn id="34" dur="500" fill="hold"/>
+                                        <p:tgtEl>
+                                          <p:spTgt spid="3"/>
+                                        </p:tgtEl>
+                                        <p:attrNameLst>
+                                          <p:attrName>ppt_x</p:attrName>
+                                        </p:attrNameLst>
+                                      </p:cBhvr>
+                                      <p:tavLst>
+                                        <p:tav tm="0">
+                                          <p:val>
+                                            <p:strVal val="1+#ppt_w/2"/>
+                                          </p:val>
+                                        </p:tav>
+                                        <p:tav tm="100000">
+                                          <p:val>
+                                            <p:strVal val="#ppt_x"/>
+                                          </p:val>
+                                        </p:tav>
+                                      </p:tavLst>
+                                    </p:anim>
+                                    <p:anim calcmode="lin" valueType="num">
+                                      <p:cBhvr additive="base">
+                                        <p:cTn id="35" dur="500" fill="hold"/>
+                                        <p:tgtEl>
+                                          <p:spTgt spid="3"/>
+                                        </p:tgtEl>
+                                        <p:attrNameLst>
+                                          <p:attrName>ppt_y</p:attrName>
+                                        </p:attrNameLst>
+                                      </p:cBhvr>
+                                      <p:tavLst>
+                                        <p:tav tm="0">
+                                          <p:val>
+                                            <p:strVal val="#ppt_y"/>
+                                          </p:val>
+                                        </p:tav>
+                                        <p:tav tm="100000">
+                                          <p:val>
+                                            <p:strVal val="#ppt_y"/>
+                                          </p:val>
+                                        </p:tav>
+                                      </p:tavLst>
+                                    </p:anim>
+                                  </p:childTnLst>
+                                </p:cTn>
+                              </p:par>
+                              <p:par>
+                                <p:cTn id="36" presetID="22" presetClass="entr" presetSubtype="8" fill="hold" grpId="0" nodeType="withEffect">
+                                  <p:stCondLst>
+                                    <p:cond delay="500"/>
+                                  </p:stCondLst>
+                                  <p:childTnLst>
+                                    <p:set>
+                                      <p:cBhvr>
+                                        <p:cTn id="37" dur="1" fill="hold">
+                                          <p:stCondLst>
+                                            <p:cond delay="0"/>
+                                          </p:stCondLst>
+                                        </p:cTn>
+                                        <p:tgtEl>
+                                          <p:spTgt spid="6"/>
+                                        </p:tgtEl>
+                                        <p:attrNameLst>
+                                          <p:attrName>style.visibility</p:attrName>
+                                        </p:attrNameLst>
+                                      </p:cBhvr>
+                                      <p:to>
+                                        <p:strVal val="visible"/>
+                                      </p:to>
+                                    </p:set>
+                                    <p:animEffect transition="in" filter="wipe(left)">
+                                      <p:cBhvr>
+                                        <p:cTn id="38" dur="500"/>
+                                        <p:tgtEl>
+                                          <p:spTgt spid="6"/>
+                                        </p:tgtEl>
+                                      </p:cBhvr>
+                                    </p:animEffect>
+                                  </p:childTnLst>
+                                </p:cTn>
+                              </p:par>
                             </p:childTnLst>
                           </p:cTn>
                         </p:par>
@@ -8276,6 +14805,7 @@
     <p:bldLst>
       <p:bldP spid="4" grpId="0" animBg="1"/>
       <p:bldP spid="8" grpId="0"/>
+      <p:bldP spid="6" grpId="0" animBg="1"/>
     </p:bldLst>
   </p:timing>
 </p:sld>
